--- a/기획_설계/UI디자인/척박한게임.pptx
+++ b/기획_설계/UI디자인/척박한게임.pptx
@@ -17,6 +17,7 @@
     <p:sldId id="266" r:id="rId11"/>
     <p:sldId id="267" r:id="rId12"/>
     <p:sldId id="268" r:id="rId13"/>
+    <p:sldId id="270" r:id="rId14"/>
   </p:sldIdLst>
   <p:sldSz cx="9144000" cy="5143500" type="screen16x9"/>
   <p:notesSz cx="6858000" cy="9144000"/>
@@ -159,7 +160,12 @@
         <p14:section name="퀘스트" id="{763D3F0C-D425-455F-9D6E-29B2D3BE7D37}">
           <p14:sldIdLst>
             <p14:sldId id="267"/>
+          </p14:sldIdLst>
+        </p14:section>
+        <p14:section name="상점" id="{A6053185-BE21-4F3C-A9E8-5BDEC1970796}">
+          <p14:sldIdLst>
             <p14:sldId id="268"/>
+            <p14:sldId id="270"/>
           </p14:sldIdLst>
         </p14:section>
       </p14:sectionLst>
@@ -349,7 +355,7 @@
           <a:p>
             <a:fld id="{860E1F71-82FF-4D41-95E6-DC71DFA52401}" type="datetimeFigureOut">
               <a:rPr lang="ko-KR" altLang="en-US" smtClean="0"/>
-              <a:t>2018-09-27</a:t>
+              <a:t>2018-10-04</a:t>
             </a:fld>
             <a:endParaRPr lang="ko-KR" altLang="en-US"/>
           </a:p>
@@ -519,7 +525,7 @@
           <a:p>
             <a:fld id="{860E1F71-82FF-4D41-95E6-DC71DFA52401}" type="datetimeFigureOut">
               <a:rPr lang="ko-KR" altLang="en-US" smtClean="0"/>
-              <a:t>2018-09-27</a:t>
+              <a:t>2018-10-04</a:t>
             </a:fld>
             <a:endParaRPr lang="ko-KR" altLang="en-US"/>
           </a:p>
@@ -699,7 +705,7 @@
           <a:p>
             <a:fld id="{860E1F71-82FF-4D41-95E6-DC71DFA52401}" type="datetimeFigureOut">
               <a:rPr lang="ko-KR" altLang="en-US" smtClean="0"/>
-              <a:t>2018-09-27</a:t>
+              <a:t>2018-10-04</a:t>
             </a:fld>
             <a:endParaRPr lang="ko-KR" altLang="en-US"/>
           </a:p>
@@ -869,7 +875,7 @@
           <a:p>
             <a:fld id="{860E1F71-82FF-4D41-95E6-DC71DFA52401}" type="datetimeFigureOut">
               <a:rPr lang="ko-KR" altLang="en-US" smtClean="0"/>
-              <a:t>2018-09-27</a:t>
+              <a:t>2018-10-04</a:t>
             </a:fld>
             <a:endParaRPr lang="ko-KR" altLang="en-US"/>
           </a:p>
@@ -1115,7 +1121,7 @@
           <a:p>
             <a:fld id="{860E1F71-82FF-4D41-95E6-DC71DFA52401}" type="datetimeFigureOut">
               <a:rPr lang="ko-KR" altLang="en-US" smtClean="0"/>
-              <a:t>2018-09-27</a:t>
+              <a:t>2018-10-04</a:t>
             </a:fld>
             <a:endParaRPr lang="ko-KR" altLang="en-US"/>
           </a:p>
@@ -1403,7 +1409,7 @@
           <a:p>
             <a:fld id="{860E1F71-82FF-4D41-95E6-DC71DFA52401}" type="datetimeFigureOut">
               <a:rPr lang="ko-KR" altLang="en-US" smtClean="0"/>
-              <a:t>2018-09-27</a:t>
+              <a:t>2018-10-04</a:t>
             </a:fld>
             <a:endParaRPr lang="ko-KR" altLang="en-US"/>
           </a:p>
@@ -1830,7 +1836,7 @@
           <a:p>
             <a:fld id="{860E1F71-82FF-4D41-95E6-DC71DFA52401}" type="datetimeFigureOut">
               <a:rPr lang="ko-KR" altLang="en-US" smtClean="0"/>
-              <a:t>2018-09-27</a:t>
+              <a:t>2018-10-04</a:t>
             </a:fld>
             <a:endParaRPr lang="ko-KR" altLang="en-US"/>
           </a:p>
@@ -1948,7 +1954,7 @@
           <a:p>
             <a:fld id="{860E1F71-82FF-4D41-95E6-DC71DFA52401}" type="datetimeFigureOut">
               <a:rPr lang="ko-KR" altLang="en-US" smtClean="0"/>
-              <a:t>2018-09-27</a:t>
+              <a:t>2018-10-04</a:t>
             </a:fld>
             <a:endParaRPr lang="ko-KR" altLang="en-US"/>
           </a:p>
@@ -2043,7 +2049,7 @@
           <a:p>
             <a:fld id="{860E1F71-82FF-4D41-95E6-DC71DFA52401}" type="datetimeFigureOut">
               <a:rPr lang="ko-KR" altLang="en-US" smtClean="0"/>
-              <a:t>2018-09-27</a:t>
+              <a:t>2018-10-04</a:t>
             </a:fld>
             <a:endParaRPr lang="ko-KR" altLang="en-US"/>
           </a:p>
@@ -2320,7 +2326,7 @@
           <a:p>
             <a:fld id="{860E1F71-82FF-4D41-95E6-DC71DFA52401}" type="datetimeFigureOut">
               <a:rPr lang="ko-KR" altLang="en-US" smtClean="0"/>
-              <a:t>2018-09-27</a:t>
+              <a:t>2018-10-04</a:t>
             </a:fld>
             <a:endParaRPr lang="ko-KR" altLang="en-US"/>
           </a:p>
@@ -2573,7 +2579,7 @@
           <a:p>
             <a:fld id="{860E1F71-82FF-4D41-95E6-DC71DFA52401}" type="datetimeFigureOut">
               <a:rPr lang="ko-KR" altLang="en-US" smtClean="0"/>
-              <a:t>2018-09-27</a:t>
+              <a:t>2018-10-04</a:t>
             </a:fld>
             <a:endParaRPr lang="ko-KR" altLang="en-US"/>
           </a:p>
@@ -2786,7 +2792,7 @@
           <a:p>
             <a:fld id="{860E1F71-82FF-4D41-95E6-DC71DFA52401}" type="datetimeFigureOut">
               <a:rPr lang="ko-KR" altLang="en-US" smtClean="0"/>
-              <a:t>2018-09-27</a:t>
+              <a:t>2018-10-04</a:t>
             </a:fld>
             <a:endParaRPr lang="ko-KR" altLang="en-US"/>
           </a:p>
@@ -6512,53 +6518,6 @@
         </p:sp>
         <p:sp>
           <p:nvSpPr>
-            <p:cNvPr id="74" name="직사각형 73"/>
-            <p:cNvSpPr/>
-            <p:nvPr/>
-          </p:nvSpPr>
-          <p:spPr>
-            <a:xfrm>
-              <a:off x="842482" y="957426"/>
-              <a:ext cx="653853" cy="324922"/>
-            </a:xfrm>
-            <a:prstGeom prst="rect">
-              <a:avLst/>
-            </a:prstGeom>
-            <a:solidFill>
-              <a:schemeClr val="accent2">
-                <a:lumMod val="75000"/>
-              </a:schemeClr>
-            </a:solidFill>
-          </p:spPr>
-          <p:style>
-            <a:lnRef idx="2">
-              <a:schemeClr val="dk1"/>
-            </a:lnRef>
-            <a:fillRef idx="1">
-              <a:schemeClr val="lt1"/>
-            </a:fillRef>
-            <a:effectRef idx="0">
-              <a:schemeClr val="dk1"/>
-            </a:effectRef>
-            <a:fontRef idx="minor">
-              <a:schemeClr val="dk1"/>
-            </a:fontRef>
-          </p:style>
-          <p:txBody>
-            <a:bodyPr rtlCol="0" anchor="ctr"/>
-            <a:lstStyle/>
-            <a:p>
-              <a:pPr algn="ctr"/>
-              <a:r>
-                <a:rPr lang="ko-KR" altLang="en-US" sz="900" dirty="0" smtClean="0"/>
-                <a:t>시작가능</a:t>
-              </a:r>
-              <a:endParaRPr lang="ko-KR" altLang="en-US" sz="900" dirty="0"/>
-            </a:p>
-          </p:txBody>
-        </p:sp>
-        <p:sp>
-          <p:nvSpPr>
             <p:cNvPr id="75" name="직사각형 74"/>
             <p:cNvSpPr/>
             <p:nvPr/>
@@ -6935,100 +6894,6 @@
             <a:p>
               <a:pPr algn="ctr"/>
               <a:endParaRPr lang="ko-KR" altLang="en-US" sz="1000" dirty="0"/>
-            </a:p>
-          </p:txBody>
-        </p:sp>
-        <p:sp>
-          <p:nvSpPr>
-            <p:cNvPr id="84" name="직사각형 83"/>
-            <p:cNvSpPr/>
-            <p:nvPr/>
-          </p:nvSpPr>
-          <p:spPr>
-            <a:xfrm>
-              <a:off x="1496335" y="958759"/>
-              <a:ext cx="653853" cy="324922"/>
-            </a:xfrm>
-            <a:prstGeom prst="rect">
-              <a:avLst/>
-            </a:prstGeom>
-            <a:solidFill>
-              <a:schemeClr val="accent2">
-                <a:lumMod val="75000"/>
-              </a:schemeClr>
-            </a:solidFill>
-          </p:spPr>
-          <p:style>
-            <a:lnRef idx="2">
-              <a:schemeClr val="dk1"/>
-            </a:lnRef>
-            <a:fillRef idx="1">
-              <a:schemeClr val="lt1"/>
-            </a:fillRef>
-            <a:effectRef idx="0">
-              <a:schemeClr val="dk1"/>
-            </a:effectRef>
-            <a:fontRef idx="minor">
-              <a:schemeClr val="dk1"/>
-            </a:fontRef>
-          </p:style>
-          <p:txBody>
-            <a:bodyPr rtlCol="0" anchor="ctr"/>
-            <a:lstStyle/>
-            <a:p>
-              <a:pPr algn="ctr"/>
-              <a:r>
-                <a:rPr lang="ko-KR" altLang="en-US" sz="900" dirty="0" err="1" smtClean="0"/>
-                <a:t>진행중</a:t>
-              </a:r>
-              <a:endParaRPr lang="ko-KR" altLang="en-US" sz="900" dirty="0"/>
-            </a:p>
-          </p:txBody>
-        </p:sp>
-        <p:sp>
-          <p:nvSpPr>
-            <p:cNvPr id="85" name="직사각형 84"/>
-            <p:cNvSpPr/>
-            <p:nvPr/>
-          </p:nvSpPr>
-          <p:spPr>
-            <a:xfrm>
-              <a:off x="2150188" y="959106"/>
-              <a:ext cx="653853" cy="324922"/>
-            </a:xfrm>
-            <a:prstGeom prst="rect">
-              <a:avLst/>
-            </a:prstGeom>
-            <a:solidFill>
-              <a:schemeClr val="accent2">
-                <a:lumMod val="75000"/>
-              </a:schemeClr>
-            </a:solidFill>
-          </p:spPr>
-          <p:style>
-            <a:lnRef idx="2">
-              <a:schemeClr val="dk1"/>
-            </a:lnRef>
-            <a:fillRef idx="1">
-              <a:schemeClr val="lt1"/>
-            </a:fillRef>
-            <a:effectRef idx="0">
-              <a:schemeClr val="dk1"/>
-            </a:effectRef>
-            <a:fontRef idx="minor">
-              <a:schemeClr val="dk1"/>
-            </a:fontRef>
-          </p:style>
-          <p:txBody>
-            <a:bodyPr rtlCol="0" anchor="ctr"/>
-            <a:lstStyle/>
-            <a:p>
-              <a:pPr algn="ctr"/>
-              <a:r>
-                <a:rPr lang="ko-KR" altLang="en-US" sz="900" dirty="0" smtClean="0"/>
-                <a:t>완료</a:t>
-              </a:r>
-              <a:endParaRPr lang="ko-KR" altLang="en-US" sz="900" dirty="0"/>
             </a:p>
           </p:txBody>
         </p:sp>
@@ -8425,7 +8290,7 @@
         </p:nvGrpSpPr>
         <p:grpSpPr>
           <a:xfrm>
-            <a:off x="3047997" y="843558"/>
+            <a:off x="1731258" y="863734"/>
             <a:ext cx="2731598" cy="3802066"/>
             <a:chOff x="700930" y="794040"/>
             <a:chExt cx="2731598" cy="3802066"/>
@@ -8521,7 +8386,7 @@
           </p:nvSpPr>
           <p:spPr>
             <a:xfrm>
-              <a:off x="842482" y="957426"/>
+              <a:off x="1506448" y="958759"/>
               <a:ext cx="653853" cy="324922"/>
             </a:xfrm>
             <a:prstGeom prst="rect">
@@ -8554,7 +8419,7 @@
               <a:pPr algn="ctr"/>
               <a:r>
                 <a:rPr lang="ko-KR" altLang="en-US" sz="900" dirty="0" smtClean="0"/>
-                <a:t>시작가능</a:t>
+                <a:t>식품</a:t>
               </a:r>
               <a:endParaRPr lang="ko-KR" altLang="en-US" sz="900" dirty="0"/>
             </a:p>
@@ -8608,16 +8473,13 @@
               </a:r>
               <a:r>
                 <a:rPr lang="en-US" altLang="ko-KR" sz="1000" dirty="0" smtClean="0"/>
-                <a:t>,</a:t>
+                <a:t>, </a:t>
               </a:r>
               <a:r>
                 <a:rPr lang="ko-KR" altLang="en-US" sz="1000" dirty="0" smtClean="0"/>
-                <a:t>이미</a:t>
+                <a:t>금액</a:t>
               </a:r>
-              <a:r>
-                <a:rPr lang="ko-KR" altLang="en-US" sz="1000" dirty="0"/>
-                <a:t>지</a:t>
-              </a:r>
+              <a:endParaRPr lang="ko-KR" altLang="en-US" sz="1000" dirty="0"/>
             </a:p>
           </p:txBody>
         </p:sp>
@@ -8949,7 +8811,7 @@
           </p:nvSpPr>
           <p:spPr>
             <a:xfrm>
-              <a:off x="1496335" y="958759"/>
+              <a:off x="851948" y="958759"/>
               <a:ext cx="653853" cy="324922"/>
             </a:xfrm>
             <a:prstGeom prst="rect">
@@ -8981,452 +8843,14 @@
             <a:p>
               <a:pPr algn="ctr"/>
               <a:r>
-                <a:rPr lang="ko-KR" altLang="en-US" sz="900" dirty="0" err="1" smtClean="0"/>
-                <a:t>진행중</a:t>
-              </a:r>
-              <a:endParaRPr lang="ko-KR" altLang="en-US" sz="900" dirty="0"/>
-            </a:p>
-          </p:txBody>
-        </p:sp>
-        <p:sp>
-          <p:nvSpPr>
-            <p:cNvPr id="50" name="직사각형 49"/>
-            <p:cNvSpPr/>
-            <p:nvPr/>
-          </p:nvSpPr>
-          <p:spPr>
-            <a:xfrm>
-              <a:off x="2150188" y="959106"/>
-              <a:ext cx="653853" cy="324922"/>
-            </a:xfrm>
-            <a:prstGeom prst="rect">
-              <a:avLst/>
-            </a:prstGeom>
-            <a:solidFill>
-              <a:schemeClr val="accent2">
-                <a:lumMod val="75000"/>
-              </a:schemeClr>
-            </a:solidFill>
-          </p:spPr>
-          <p:style>
-            <a:lnRef idx="2">
-              <a:schemeClr val="dk1"/>
-            </a:lnRef>
-            <a:fillRef idx="1">
-              <a:schemeClr val="lt1"/>
-            </a:fillRef>
-            <a:effectRef idx="0">
-              <a:schemeClr val="dk1"/>
-            </a:effectRef>
-            <a:fontRef idx="minor">
-              <a:schemeClr val="dk1"/>
-            </a:fontRef>
-          </p:style>
-          <p:txBody>
-            <a:bodyPr rtlCol="0" anchor="ctr"/>
-            <a:lstStyle/>
-            <a:p>
-              <a:pPr algn="ctr"/>
-              <a:r>
                 <a:rPr lang="ko-KR" altLang="en-US" sz="900" dirty="0" smtClean="0"/>
-                <a:t>완료</a:t>
+                <a:t>장비</a:t>
               </a:r>
               <a:endParaRPr lang="ko-KR" altLang="en-US" sz="900" dirty="0"/>
             </a:p>
           </p:txBody>
         </p:sp>
       </p:grpSp>
-      <p:sp>
-        <p:nvSpPr>
-          <p:cNvPr id="36" name="직사각형 35"/>
-          <p:cNvSpPr/>
-          <p:nvPr/>
-        </p:nvSpPr>
-        <p:spPr>
-          <a:xfrm>
-            <a:off x="5489671" y="843317"/>
-            <a:ext cx="288032" cy="252028"/>
-          </a:xfrm>
-          <a:prstGeom prst="rect">
-            <a:avLst/>
-          </a:prstGeom>
-        </p:spPr>
-        <p:style>
-          <a:lnRef idx="2">
-            <a:schemeClr val="accent1">
-              <a:shade val="50000"/>
-            </a:schemeClr>
-          </a:lnRef>
-          <a:fillRef idx="1">
-            <a:schemeClr val="accent1"/>
-          </a:fillRef>
-          <a:effectRef idx="0">
-            <a:schemeClr val="accent1"/>
-          </a:effectRef>
-          <a:fontRef idx="minor">
-            <a:schemeClr val="lt1"/>
-          </a:fontRef>
-        </p:style>
-        <p:txBody>
-          <a:bodyPr rtlCol="0" anchor="ctr"/>
-          <a:lstStyle/>
-          <a:p>
-            <a:pPr algn="ctr"/>
-            <a:r>
-              <a:rPr lang="en-US" altLang="ko-KR" sz="1000" dirty="0" smtClean="0"/>
-              <a:t>X</a:t>
-            </a:r>
-            <a:endParaRPr lang="ko-KR" altLang="en-US" sz="1000" dirty="0"/>
-          </a:p>
-        </p:txBody>
-      </p:sp>
-      <p:sp>
-        <p:nvSpPr>
-          <p:cNvPr id="8" name="직사각형 7"/>
-          <p:cNvSpPr/>
-          <p:nvPr/>
-        </p:nvSpPr>
-        <p:spPr>
-          <a:xfrm>
-            <a:off x="5438279" y="1413402"/>
-            <a:ext cx="172204" cy="180020"/>
-          </a:xfrm>
-          <a:prstGeom prst="rect">
-            <a:avLst/>
-          </a:prstGeom>
-        </p:spPr>
-        <p:style>
-          <a:lnRef idx="2">
-            <a:schemeClr val="accent1">
-              <a:shade val="50000"/>
-            </a:schemeClr>
-          </a:lnRef>
-          <a:fillRef idx="1">
-            <a:schemeClr val="accent1"/>
-          </a:fillRef>
-          <a:effectRef idx="0">
-            <a:schemeClr val="accent1"/>
-          </a:effectRef>
-          <a:fontRef idx="minor">
-            <a:schemeClr val="lt1"/>
-          </a:fontRef>
-        </p:style>
-        <p:txBody>
-          <a:bodyPr rtlCol="0" anchor="ctr"/>
-          <a:lstStyle/>
-          <a:p>
-            <a:pPr algn="ctr"/>
-            <a:endParaRPr lang="ko-KR" altLang="en-US"/>
-          </a:p>
-        </p:txBody>
-      </p:sp>
-      <p:sp>
-        <p:nvSpPr>
-          <p:cNvPr id="10" name="L 도형 9"/>
-          <p:cNvSpPr/>
-          <p:nvPr/>
-        </p:nvSpPr>
-        <p:spPr>
-          <a:xfrm rot="19108275">
-            <a:off x="5449236" y="1323887"/>
-            <a:ext cx="196111" cy="168397"/>
-          </a:xfrm>
-          <a:prstGeom prst="corner">
-            <a:avLst>
-              <a:gd name="adj1" fmla="val 32478"/>
-              <a:gd name="adj2" fmla="val 32478"/>
-            </a:avLst>
-          </a:prstGeom>
-          <a:solidFill>
-            <a:schemeClr val="accent2"/>
-          </a:solidFill>
-          <a:ln>
-            <a:noFill/>
-          </a:ln>
-        </p:spPr>
-        <p:style>
-          <a:lnRef idx="2">
-            <a:schemeClr val="accent1">
-              <a:shade val="50000"/>
-            </a:schemeClr>
-          </a:lnRef>
-          <a:fillRef idx="1">
-            <a:schemeClr val="accent1"/>
-          </a:fillRef>
-          <a:effectRef idx="0">
-            <a:schemeClr val="accent1"/>
-          </a:effectRef>
-          <a:fontRef idx="minor">
-            <a:schemeClr val="lt1"/>
-          </a:fontRef>
-        </p:style>
-        <p:txBody>
-          <a:bodyPr rtlCol="0" anchor="ctr"/>
-          <a:lstStyle/>
-          <a:p>
-            <a:pPr algn="ctr"/>
-            <a:endParaRPr lang="ko-KR" altLang="en-US"/>
-          </a:p>
-        </p:txBody>
-      </p:sp>
-      <p:sp>
-        <p:nvSpPr>
-          <p:cNvPr id="51" name="직사각형 50"/>
-          <p:cNvSpPr/>
-          <p:nvPr/>
-        </p:nvSpPr>
-        <p:spPr>
-          <a:xfrm>
-            <a:off x="5438540" y="2040369"/>
-            <a:ext cx="172204" cy="180020"/>
-          </a:xfrm>
-          <a:prstGeom prst="rect">
-            <a:avLst/>
-          </a:prstGeom>
-        </p:spPr>
-        <p:style>
-          <a:lnRef idx="2">
-            <a:schemeClr val="accent1">
-              <a:shade val="50000"/>
-            </a:schemeClr>
-          </a:lnRef>
-          <a:fillRef idx="1">
-            <a:schemeClr val="accent1"/>
-          </a:fillRef>
-          <a:effectRef idx="0">
-            <a:schemeClr val="accent1"/>
-          </a:effectRef>
-          <a:fontRef idx="minor">
-            <a:schemeClr val="lt1"/>
-          </a:fontRef>
-        </p:style>
-        <p:txBody>
-          <a:bodyPr rtlCol="0" anchor="ctr"/>
-          <a:lstStyle/>
-          <a:p>
-            <a:pPr algn="ctr"/>
-            <a:endParaRPr lang="ko-KR" altLang="en-US"/>
-          </a:p>
-        </p:txBody>
-      </p:sp>
-      <p:sp>
-        <p:nvSpPr>
-          <p:cNvPr id="52" name="L 도형 51"/>
-          <p:cNvSpPr/>
-          <p:nvPr/>
-        </p:nvSpPr>
-        <p:spPr>
-          <a:xfrm rot="19108275">
-            <a:off x="5449497" y="1950854"/>
-            <a:ext cx="196111" cy="168397"/>
-          </a:xfrm>
-          <a:prstGeom prst="corner">
-            <a:avLst>
-              <a:gd name="adj1" fmla="val 32478"/>
-              <a:gd name="adj2" fmla="val 32478"/>
-            </a:avLst>
-          </a:prstGeom>
-          <a:solidFill>
-            <a:schemeClr val="accent2"/>
-          </a:solidFill>
-          <a:ln>
-            <a:noFill/>
-          </a:ln>
-        </p:spPr>
-        <p:style>
-          <a:lnRef idx="2">
-            <a:schemeClr val="accent1">
-              <a:shade val="50000"/>
-            </a:schemeClr>
-          </a:lnRef>
-          <a:fillRef idx="1">
-            <a:schemeClr val="accent1"/>
-          </a:fillRef>
-          <a:effectRef idx="0">
-            <a:schemeClr val="accent1"/>
-          </a:effectRef>
-          <a:fontRef idx="minor">
-            <a:schemeClr val="lt1"/>
-          </a:fontRef>
-        </p:style>
-        <p:txBody>
-          <a:bodyPr rtlCol="0" anchor="ctr"/>
-          <a:lstStyle/>
-          <a:p>
-            <a:pPr algn="ctr"/>
-            <a:endParaRPr lang="ko-KR" altLang="en-US"/>
-          </a:p>
-        </p:txBody>
-      </p:sp>
-      <p:sp>
-        <p:nvSpPr>
-          <p:cNvPr id="53" name="직사각형 52"/>
-          <p:cNvSpPr/>
-          <p:nvPr/>
-        </p:nvSpPr>
-        <p:spPr>
-          <a:xfrm>
-            <a:off x="5421677" y="2661127"/>
-            <a:ext cx="172204" cy="180020"/>
-          </a:xfrm>
-          <a:prstGeom prst="rect">
-            <a:avLst/>
-          </a:prstGeom>
-        </p:spPr>
-        <p:style>
-          <a:lnRef idx="2">
-            <a:schemeClr val="accent1">
-              <a:shade val="50000"/>
-            </a:schemeClr>
-          </a:lnRef>
-          <a:fillRef idx="1">
-            <a:schemeClr val="accent1"/>
-          </a:fillRef>
-          <a:effectRef idx="0">
-            <a:schemeClr val="accent1"/>
-          </a:effectRef>
-          <a:fontRef idx="minor">
-            <a:schemeClr val="lt1"/>
-          </a:fontRef>
-        </p:style>
-        <p:txBody>
-          <a:bodyPr rtlCol="0" anchor="ctr"/>
-          <a:lstStyle/>
-          <a:p>
-            <a:pPr algn="ctr"/>
-            <a:endParaRPr lang="ko-KR" altLang="en-US"/>
-          </a:p>
-        </p:txBody>
-      </p:sp>
-      <p:sp>
-        <p:nvSpPr>
-          <p:cNvPr id="54" name="L 도형 53"/>
-          <p:cNvSpPr/>
-          <p:nvPr/>
-        </p:nvSpPr>
-        <p:spPr>
-          <a:xfrm rot="19108275">
-            <a:off x="5432634" y="2571612"/>
-            <a:ext cx="196111" cy="168397"/>
-          </a:xfrm>
-          <a:prstGeom prst="corner">
-            <a:avLst>
-              <a:gd name="adj1" fmla="val 32478"/>
-              <a:gd name="adj2" fmla="val 32478"/>
-            </a:avLst>
-          </a:prstGeom>
-          <a:solidFill>
-            <a:schemeClr val="accent2"/>
-          </a:solidFill>
-          <a:ln>
-            <a:noFill/>
-          </a:ln>
-        </p:spPr>
-        <p:style>
-          <a:lnRef idx="2">
-            <a:schemeClr val="accent1">
-              <a:shade val="50000"/>
-            </a:schemeClr>
-          </a:lnRef>
-          <a:fillRef idx="1">
-            <a:schemeClr val="accent1"/>
-          </a:fillRef>
-          <a:effectRef idx="0">
-            <a:schemeClr val="accent1"/>
-          </a:effectRef>
-          <a:fontRef idx="minor">
-            <a:schemeClr val="lt1"/>
-          </a:fontRef>
-        </p:style>
-        <p:txBody>
-          <a:bodyPr rtlCol="0" anchor="ctr"/>
-          <a:lstStyle/>
-          <a:p>
-            <a:pPr algn="ctr"/>
-            <a:endParaRPr lang="ko-KR" altLang="en-US"/>
-          </a:p>
-        </p:txBody>
-      </p:sp>
-      <p:sp>
-        <p:nvSpPr>
-          <p:cNvPr id="55" name="직사각형 54"/>
-          <p:cNvSpPr/>
-          <p:nvPr/>
-        </p:nvSpPr>
-        <p:spPr>
-          <a:xfrm>
-            <a:off x="5432059" y="3273978"/>
-            <a:ext cx="172204" cy="180020"/>
-          </a:xfrm>
-          <a:prstGeom prst="rect">
-            <a:avLst/>
-          </a:prstGeom>
-        </p:spPr>
-        <p:style>
-          <a:lnRef idx="2">
-            <a:schemeClr val="accent1">
-              <a:shade val="50000"/>
-            </a:schemeClr>
-          </a:lnRef>
-          <a:fillRef idx="1">
-            <a:schemeClr val="accent1"/>
-          </a:fillRef>
-          <a:effectRef idx="0">
-            <a:schemeClr val="accent1"/>
-          </a:effectRef>
-          <a:fontRef idx="minor">
-            <a:schemeClr val="lt1"/>
-          </a:fontRef>
-        </p:style>
-        <p:txBody>
-          <a:bodyPr rtlCol="0" anchor="ctr"/>
-          <a:lstStyle/>
-          <a:p>
-            <a:pPr algn="ctr"/>
-            <a:endParaRPr lang="ko-KR" altLang="en-US"/>
-          </a:p>
-        </p:txBody>
-      </p:sp>
-      <p:sp>
-        <p:nvSpPr>
-          <p:cNvPr id="57" name="직사각형 56"/>
-          <p:cNvSpPr/>
-          <p:nvPr/>
-        </p:nvSpPr>
-        <p:spPr>
-          <a:xfrm>
-            <a:off x="5434152" y="3891431"/>
-            <a:ext cx="172204" cy="180020"/>
-          </a:xfrm>
-          <a:prstGeom prst="rect">
-            <a:avLst/>
-          </a:prstGeom>
-        </p:spPr>
-        <p:style>
-          <a:lnRef idx="2">
-            <a:schemeClr val="accent1">
-              <a:shade val="50000"/>
-            </a:schemeClr>
-          </a:lnRef>
-          <a:fillRef idx="1">
-            <a:schemeClr val="accent1"/>
-          </a:fillRef>
-          <a:effectRef idx="0">
-            <a:schemeClr val="accent1"/>
-          </a:effectRef>
-          <a:fontRef idx="minor">
-            <a:schemeClr val="lt1"/>
-          </a:fontRef>
-        </p:style>
-        <p:txBody>
-          <a:bodyPr rtlCol="0" anchor="ctr"/>
-          <a:lstStyle/>
-          <a:p>
-            <a:pPr algn="ctr"/>
-            <a:endParaRPr lang="ko-KR" altLang="en-US"/>
-          </a:p>
-        </p:txBody>
-      </p:sp>
       <p:sp>
         <p:nvSpPr>
           <p:cNvPr id="11" name="직사각형 10"/>
@@ -9621,10 +9045,4191 @@
           </p:txBody>
         </p:sp>
       </p:grpSp>
+      <p:grpSp>
+        <p:nvGrpSpPr>
+          <p:cNvPr id="113" name="그룹 112"/>
+          <p:cNvGrpSpPr/>
+          <p:nvPr/>
+        </p:nvGrpSpPr>
+        <p:grpSpPr>
+          <a:xfrm>
+            <a:off x="4561671" y="843558"/>
+            <a:ext cx="2910474" cy="3806665"/>
+            <a:chOff x="4499992" y="781309"/>
+            <a:chExt cx="2910474" cy="3806665"/>
+          </a:xfrm>
+        </p:grpSpPr>
+        <p:sp>
+          <p:nvSpPr>
+            <p:cNvPr id="114" name="직사각형 113"/>
+            <p:cNvSpPr/>
+            <p:nvPr/>
+          </p:nvSpPr>
+          <p:spPr>
+            <a:xfrm>
+              <a:off x="4499992" y="785908"/>
+              <a:ext cx="2905768" cy="3802066"/>
+            </a:xfrm>
+            <a:prstGeom prst="rect">
+              <a:avLst/>
+            </a:prstGeom>
+          </p:spPr>
+          <p:style>
+            <a:lnRef idx="2">
+              <a:schemeClr val="accent1">
+                <a:shade val="50000"/>
+              </a:schemeClr>
+            </a:lnRef>
+            <a:fillRef idx="1">
+              <a:schemeClr val="accent1"/>
+            </a:fillRef>
+            <a:effectRef idx="0">
+              <a:schemeClr val="accent1"/>
+            </a:effectRef>
+            <a:fontRef idx="minor">
+              <a:schemeClr val="lt1"/>
+            </a:fontRef>
+          </p:style>
+          <p:txBody>
+            <a:bodyPr rtlCol="0" anchor="ctr"/>
+            <a:lstStyle/>
+            <a:p>
+              <a:pPr algn="ctr"/>
+              <a:endParaRPr lang="ko-KR" altLang="en-US" dirty="0"/>
+            </a:p>
+          </p:txBody>
+        </p:sp>
+        <p:sp>
+          <p:nvSpPr>
+            <p:cNvPr id="115" name="직사각형 114"/>
+            <p:cNvSpPr/>
+            <p:nvPr/>
+          </p:nvSpPr>
+          <p:spPr>
+            <a:xfrm>
+              <a:off x="7122434" y="781309"/>
+              <a:ext cx="288032" cy="252028"/>
+            </a:xfrm>
+            <a:prstGeom prst="rect">
+              <a:avLst/>
+            </a:prstGeom>
+          </p:spPr>
+          <p:style>
+            <a:lnRef idx="2">
+              <a:schemeClr val="accent1">
+                <a:shade val="50000"/>
+              </a:schemeClr>
+            </a:lnRef>
+            <a:fillRef idx="1">
+              <a:schemeClr val="accent1"/>
+            </a:fillRef>
+            <a:effectRef idx="0">
+              <a:schemeClr val="accent1"/>
+            </a:effectRef>
+            <a:fontRef idx="minor">
+              <a:schemeClr val="lt1"/>
+            </a:fontRef>
+          </p:style>
+          <p:txBody>
+            <a:bodyPr rtlCol="0" anchor="ctr"/>
+            <a:lstStyle/>
+            <a:p>
+              <a:pPr algn="ctr"/>
+              <a:r>
+                <a:rPr lang="en-US" altLang="ko-KR" sz="1000" dirty="0" smtClean="0"/>
+                <a:t>X</a:t>
+              </a:r>
+              <a:endParaRPr lang="ko-KR" altLang="en-US" sz="1000" dirty="0"/>
+            </a:p>
+          </p:txBody>
+        </p:sp>
+        <p:sp>
+          <p:nvSpPr>
+            <p:cNvPr id="116" name="직사각형 115"/>
+            <p:cNvSpPr/>
+            <p:nvPr/>
+          </p:nvSpPr>
+          <p:spPr>
+            <a:xfrm>
+              <a:off x="4755369" y="1424659"/>
+              <a:ext cx="437899" cy="493983"/>
+            </a:xfrm>
+            <a:prstGeom prst="rect">
+              <a:avLst/>
+            </a:prstGeom>
+          </p:spPr>
+          <p:style>
+            <a:lnRef idx="2">
+              <a:schemeClr val="dk1"/>
+            </a:lnRef>
+            <a:fillRef idx="1">
+              <a:schemeClr val="lt1"/>
+            </a:fillRef>
+            <a:effectRef idx="0">
+              <a:schemeClr val="dk1"/>
+            </a:effectRef>
+            <a:fontRef idx="minor">
+              <a:schemeClr val="dk1"/>
+            </a:fontRef>
+          </p:style>
+          <p:txBody>
+            <a:bodyPr rtlCol="0" anchor="ctr"/>
+            <a:lstStyle/>
+            <a:p>
+              <a:pPr algn="ctr"/>
+              <a:endParaRPr lang="ko-KR" altLang="en-US" dirty="0"/>
+            </a:p>
+          </p:txBody>
+        </p:sp>
+        <p:sp>
+          <p:nvSpPr>
+            <p:cNvPr id="117" name="직사각형 116"/>
+            <p:cNvSpPr/>
+            <p:nvPr/>
+          </p:nvSpPr>
+          <p:spPr>
+            <a:xfrm>
+              <a:off x="5242333" y="1421477"/>
+              <a:ext cx="437899" cy="493983"/>
+            </a:xfrm>
+            <a:prstGeom prst="rect">
+              <a:avLst/>
+            </a:prstGeom>
+          </p:spPr>
+          <p:style>
+            <a:lnRef idx="2">
+              <a:schemeClr val="dk1"/>
+            </a:lnRef>
+            <a:fillRef idx="1">
+              <a:schemeClr val="lt1"/>
+            </a:fillRef>
+            <a:effectRef idx="0">
+              <a:schemeClr val="dk1"/>
+            </a:effectRef>
+            <a:fontRef idx="minor">
+              <a:schemeClr val="dk1"/>
+            </a:fontRef>
+          </p:style>
+          <p:txBody>
+            <a:bodyPr rtlCol="0" anchor="ctr"/>
+            <a:lstStyle/>
+            <a:p>
+              <a:pPr algn="ctr"/>
+              <a:endParaRPr lang="ko-KR" altLang="en-US" dirty="0"/>
+            </a:p>
+          </p:txBody>
+        </p:sp>
+        <p:sp>
+          <p:nvSpPr>
+            <p:cNvPr id="118" name="직사각형 117"/>
+            <p:cNvSpPr/>
+            <p:nvPr/>
+          </p:nvSpPr>
+          <p:spPr>
+            <a:xfrm>
+              <a:off x="5725951" y="1424268"/>
+              <a:ext cx="437899" cy="493983"/>
+            </a:xfrm>
+            <a:prstGeom prst="rect">
+              <a:avLst/>
+            </a:prstGeom>
+          </p:spPr>
+          <p:style>
+            <a:lnRef idx="2">
+              <a:schemeClr val="dk1"/>
+            </a:lnRef>
+            <a:fillRef idx="1">
+              <a:schemeClr val="lt1"/>
+            </a:fillRef>
+            <a:effectRef idx="0">
+              <a:schemeClr val="dk1"/>
+            </a:effectRef>
+            <a:fontRef idx="minor">
+              <a:schemeClr val="dk1"/>
+            </a:fontRef>
+          </p:style>
+          <p:txBody>
+            <a:bodyPr rtlCol="0" anchor="ctr"/>
+            <a:lstStyle/>
+            <a:p>
+              <a:pPr algn="ctr"/>
+              <a:endParaRPr lang="ko-KR" altLang="en-US" dirty="0"/>
+            </a:p>
+          </p:txBody>
+        </p:sp>
+        <p:sp>
+          <p:nvSpPr>
+            <p:cNvPr id="119" name="직사각형 118"/>
+            <p:cNvSpPr/>
+            <p:nvPr/>
+          </p:nvSpPr>
+          <p:spPr>
+            <a:xfrm>
+              <a:off x="6223476" y="1419622"/>
+              <a:ext cx="437899" cy="493983"/>
+            </a:xfrm>
+            <a:prstGeom prst="rect">
+              <a:avLst/>
+            </a:prstGeom>
+          </p:spPr>
+          <p:style>
+            <a:lnRef idx="2">
+              <a:schemeClr val="dk1"/>
+            </a:lnRef>
+            <a:fillRef idx="1">
+              <a:schemeClr val="lt1"/>
+            </a:fillRef>
+            <a:effectRef idx="0">
+              <a:schemeClr val="dk1"/>
+            </a:effectRef>
+            <a:fontRef idx="minor">
+              <a:schemeClr val="dk1"/>
+            </a:fontRef>
+          </p:style>
+          <p:txBody>
+            <a:bodyPr rtlCol="0" anchor="ctr"/>
+            <a:lstStyle/>
+            <a:p>
+              <a:pPr algn="ctr"/>
+              <a:endParaRPr lang="ko-KR" altLang="en-US" dirty="0"/>
+            </a:p>
+          </p:txBody>
+        </p:sp>
+        <p:sp>
+          <p:nvSpPr>
+            <p:cNvPr id="120" name="직사각형 119"/>
+            <p:cNvSpPr/>
+            <p:nvPr/>
+          </p:nvSpPr>
+          <p:spPr>
+            <a:xfrm>
+              <a:off x="6745304" y="1424299"/>
+              <a:ext cx="437899" cy="493983"/>
+            </a:xfrm>
+            <a:prstGeom prst="rect">
+              <a:avLst/>
+            </a:prstGeom>
+          </p:spPr>
+          <p:style>
+            <a:lnRef idx="2">
+              <a:schemeClr val="dk1"/>
+            </a:lnRef>
+            <a:fillRef idx="1">
+              <a:schemeClr val="lt1"/>
+            </a:fillRef>
+            <a:effectRef idx="0">
+              <a:schemeClr val="dk1"/>
+            </a:effectRef>
+            <a:fontRef idx="minor">
+              <a:schemeClr val="dk1"/>
+            </a:fontRef>
+          </p:style>
+          <p:txBody>
+            <a:bodyPr rtlCol="0" anchor="ctr"/>
+            <a:lstStyle/>
+            <a:p>
+              <a:pPr algn="ctr"/>
+              <a:endParaRPr lang="ko-KR" altLang="en-US" dirty="0"/>
+            </a:p>
+          </p:txBody>
+        </p:sp>
+        <p:sp>
+          <p:nvSpPr>
+            <p:cNvPr id="121" name="직사각형 120"/>
+            <p:cNvSpPr/>
+            <p:nvPr/>
+          </p:nvSpPr>
+          <p:spPr>
+            <a:xfrm>
+              <a:off x="4755369" y="1981681"/>
+              <a:ext cx="437899" cy="493983"/>
+            </a:xfrm>
+            <a:prstGeom prst="rect">
+              <a:avLst/>
+            </a:prstGeom>
+          </p:spPr>
+          <p:style>
+            <a:lnRef idx="2">
+              <a:schemeClr val="dk1"/>
+            </a:lnRef>
+            <a:fillRef idx="1">
+              <a:schemeClr val="lt1"/>
+            </a:fillRef>
+            <a:effectRef idx="0">
+              <a:schemeClr val="dk1"/>
+            </a:effectRef>
+            <a:fontRef idx="minor">
+              <a:schemeClr val="dk1"/>
+            </a:fontRef>
+          </p:style>
+          <p:txBody>
+            <a:bodyPr rtlCol="0" anchor="ctr"/>
+            <a:lstStyle/>
+            <a:p>
+              <a:pPr algn="ctr"/>
+              <a:endParaRPr lang="ko-KR" altLang="en-US" dirty="0"/>
+            </a:p>
+          </p:txBody>
+        </p:sp>
+        <p:sp>
+          <p:nvSpPr>
+            <p:cNvPr id="122" name="직사각형 121"/>
+            <p:cNvSpPr/>
+            <p:nvPr/>
+          </p:nvSpPr>
+          <p:spPr>
+            <a:xfrm>
+              <a:off x="5242333" y="1978499"/>
+              <a:ext cx="437899" cy="493983"/>
+            </a:xfrm>
+            <a:prstGeom prst="rect">
+              <a:avLst/>
+            </a:prstGeom>
+          </p:spPr>
+          <p:style>
+            <a:lnRef idx="2">
+              <a:schemeClr val="dk1"/>
+            </a:lnRef>
+            <a:fillRef idx="1">
+              <a:schemeClr val="lt1"/>
+            </a:fillRef>
+            <a:effectRef idx="0">
+              <a:schemeClr val="dk1"/>
+            </a:effectRef>
+            <a:fontRef idx="minor">
+              <a:schemeClr val="dk1"/>
+            </a:fontRef>
+          </p:style>
+          <p:txBody>
+            <a:bodyPr rtlCol="0" anchor="ctr"/>
+            <a:lstStyle/>
+            <a:p>
+              <a:pPr algn="ctr"/>
+              <a:endParaRPr lang="ko-KR" altLang="en-US" dirty="0"/>
+            </a:p>
+          </p:txBody>
+        </p:sp>
+        <p:sp>
+          <p:nvSpPr>
+            <p:cNvPr id="123" name="직사각형 122"/>
+            <p:cNvSpPr/>
+            <p:nvPr/>
+          </p:nvSpPr>
+          <p:spPr>
+            <a:xfrm>
+              <a:off x="5725951" y="1981290"/>
+              <a:ext cx="437899" cy="493983"/>
+            </a:xfrm>
+            <a:prstGeom prst="rect">
+              <a:avLst/>
+            </a:prstGeom>
+          </p:spPr>
+          <p:style>
+            <a:lnRef idx="2">
+              <a:schemeClr val="dk1"/>
+            </a:lnRef>
+            <a:fillRef idx="1">
+              <a:schemeClr val="lt1"/>
+            </a:fillRef>
+            <a:effectRef idx="0">
+              <a:schemeClr val="dk1"/>
+            </a:effectRef>
+            <a:fontRef idx="minor">
+              <a:schemeClr val="dk1"/>
+            </a:fontRef>
+          </p:style>
+          <p:txBody>
+            <a:bodyPr rtlCol="0" anchor="ctr"/>
+            <a:lstStyle/>
+            <a:p>
+              <a:pPr algn="ctr"/>
+              <a:endParaRPr lang="ko-KR" altLang="en-US" dirty="0"/>
+            </a:p>
+          </p:txBody>
+        </p:sp>
+        <p:sp>
+          <p:nvSpPr>
+            <p:cNvPr id="124" name="직사각형 123"/>
+            <p:cNvSpPr/>
+            <p:nvPr/>
+          </p:nvSpPr>
+          <p:spPr>
+            <a:xfrm>
+              <a:off x="6223476" y="1976644"/>
+              <a:ext cx="437899" cy="493983"/>
+            </a:xfrm>
+            <a:prstGeom prst="rect">
+              <a:avLst/>
+            </a:prstGeom>
+          </p:spPr>
+          <p:style>
+            <a:lnRef idx="2">
+              <a:schemeClr val="dk1"/>
+            </a:lnRef>
+            <a:fillRef idx="1">
+              <a:schemeClr val="lt1"/>
+            </a:fillRef>
+            <a:effectRef idx="0">
+              <a:schemeClr val="dk1"/>
+            </a:effectRef>
+            <a:fontRef idx="minor">
+              <a:schemeClr val="dk1"/>
+            </a:fontRef>
+          </p:style>
+          <p:txBody>
+            <a:bodyPr rtlCol="0" anchor="ctr"/>
+            <a:lstStyle/>
+            <a:p>
+              <a:pPr algn="ctr"/>
+              <a:endParaRPr lang="ko-KR" altLang="en-US" dirty="0"/>
+            </a:p>
+          </p:txBody>
+        </p:sp>
+        <p:sp>
+          <p:nvSpPr>
+            <p:cNvPr id="125" name="직사각형 124"/>
+            <p:cNvSpPr/>
+            <p:nvPr/>
+          </p:nvSpPr>
+          <p:spPr>
+            <a:xfrm>
+              <a:off x="6745304" y="1981321"/>
+              <a:ext cx="437899" cy="493983"/>
+            </a:xfrm>
+            <a:prstGeom prst="rect">
+              <a:avLst/>
+            </a:prstGeom>
+          </p:spPr>
+          <p:style>
+            <a:lnRef idx="2">
+              <a:schemeClr val="dk1"/>
+            </a:lnRef>
+            <a:fillRef idx="1">
+              <a:schemeClr val="lt1"/>
+            </a:fillRef>
+            <a:effectRef idx="0">
+              <a:schemeClr val="dk1"/>
+            </a:effectRef>
+            <a:fontRef idx="minor">
+              <a:schemeClr val="dk1"/>
+            </a:fontRef>
+          </p:style>
+          <p:txBody>
+            <a:bodyPr rtlCol="0" anchor="ctr"/>
+            <a:lstStyle/>
+            <a:p>
+              <a:pPr algn="ctr"/>
+              <a:endParaRPr lang="ko-KR" altLang="en-US" dirty="0"/>
+            </a:p>
+          </p:txBody>
+        </p:sp>
+        <p:sp>
+          <p:nvSpPr>
+            <p:cNvPr id="126" name="직사각형 125"/>
+            <p:cNvSpPr/>
+            <p:nvPr/>
+          </p:nvSpPr>
+          <p:spPr>
+            <a:xfrm>
+              <a:off x="4755369" y="2535747"/>
+              <a:ext cx="437899" cy="493983"/>
+            </a:xfrm>
+            <a:prstGeom prst="rect">
+              <a:avLst/>
+            </a:prstGeom>
+          </p:spPr>
+          <p:style>
+            <a:lnRef idx="2">
+              <a:schemeClr val="dk1"/>
+            </a:lnRef>
+            <a:fillRef idx="1">
+              <a:schemeClr val="lt1"/>
+            </a:fillRef>
+            <a:effectRef idx="0">
+              <a:schemeClr val="dk1"/>
+            </a:effectRef>
+            <a:fontRef idx="minor">
+              <a:schemeClr val="dk1"/>
+            </a:fontRef>
+          </p:style>
+          <p:txBody>
+            <a:bodyPr rtlCol="0" anchor="ctr"/>
+            <a:lstStyle/>
+            <a:p>
+              <a:pPr algn="ctr"/>
+              <a:endParaRPr lang="ko-KR" altLang="en-US" dirty="0"/>
+            </a:p>
+          </p:txBody>
+        </p:sp>
+        <p:sp>
+          <p:nvSpPr>
+            <p:cNvPr id="127" name="직사각형 126"/>
+            <p:cNvSpPr/>
+            <p:nvPr/>
+          </p:nvSpPr>
+          <p:spPr>
+            <a:xfrm>
+              <a:off x="5242333" y="2532565"/>
+              <a:ext cx="437899" cy="493983"/>
+            </a:xfrm>
+            <a:prstGeom prst="rect">
+              <a:avLst/>
+            </a:prstGeom>
+          </p:spPr>
+          <p:style>
+            <a:lnRef idx="2">
+              <a:schemeClr val="dk1"/>
+            </a:lnRef>
+            <a:fillRef idx="1">
+              <a:schemeClr val="lt1"/>
+            </a:fillRef>
+            <a:effectRef idx="0">
+              <a:schemeClr val="dk1"/>
+            </a:effectRef>
+            <a:fontRef idx="minor">
+              <a:schemeClr val="dk1"/>
+            </a:fontRef>
+          </p:style>
+          <p:txBody>
+            <a:bodyPr rtlCol="0" anchor="ctr"/>
+            <a:lstStyle/>
+            <a:p>
+              <a:pPr algn="ctr"/>
+              <a:endParaRPr lang="ko-KR" altLang="en-US" dirty="0"/>
+            </a:p>
+          </p:txBody>
+        </p:sp>
+        <p:sp>
+          <p:nvSpPr>
+            <p:cNvPr id="128" name="직사각형 127"/>
+            <p:cNvSpPr/>
+            <p:nvPr/>
+          </p:nvSpPr>
+          <p:spPr>
+            <a:xfrm>
+              <a:off x="5725951" y="2535356"/>
+              <a:ext cx="437899" cy="493983"/>
+            </a:xfrm>
+            <a:prstGeom prst="rect">
+              <a:avLst/>
+            </a:prstGeom>
+          </p:spPr>
+          <p:style>
+            <a:lnRef idx="2">
+              <a:schemeClr val="dk1"/>
+            </a:lnRef>
+            <a:fillRef idx="1">
+              <a:schemeClr val="lt1"/>
+            </a:fillRef>
+            <a:effectRef idx="0">
+              <a:schemeClr val="dk1"/>
+            </a:effectRef>
+            <a:fontRef idx="minor">
+              <a:schemeClr val="dk1"/>
+            </a:fontRef>
+          </p:style>
+          <p:txBody>
+            <a:bodyPr rtlCol="0" anchor="ctr"/>
+            <a:lstStyle/>
+            <a:p>
+              <a:pPr algn="ctr"/>
+              <a:endParaRPr lang="ko-KR" altLang="en-US" dirty="0"/>
+            </a:p>
+          </p:txBody>
+        </p:sp>
+        <p:sp>
+          <p:nvSpPr>
+            <p:cNvPr id="129" name="직사각형 128"/>
+            <p:cNvSpPr/>
+            <p:nvPr/>
+          </p:nvSpPr>
+          <p:spPr>
+            <a:xfrm>
+              <a:off x="6223476" y="2530710"/>
+              <a:ext cx="437899" cy="493983"/>
+            </a:xfrm>
+            <a:prstGeom prst="rect">
+              <a:avLst/>
+            </a:prstGeom>
+          </p:spPr>
+          <p:style>
+            <a:lnRef idx="2">
+              <a:schemeClr val="dk1"/>
+            </a:lnRef>
+            <a:fillRef idx="1">
+              <a:schemeClr val="lt1"/>
+            </a:fillRef>
+            <a:effectRef idx="0">
+              <a:schemeClr val="dk1"/>
+            </a:effectRef>
+            <a:fontRef idx="minor">
+              <a:schemeClr val="dk1"/>
+            </a:fontRef>
+          </p:style>
+          <p:txBody>
+            <a:bodyPr rtlCol="0" anchor="ctr"/>
+            <a:lstStyle/>
+            <a:p>
+              <a:pPr algn="ctr"/>
+              <a:endParaRPr lang="ko-KR" altLang="en-US" dirty="0"/>
+            </a:p>
+          </p:txBody>
+        </p:sp>
+        <p:sp>
+          <p:nvSpPr>
+            <p:cNvPr id="130" name="직사각형 129"/>
+            <p:cNvSpPr/>
+            <p:nvPr/>
+          </p:nvSpPr>
+          <p:spPr>
+            <a:xfrm>
+              <a:off x="6745304" y="2535387"/>
+              <a:ext cx="437899" cy="493983"/>
+            </a:xfrm>
+            <a:prstGeom prst="rect">
+              <a:avLst/>
+            </a:prstGeom>
+          </p:spPr>
+          <p:style>
+            <a:lnRef idx="2">
+              <a:schemeClr val="dk1"/>
+            </a:lnRef>
+            <a:fillRef idx="1">
+              <a:schemeClr val="lt1"/>
+            </a:fillRef>
+            <a:effectRef idx="0">
+              <a:schemeClr val="dk1"/>
+            </a:effectRef>
+            <a:fontRef idx="minor">
+              <a:schemeClr val="dk1"/>
+            </a:fontRef>
+          </p:style>
+          <p:txBody>
+            <a:bodyPr rtlCol="0" anchor="ctr"/>
+            <a:lstStyle/>
+            <a:p>
+              <a:pPr algn="ctr"/>
+              <a:endParaRPr lang="ko-KR" altLang="en-US" dirty="0"/>
+            </a:p>
+          </p:txBody>
+        </p:sp>
+        <p:sp>
+          <p:nvSpPr>
+            <p:cNvPr id="131" name="직사각형 130"/>
+            <p:cNvSpPr/>
+            <p:nvPr/>
+          </p:nvSpPr>
+          <p:spPr>
+            <a:xfrm>
+              <a:off x="4755369" y="3092769"/>
+              <a:ext cx="437899" cy="493983"/>
+            </a:xfrm>
+            <a:prstGeom prst="rect">
+              <a:avLst/>
+            </a:prstGeom>
+          </p:spPr>
+          <p:style>
+            <a:lnRef idx="2">
+              <a:schemeClr val="dk1"/>
+            </a:lnRef>
+            <a:fillRef idx="1">
+              <a:schemeClr val="lt1"/>
+            </a:fillRef>
+            <a:effectRef idx="0">
+              <a:schemeClr val="dk1"/>
+            </a:effectRef>
+            <a:fontRef idx="minor">
+              <a:schemeClr val="dk1"/>
+            </a:fontRef>
+          </p:style>
+          <p:txBody>
+            <a:bodyPr rtlCol="0" anchor="ctr"/>
+            <a:lstStyle/>
+            <a:p>
+              <a:pPr algn="ctr"/>
+              <a:endParaRPr lang="ko-KR" altLang="en-US" dirty="0"/>
+            </a:p>
+          </p:txBody>
+        </p:sp>
+        <p:sp>
+          <p:nvSpPr>
+            <p:cNvPr id="132" name="직사각형 131"/>
+            <p:cNvSpPr/>
+            <p:nvPr/>
+          </p:nvSpPr>
+          <p:spPr>
+            <a:xfrm>
+              <a:off x="5242333" y="3089587"/>
+              <a:ext cx="437899" cy="493983"/>
+            </a:xfrm>
+            <a:prstGeom prst="rect">
+              <a:avLst/>
+            </a:prstGeom>
+          </p:spPr>
+          <p:style>
+            <a:lnRef idx="2">
+              <a:schemeClr val="dk1"/>
+            </a:lnRef>
+            <a:fillRef idx="1">
+              <a:schemeClr val="lt1"/>
+            </a:fillRef>
+            <a:effectRef idx="0">
+              <a:schemeClr val="dk1"/>
+            </a:effectRef>
+            <a:fontRef idx="minor">
+              <a:schemeClr val="dk1"/>
+            </a:fontRef>
+          </p:style>
+          <p:txBody>
+            <a:bodyPr rtlCol="0" anchor="ctr"/>
+            <a:lstStyle/>
+            <a:p>
+              <a:pPr algn="ctr"/>
+              <a:endParaRPr lang="ko-KR" altLang="en-US" dirty="0"/>
+            </a:p>
+          </p:txBody>
+        </p:sp>
+        <p:sp>
+          <p:nvSpPr>
+            <p:cNvPr id="133" name="직사각형 132"/>
+            <p:cNvSpPr/>
+            <p:nvPr/>
+          </p:nvSpPr>
+          <p:spPr>
+            <a:xfrm>
+              <a:off x="5725951" y="3092378"/>
+              <a:ext cx="437899" cy="493983"/>
+            </a:xfrm>
+            <a:prstGeom prst="rect">
+              <a:avLst/>
+            </a:prstGeom>
+          </p:spPr>
+          <p:style>
+            <a:lnRef idx="2">
+              <a:schemeClr val="dk1"/>
+            </a:lnRef>
+            <a:fillRef idx="1">
+              <a:schemeClr val="lt1"/>
+            </a:fillRef>
+            <a:effectRef idx="0">
+              <a:schemeClr val="dk1"/>
+            </a:effectRef>
+            <a:fontRef idx="minor">
+              <a:schemeClr val="dk1"/>
+            </a:fontRef>
+          </p:style>
+          <p:txBody>
+            <a:bodyPr rtlCol="0" anchor="ctr"/>
+            <a:lstStyle/>
+            <a:p>
+              <a:pPr algn="ctr"/>
+              <a:endParaRPr lang="ko-KR" altLang="en-US" dirty="0"/>
+            </a:p>
+          </p:txBody>
+        </p:sp>
+        <p:sp>
+          <p:nvSpPr>
+            <p:cNvPr id="134" name="직사각형 133"/>
+            <p:cNvSpPr/>
+            <p:nvPr/>
+          </p:nvSpPr>
+          <p:spPr>
+            <a:xfrm>
+              <a:off x="6223476" y="3087732"/>
+              <a:ext cx="437899" cy="493983"/>
+            </a:xfrm>
+            <a:prstGeom prst="rect">
+              <a:avLst/>
+            </a:prstGeom>
+          </p:spPr>
+          <p:style>
+            <a:lnRef idx="2">
+              <a:schemeClr val="dk1"/>
+            </a:lnRef>
+            <a:fillRef idx="1">
+              <a:schemeClr val="lt1"/>
+            </a:fillRef>
+            <a:effectRef idx="0">
+              <a:schemeClr val="dk1"/>
+            </a:effectRef>
+            <a:fontRef idx="minor">
+              <a:schemeClr val="dk1"/>
+            </a:fontRef>
+          </p:style>
+          <p:txBody>
+            <a:bodyPr rtlCol="0" anchor="ctr"/>
+            <a:lstStyle/>
+            <a:p>
+              <a:pPr algn="ctr"/>
+              <a:endParaRPr lang="ko-KR" altLang="en-US" dirty="0"/>
+            </a:p>
+          </p:txBody>
+        </p:sp>
+        <p:sp>
+          <p:nvSpPr>
+            <p:cNvPr id="135" name="직사각형 134"/>
+            <p:cNvSpPr/>
+            <p:nvPr/>
+          </p:nvSpPr>
+          <p:spPr>
+            <a:xfrm>
+              <a:off x="6745304" y="3092409"/>
+              <a:ext cx="437899" cy="493983"/>
+            </a:xfrm>
+            <a:prstGeom prst="rect">
+              <a:avLst/>
+            </a:prstGeom>
+          </p:spPr>
+          <p:style>
+            <a:lnRef idx="2">
+              <a:schemeClr val="dk1"/>
+            </a:lnRef>
+            <a:fillRef idx="1">
+              <a:schemeClr val="lt1"/>
+            </a:fillRef>
+            <a:effectRef idx="0">
+              <a:schemeClr val="dk1"/>
+            </a:effectRef>
+            <a:fontRef idx="minor">
+              <a:schemeClr val="dk1"/>
+            </a:fontRef>
+          </p:style>
+          <p:txBody>
+            <a:bodyPr rtlCol="0" anchor="ctr"/>
+            <a:lstStyle/>
+            <a:p>
+              <a:pPr algn="ctr"/>
+              <a:endParaRPr lang="ko-KR" altLang="en-US" dirty="0"/>
+            </a:p>
+          </p:txBody>
+        </p:sp>
+        <p:sp>
+          <p:nvSpPr>
+            <p:cNvPr id="136" name="직사각형 135"/>
+            <p:cNvSpPr/>
+            <p:nvPr/>
+          </p:nvSpPr>
+          <p:spPr>
+            <a:xfrm>
+              <a:off x="4755369" y="3648640"/>
+              <a:ext cx="437899" cy="493983"/>
+            </a:xfrm>
+            <a:prstGeom prst="rect">
+              <a:avLst/>
+            </a:prstGeom>
+          </p:spPr>
+          <p:style>
+            <a:lnRef idx="2">
+              <a:schemeClr val="dk1"/>
+            </a:lnRef>
+            <a:fillRef idx="1">
+              <a:schemeClr val="lt1"/>
+            </a:fillRef>
+            <a:effectRef idx="0">
+              <a:schemeClr val="dk1"/>
+            </a:effectRef>
+            <a:fontRef idx="minor">
+              <a:schemeClr val="dk1"/>
+            </a:fontRef>
+          </p:style>
+          <p:txBody>
+            <a:bodyPr rtlCol="0" anchor="ctr"/>
+            <a:lstStyle/>
+            <a:p>
+              <a:pPr algn="ctr"/>
+              <a:endParaRPr lang="ko-KR" altLang="en-US" dirty="0"/>
+            </a:p>
+          </p:txBody>
+        </p:sp>
+        <p:sp>
+          <p:nvSpPr>
+            <p:cNvPr id="137" name="직사각형 136"/>
+            <p:cNvSpPr/>
+            <p:nvPr/>
+          </p:nvSpPr>
+          <p:spPr>
+            <a:xfrm>
+              <a:off x="5242333" y="3645458"/>
+              <a:ext cx="437899" cy="493983"/>
+            </a:xfrm>
+            <a:prstGeom prst="rect">
+              <a:avLst/>
+            </a:prstGeom>
+          </p:spPr>
+          <p:style>
+            <a:lnRef idx="2">
+              <a:schemeClr val="dk1"/>
+            </a:lnRef>
+            <a:fillRef idx="1">
+              <a:schemeClr val="lt1"/>
+            </a:fillRef>
+            <a:effectRef idx="0">
+              <a:schemeClr val="dk1"/>
+            </a:effectRef>
+            <a:fontRef idx="minor">
+              <a:schemeClr val="dk1"/>
+            </a:fontRef>
+          </p:style>
+          <p:txBody>
+            <a:bodyPr rtlCol="0" anchor="ctr"/>
+            <a:lstStyle/>
+            <a:p>
+              <a:pPr algn="ctr"/>
+              <a:endParaRPr lang="ko-KR" altLang="en-US" dirty="0"/>
+            </a:p>
+          </p:txBody>
+        </p:sp>
+        <p:sp>
+          <p:nvSpPr>
+            <p:cNvPr id="138" name="직사각형 137"/>
+            <p:cNvSpPr/>
+            <p:nvPr/>
+          </p:nvSpPr>
+          <p:spPr>
+            <a:xfrm>
+              <a:off x="5746389" y="3648249"/>
+              <a:ext cx="437899" cy="493983"/>
+            </a:xfrm>
+            <a:prstGeom prst="rect">
+              <a:avLst/>
+            </a:prstGeom>
+          </p:spPr>
+          <p:style>
+            <a:lnRef idx="2">
+              <a:schemeClr val="dk1"/>
+            </a:lnRef>
+            <a:fillRef idx="1">
+              <a:schemeClr val="lt1"/>
+            </a:fillRef>
+            <a:effectRef idx="0">
+              <a:schemeClr val="dk1"/>
+            </a:effectRef>
+            <a:fontRef idx="minor">
+              <a:schemeClr val="dk1"/>
+            </a:fontRef>
+          </p:style>
+          <p:txBody>
+            <a:bodyPr rtlCol="0" anchor="ctr"/>
+            <a:lstStyle/>
+            <a:p>
+              <a:pPr algn="ctr"/>
+              <a:endParaRPr lang="ko-KR" altLang="en-US" dirty="0"/>
+            </a:p>
+          </p:txBody>
+        </p:sp>
+        <p:sp>
+          <p:nvSpPr>
+            <p:cNvPr id="139" name="직사각형 138"/>
+            <p:cNvSpPr/>
+            <p:nvPr/>
+          </p:nvSpPr>
+          <p:spPr>
+            <a:xfrm>
+              <a:off x="6243914" y="3643603"/>
+              <a:ext cx="437899" cy="493983"/>
+            </a:xfrm>
+            <a:prstGeom prst="rect">
+              <a:avLst/>
+            </a:prstGeom>
+          </p:spPr>
+          <p:style>
+            <a:lnRef idx="2">
+              <a:schemeClr val="dk1"/>
+            </a:lnRef>
+            <a:fillRef idx="1">
+              <a:schemeClr val="lt1"/>
+            </a:fillRef>
+            <a:effectRef idx="0">
+              <a:schemeClr val="dk1"/>
+            </a:effectRef>
+            <a:fontRef idx="minor">
+              <a:schemeClr val="dk1"/>
+            </a:fontRef>
+          </p:style>
+          <p:txBody>
+            <a:bodyPr rtlCol="0" anchor="ctr"/>
+            <a:lstStyle/>
+            <a:p>
+              <a:pPr algn="ctr"/>
+              <a:endParaRPr lang="ko-KR" altLang="en-US" dirty="0"/>
+            </a:p>
+          </p:txBody>
+        </p:sp>
+        <p:sp>
+          <p:nvSpPr>
+            <p:cNvPr id="140" name="직사각형 139"/>
+            <p:cNvSpPr/>
+            <p:nvPr/>
+          </p:nvSpPr>
+          <p:spPr>
+            <a:xfrm>
+              <a:off x="6765742" y="3648280"/>
+              <a:ext cx="437899" cy="493983"/>
+            </a:xfrm>
+            <a:prstGeom prst="rect">
+              <a:avLst/>
+            </a:prstGeom>
+          </p:spPr>
+          <p:style>
+            <a:lnRef idx="2">
+              <a:schemeClr val="dk1"/>
+            </a:lnRef>
+            <a:fillRef idx="1">
+              <a:schemeClr val="lt1"/>
+            </a:fillRef>
+            <a:effectRef idx="0">
+              <a:schemeClr val="dk1"/>
+            </a:effectRef>
+            <a:fontRef idx="minor">
+              <a:schemeClr val="dk1"/>
+            </a:fontRef>
+          </p:style>
+          <p:txBody>
+            <a:bodyPr rtlCol="0" anchor="ctr"/>
+            <a:lstStyle/>
+            <a:p>
+              <a:pPr algn="ctr"/>
+              <a:endParaRPr lang="ko-KR" altLang="en-US" dirty="0"/>
+            </a:p>
+          </p:txBody>
+        </p:sp>
+      </p:grpSp>
+      <p:sp>
+        <p:nvSpPr>
+          <p:cNvPr id="141" name="직사각형 140"/>
+          <p:cNvSpPr/>
+          <p:nvPr/>
+        </p:nvSpPr>
+        <p:spPr>
+          <a:xfrm>
+            <a:off x="3779911" y="1728862"/>
+            <a:ext cx="465179" cy="203200"/>
+          </a:xfrm>
+          <a:prstGeom prst="rect">
+            <a:avLst/>
+          </a:prstGeom>
+        </p:spPr>
+        <p:style>
+          <a:lnRef idx="2">
+            <a:schemeClr val="accent1">
+              <a:shade val="50000"/>
+            </a:schemeClr>
+          </a:lnRef>
+          <a:fillRef idx="1">
+            <a:schemeClr val="accent1"/>
+          </a:fillRef>
+          <a:effectRef idx="0">
+            <a:schemeClr val="accent1"/>
+          </a:effectRef>
+          <a:fontRef idx="minor">
+            <a:schemeClr val="lt1"/>
+          </a:fontRef>
+        </p:style>
+        <p:txBody>
+          <a:bodyPr rtlCol="0" anchor="ctr"/>
+          <a:lstStyle/>
+          <a:p>
+            <a:pPr algn="ctr"/>
+            <a:r>
+              <a:rPr lang="ko-KR" altLang="en-US" sz="800" dirty="0" smtClean="0"/>
+              <a:t>구매</a:t>
+            </a:r>
+            <a:endParaRPr lang="ko-KR" altLang="en-US" sz="800" dirty="0"/>
+          </a:p>
+        </p:txBody>
+      </p:sp>
+      <p:sp>
+        <p:nvSpPr>
+          <p:cNvPr id="142" name="직사각형 141"/>
+          <p:cNvSpPr/>
+          <p:nvPr/>
+        </p:nvSpPr>
+        <p:spPr>
+          <a:xfrm>
+            <a:off x="3786537" y="2360804"/>
+            <a:ext cx="465179" cy="203200"/>
+          </a:xfrm>
+          <a:prstGeom prst="rect">
+            <a:avLst/>
+          </a:prstGeom>
+        </p:spPr>
+        <p:style>
+          <a:lnRef idx="2">
+            <a:schemeClr val="accent1">
+              <a:shade val="50000"/>
+            </a:schemeClr>
+          </a:lnRef>
+          <a:fillRef idx="1">
+            <a:schemeClr val="accent1"/>
+          </a:fillRef>
+          <a:effectRef idx="0">
+            <a:schemeClr val="accent1"/>
+          </a:effectRef>
+          <a:fontRef idx="minor">
+            <a:schemeClr val="lt1"/>
+          </a:fontRef>
+        </p:style>
+        <p:txBody>
+          <a:bodyPr rtlCol="0" anchor="ctr"/>
+          <a:lstStyle/>
+          <a:p>
+            <a:pPr algn="ctr"/>
+            <a:r>
+              <a:rPr lang="ko-KR" altLang="en-US" sz="800" dirty="0" smtClean="0"/>
+              <a:t>구매</a:t>
+            </a:r>
+            <a:endParaRPr lang="ko-KR" altLang="en-US" sz="800" dirty="0"/>
+          </a:p>
+        </p:txBody>
+      </p:sp>
+      <p:sp>
+        <p:nvSpPr>
+          <p:cNvPr id="143" name="직사각형 142"/>
+          <p:cNvSpPr/>
+          <p:nvPr/>
+        </p:nvSpPr>
+        <p:spPr>
+          <a:xfrm>
+            <a:off x="3775681" y="2985342"/>
+            <a:ext cx="465179" cy="203200"/>
+          </a:xfrm>
+          <a:prstGeom prst="rect">
+            <a:avLst/>
+          </a:prstGeom>
+        </p:spPr>
+        <p:style>
+          <a:lnRef idx="2">
+            <a:schemeClr val="accent1">
+              <a:shade val="50000"/>
+            </a:schemeClr>
+          </a:lnRef>
+          <a:fillRef idx="1">
+            <a:schemeClr val="accent1"/>
+          </a:fillRef>
+          <a:effectRef idx="0">
+            <a:schemeClr val="accent1"/>
+          </a:effectRef>
+          <a:fontRef idx="minor">
+            <a:schemeClr val="lt1"/>
+          </a:fontRef>
+        </p:style>
+        <p:txBody>
+          <a:bodyPr rtlCol="0" anchor="ctr"/>
+          <a:lstStyle/>
+          <a:p>
+            <a:pPr algn="ctr"/>
+            <a:r>
+              <a:rPr lang="ko-KR" altLang="en-US" sz="800" dirty="0" smtClean="0"/>
+              <a:t>구매</a:t>
+            </a:r>
+            <a:endParaRPr lang="ko-KR" altLang="en-US" sz="800" dirty="0"/>
+          </a:p>
+        </p:txBody>
+      </p:sp>
+      <p:sp>
+        <p:nvSpPr>
+          <p:cNvPr id="144" name="직사각형 143"/>
+          <p:cNvSpPr/>
+          <p:nvPr/>
+        </p:nvSpPr>
+        <p:spPr>
+          <a:xfrm>
+            <a:off x="3779911" y="3604252"/>
+            <a:ext cx="465179" cy="203200"/>
+          </a:xfrm>
+          <a:prstGeom prst="rect">
+            <a:avLst/>
+          </a:prstGeom>
+        </p:spPr>
+        <p:style>
+          <a:lnRef idx="2">
+            <a:schemeClr val="accent1">
+              <a:shade val="50000"/>
+            </a:schemeClr>
+          </a:lnRef>
+          <a:fillRef idx="1">
+            <a:schemeClr val="accent1"/>
+          </a:fillRef>
+          <a:effectRef idx="0">
+            <a:schemeClr val="accent1"/>
+          </a:effectRef>
+          <a:fontRef idx="minor">
+            <a:schemeClr val="lt1"/>
+          </a:fontRef>
+        </p:style>
+        <p:txBody>
+          <a:bodyPr rtlCol="0" anchor="ctr"/>
+          <a:lstStyle/>
+          <a:p>
+            <a:pPr algn="ctr"/>
+            <a:r>
+              <a:rPr lang="ko-KR" altLang="en-US" sz="800" dirty="0" smtClean="0"/>
+              <a:t>구매</a:t>
+            </a:r>
+            <a:endParaRPr lang="ko-KR" altLang="en-US" sz="800" dirty="0"/>
+          </a:p>
+        </p:txBody>
+      </p:sp>
+      <p:sp>
+        <p:nvSpPr>
+          <p:cNvPr id="145" name="직사각형 144"/>
+          <p:cNvSpPr/>
+          <p:nvPr/>
+        </p:nvSpPr>
+        <p:spPr>
+          <a:xfrm>
+            <a:off x="3773279" y="4215042"/>
+            <a:ext cx="465179" cy="203200"/>
+          </a:xfrm>
+          <a:prstGeom prst="rect">
+            <a:avLst/>
+          </a:prstGeom>
+        </p:spPr>
+        <p:style>
+          <a:lnRef idx="2">
+            <a:schemeClr val="accent1">
+              <a:shade val="50000"/>
+            </a:schemeClr>
+          </a:lnRef>
+          <a:fillRef idx="1">
+            <a:schemeClr val="accent1"/>
+          </a:fillRef>
+          <a:effectRef idx="0">
+            <a:schemeClr val="accent1"/>
+          </a:effectRef>
+          <a:fontRef idx="minor">
+            <a:schemeClr val="lt1"/>
+          </a:fontRef>
+        </p:style>
+        <p:txBody>
+          <a:bodyPr rtlCol="0" anchor="ctr"/>
+          <a:lstStyle/>
+          <a:p>
+            <a:pPr algn="ctr"/>
+            <a:r>
+              <a:rPr lang="ko-KR" altLang="en-US" sz="800" dirty="0" smtClean="0"/>
+              <a:t>구매</a:t>
+            </a:r>
+            <a:endParaRPr lang="ko-KR" altLang="en-US" sz="800" dirty="0"/>
+          </a:p>
+        </p:txBody>
+      </p:sp>
     </p:spTree>
     <p:extLst>
       <p:ext uri="{BB962C8B-B14F-4D97-AF65-F5344CB8AC3E}">
         <p14:creationId xmlns:p14="http://schemas.microsoft.com/office/powerpoint/2010/main" val="3658853425"/>
+      </p:ext>
+    </p:extLst>
+  </p:cSld>
+  <p:clrMapOvr>
+    <a:masterClrMapping/>
+  </p:clrMapOvr>
+</p:sld>
+</file>
+
+<file path=ppt/slides/slide13.xml><?xml version="1.0" encoding="utf-8"?>
+<p:sld xmlns:a="http://schemas.openxmlformats.org/drawingml/2006/main" xmlns:r="http://schemas.openxmlformats.org/officeDocument/2006/relationships" xmlns:p="http://schemas.openxmlformats.org/presentationml/2006/main">
+  <p:cSld>
+    <p:spTree>
+      <p:nvGrpSpPr>
+        <p:cNvPr id="1" name=""/>
+        <p:cNvGrpSpPr/>
+        <p:nvPr/>
+      </p:nvGrpSpPr>
+      <p:grpSpPr>
+        <a:xfrm>
+          <a:off x="0" y="0"/>
+          <a:ext cx="0" cy="0"/>
+          <a:chOff x="0" y="0"/>
+          <a:chExt cx="0" cy="0"/>
+        </a:xfrm>
+      </p:grpSpPr>
+      <p:sp>
+        <p:nvSpPr>
+          <p:cNvPr id="5" name="직사각형 4"/>
+          <p:cNvSpPr/>
+          <p:nvPr/>
+        </p:nvSpPr>
+        <p:spPr>
+          <a:xfrm>
+            <a:off x="251520" y="123478"/>
+            <a:ext cx="720080" cy="720080"/>
+          </a:xfrm>
+          <a:prstGeom prst="rect">
+            <a:avLst/>
+          </a:prstGeom>
+        </p:spPr>
+        <p:style>
+          <a:lnRef idx="2">
+            <a:schemeClr val="accent1">
+              <a:shade val="50000"/>
+            </a:schemeClr>
+          </a:lnRef>
+          <a:fillRef idx="1">
+            <a:schemeClr val="accent1"/>
+          </a:fillRef>
+          <a:effectRef idx="0">
+            <a:schemeClr val="accent1"/>
+          </a:effectRef>
+          <a:fontRef idx="minor">
+            <a:schemeClr val="lt1"/>
+          </a:fontRef>
+        </p:style>
+        <p:txBody>
+          <a:bodyPr rtlCol="0" anchor="ctr"/>
+          <a:lstStyle/>
+          <a:p>
+            <a:pPr algn="ctr"/>
+            <a:r>
+              <a:rPr lang="ko-KR" altLang="en-US" sz="1200" dirty="0" smtClean="0"/>
+              <a:t>캐릭터 이미지</a:t>
+            </a:r>
+            <a:endParaRPr lang="ko-KR" altLang="en-US" sz="1200" dirty="0"/>
+          </a:p>
+        </p:txBody>
+      </p:sp>
+      <p:sp>
+        <p:nvSpPr>
+          <p:cNvPr id="6" name="직사각형 5"/>
+          <p:cNvSpPr/>
+          <p:nvPr/>
+        </p:nvSpPr>
+        <p:spPr>
+          <a:xfrm>
+            <a:off x="971600" y="123478"/>
+            <a:ext cx="1296144" cy="360040"/>
+          </a:xfrm>
+          <a:prstGeom prst="rect">
+            <a:avLst/>
+          </a:prstGeom>
+        </p:spPr>
+        <p:style>
+          <a:lnRef idx="2">
+            <a:schemeClr val="accent1">
+              <a:shade val="50000"/>
+            </a:schemeClr>
+          </a:lnRef>
+          <a:fillRef idx="1">
+            <a:schemeClr val="accent1"/>
+          </a:fillRef>
+          <a:effectRef idx="0">
+            <a:schemeClr val="accent1"/>
+          </a:effectRef>
+          <a:fontRef idx="minor">
+            <a:schemeClr val="lt1"/>
+          </a:fontRef>
+        </p:style>
+        <p:txBody>
+          <a:bodyPr rtlCol="0" anchor="ctr"/>
+          <a:lstStyle/>
+          <a:p>
+            <a:pPr algn="ctr"/>
+            <a:r>
+              <a:rPr lang="ko-KR" altLang="en-US" sz="1200" dirty="0" smtClean="0"/>
+              <a:t>레벨 닉네임</a:t>
+            </a:r>
+            <a:endParaRPr lang="ko-KR" altLang="en-US" sz="1200" dirty="0"/>
+          </a:p>
+        </p:txBody>
+      </p:sp>
+      <p:sp>
+        <p:nvSpPr>
+          <p:cNvPr id="7" name="직사각형 6"/>
+          <p:cNvSpPr/>
+          <p:nvPr/>
+        </p:nvSpPr>
+        <p:spPr>
+          <a:xfrm>
+            <a:off x="971600" y="483518"/>
+            <a:ext cx="1296144" cy="180020"/>
+          </a:xfrm>
+          <a:prstGeom prst="rect">
+            <a:avLst/>
+          </a:prstGeom>
+        </p:spPr>
+        <p:style>
+          <a:lnRef idx="2">
+            <a:schemeClr val="accent1">
+              <a:shade val="50000"/>
+            </a:schemeClr>
+          </a:lnRef>
+          <a:fillRef idx="1">
+            <a:schemeClr val="accent1"/>
+          </a:fillRef>
+          <a:effectRef idx="0">
+            <a:schemeClr val="accent1"/>
+          </a:effectRef>
+          <a:fontRef idx="minor">
+            <a:schemeClr val="lt1"/>
+          </a:fontRef>
+        </p:style>
+        <p:txBody>
+          <a:bodyPr rtlCol="0" anchor="ctr"/>
+          <a:lstStyle/>
+          <a:p>
+            <a:pPr algn="ctr"/>
+            <a:r>
+              <a:rPr lang="en-US" altLang="ko-KR" sz="1200" dirty="0" smtClean="0"/>
+              <a:t>HP</a:t>
+            </a:r>
+            <a:r>
+              <a:rPr lang="ko-KR" altLang="en-US" sz="1200" dirty="0" smtClean="0"/>
+              <a:t>바</a:t>
+            </a:r>
+            <a:endParaRPr lang="ko-KR" altLang="en-US" sz="1200" dirty="0"/>
+          </a:p>
+        </p:txBody>
+      </p:sp>
+      <p:sp>
+        <p:nvSpPr>
+          <p:cNvPr id="9" name="직사각형 8"/>
+          <p:cNvSpPr/>
+          <p:nvPr/>
+        </p:nvSpPr>
+        <p:spPr>
+          <a:xfrm>
+            <a:off x="972127" y="663538"/>
+            <a:ext cx="1296144" cy="180020"/>
+          </a:xfrm>
+          <a:prstGeom prst="rect">
+            <a:avLst/>
+          </a:prstGeom>
+        </p:spPr>
+        <p:style>
+          <a:lnRef idx="2">
+            <a:schemeClr val="accent1">
+              <a:shade val="50000"/>
+            </a:schemeClr>
+          </a:lnRef>
+          <a:fillRef idx="1">
+            <a:schemeClr val="accent1"/>
+          </a:fillRef>
+          <a:effectRef idx="0">
+            <a:schemeClr val="accent1"/>
+          </a:effectRef>
+          <a:fontRef idx="minor">
+            <a:schemeClr val="lt1"/>
+          </a:fontRef>
+        </p:style>
+        <p:txBody>
+          <a:bodyPr rtlCol="0" anchor="ctr"/>
+          <a:lstStyle/>
+          <a:p>
+            <a:pPr algn="ctr"/>
+            <a:r>
+              <a:rPr lang="ko-KR" altLang="en-US" sz="1200" dirty="0" smtClean="0"/>
+              <a:t>경험치</a:t>
+            </a:r>
+            <a:endParaRPr lang="ko-KR" altLang="en-US" sz="1200" dirty="0"/>
+          </a:p>
+        </p:txBody>
+      </p:sp>
+      <p:sp>
+        <p:nvSpPr>
+          <p:cNvPr id="18" name="타원 17"/>
+          <p:cNvSpPr/>
+          <p:nvPr/>
+        </p:nvSpPr>
+        <p:spPr>
+          <a:xfrm>
+            <a:off x="8221272" y="4128225"/>
+            <a:ext cx="507599" cy="507599"/>
+          </a:xfrm>
+          <a:prstGeom prst="ellipse">
+            <a:avLst/>
+          </a:prstGeom>
+        </p:spPr>
+        <p:style>
+          <a:lnRef idx="2">
+            <a:schemeClr val="accent1">
+              <a:shade val="50000"/>
+            </a:schemeClr>
+          </a:lnRef>
+          <a:fillRef idx="1">
+            <a:schemeClr val="accent1"/>
+          </a:fillRef>
+          <a:effectRef idx="0">
+            <a:schemeClr val="accent1"/>
+          </a:effectRef>
+          <a:fontRef idx="minor">
+            <a:schemeClr val="lt1"/>
+          </a:fontRef>
+        </p:style>
+        <p:txBody>
+          <a:bodyPr rtlCol="0" anchor="ctr"/>
+          <a:lstStyle/>
+          <a:p>
+            <a:pPr algn="ctr"/>
+            <a:r>
+              <a:rPr lang="ko-KR" altLang="en-US" sz="600" dirty="0" smtClean="0"/>
+              <a:t>공격</a:t>
+            </a:r>
+            <a:endParaRPr lang="en-US" altLang="ko-KR" sz="600" dirty="0" smtClean="0"/>
+          </a:p>
+          <a:p>
+            <a:pPr algn="ctr"/>
+            <a:r>
+              <a:rPr lang="ko-KR" altLang="en-US" sz="600" dirty="0" smtClean="0"/>
+              <a:t>버</a:t>
+            </a:r>
+            <a:r>
+              <a:rPr lang="ko-KR" altLang="en-US" sz="600" dirty="0"/>
+              <a:t>튼</a:t>
+            </a:r>
+          </a:p>
+        </p:txBody>
+      </p:sp>
+      <p:sp>
+        <p:nvSpPr>
+          <p:cNvPr id="19" name="타원 18"/>
+          <p:cNvSpPr/>
+          <p:nvPr/>
+        </p:nvSpPr>
+        <p:spPr>
+          <a:xfrm>
+            <a:off x="8231140" y="3658401"/>
+            <a:ext cx="363583" cy="363583"/>
+          </a:xfrm>
+          <a:prstGeom prst="ellipse">
+            <a:avLst/>
+          </a:prstGeom>
+        </p:spPr>
+        <p:style>
+          <a:lnRef idx="2">
+            <a:schemeClr val="accent1">
+              <a:shade val="50000"/>
+            </a:schemeClr>
+          </a:lnRef>
+          <a:fillRef idx="1">
+            <a:schemeClr val="accent1"/>
+          </a:fillRef>
+          <a:effectRef idx="0">
+            <a:schemeClr val="accent1"/>
+          </a:effectRef>
+          <a:fontRef idx="minor">
+            <a:schemeClr val="lt1"/>
+          </a:fontRef>
+        </p:style>
+        <p:txBody>
+          <a:bodyPr rtlCol="0" anchor="ctr"/>
+          <a:lstStyle/>
+          <a:p>
+            <a:pPr algn="ctr"/>
+            <a:r>
+              <a:rPr lang="ko-KR" altLang="en-US" sz="600" dirty="0" smtClean="0"/>
+              <a:t>슬롯</a:t>
+            </a:r>
+            <a:r>
+              <a:rPr lang="en-US" altLang="ko-KR" sz="600" dirty="0" smtClean="0"/>
+              <a:t>1</a:t>
+            </a:r>
+            <a:endParaRPr lang="ko-KR" altLang="en-US" sz="600" dirty="0"/>
+          </a:p>
+        </p:txBody>
+      </p:sp>
+      <p:sp>
+        <p:nvSpPr>
+          <p:cNvPr id="20" name="직사각형 19"/>
+          <p:cNvSpPr/>
+          <p:nvPr/>
+        </p:nvSpPr>
+        <p:spPr>
+          <a:xfrm>
+            <a:off x="2369975" y="123478"/>
+            <a:ext cx="1296144" cy="180020"/>
+          </a:xfrm>
+          <a:prstGeom prst="rect">
+            <a:avLst/>
+          </a:prstGeom>
+        </p:spPr>
+        <p:style>
+          <a:lnRef idx="2">
+            <a:schemeClr val="accent1">
+              <a:shade val="50000"/>
+            </a:schemeClr>
+          </a:lnRef>
+          <a:fillRef idx="1">
+            <a:schemeClr val="accent1"/>
+          </a:fillRef>
+          <a:effectRef idx="0">
+            <a:schemeClr val="accent1"/>
+          </a:effectRef>
+          <a:fontRef idx="minor">
+            <a:schemeClr val="lt1"/>
+          </a:fontRef>
+        </p:style>
+        <p:txBody>
+          <a:bodyPr rtlCol="0" anchor="ctr"/>
+          <a:lstStyle/>
+          <a:p>
+            <a:pPr algn="ctr"/>
+            <a:r>
+              <a:rPr lang="ko-KR" altLang="en-US" sz="1200" dirty="0" smtClean="0"/>
+              <a:t>소지골</a:t>
+            </a:r>
+            <a:r>
+              <a:rPr lang="ko-KR" altLang="en-US" sz="1200" dirty="0"/>
+              <a:t>드</a:t>
+            </a:r>
+          </a:p>
+        </p:txBody>
+      </p:sp>
+      <p:sp>
+        <p:nvSpPr>
+          <p:cNvPr id="21" name="타원 20"/>
+          <p:cNvSpPr/>
+          <p:nvPr/>
+        </p:nvSpPr>
+        <p:spPr>
+          <a:xfrm>
+            <a:off x="7802637" y="3946433"/>
+            <a:ext cx="363583" cy="363583"/>
+          </a:xfrm>
+          <a:prstGeom prst="ellipse">
+            <a:avLst/>
+          </a:prstGeom>
+        </p:spPr>
+        <p:style>
+          <a:lnRef idx="2">
+            <a:schemeClr val="accent1">
+              <a:shade val="50000"/>
+            </a:schemeClr>
+          </a:lnRef>
+          <a:fillRef idx="1">
+            <a:schemeClr val="accent1"/>
+          </a:fillRef>
+          <a:effectRef idx="0">
+            <a:schemeClr val="accent1"/>
+          </a:effectRef>
+          <a:fontRef idx="minor">
+            <a:schemeClr val="lt1"/>
+          </a:fontRef>
+        </p:style>
+        <p:txBody>
+          <a:bodyPr rtlCol="0" anchor="ctr"/>
+          <a:lstStyle/>
+          <a:p>
+            <a:pPr algn="ctr"/>
+            <a:r>
+              <a:rPr lang="ko-KR" altLang="en-US" sz="600" dirty="0" smtClean="0"/>
+              <a:t>슬롯</a:t>
+            </a:r>
+            <a:r>
+              <a:rPr lang="en-US" altLang="ko-KR" sz="600" dirty="0" smtClean="0"/>
+              <a:t>2</a:t>
+            </a:r>
+            <a:endParaRPr lang="ko-KR" altLang="en-US" sz="600" dirty="0"/>
+          </a:p>
+        </p:txBody>
+      </p:sp>
+      <p:sp>
+        <p:nvSpPr>
+          <p:cNvPr id="26" name="직사각형 25"/>
+          <p:cNvSpPr/>
+          <p:nvPr/>
+        </p:nvSpPr>
+        <p:spPr>
+          <a:xfrm>
+            <a:off x="7380312" y="411510"/>
+            <a:ext cx="1656184" cy="936104"/>
+          </a:xfrm>
+          <a:prstGeom prst="rect">
+            <a:avLst/>
+          </a:prstGeom>
+        </p:spPr>
+        <p:style>
+          <a:lnRef idx="2">
+            <a:schemeClr val="accent1">
+              <a:shade val="50000"/>
+            </a:schemeClr>
+          </a:lnRef>
+          <a:fillRef idx="1">
+            <a:schemeClr val="accent1"/>
+          </a:fillRef>
+          <a:effectRef idx="0">
+            <a:schemeClr val="accent1"/>
+          </a:effectRef>
+          <a:fontRef idx="minor">
+            <a:schemeClr val="lt1"/>
+          </a:fontRef>
+        </p:style>
+        <p:txBody>
+          <a:bodyPr rtlCol="0" anchor="ctr"/>
+          <a:lstStyle/>
+          <a:p>
+            <a:pPr algn="ctr"/>
+            <a:r>
+              <a:rPr lang="ko-KR" altLang="en-US" dirty="0" err="1" smtClean="0"/>
+              <a:t>미니맵</a:t>
+            </a:r>
+            <a:endParaRPr lang="ko-KR" altLang="en-US" dirty="0"/>
+          </a:p>
+        </p:txBody>
+      </p:sp>
+      <p:sp>
+        <p:nvSpPr>
+          <p:cNvPr id="27" name="직사각형 26"/>
+          <p:cNvSpPr/>
+          <p:nvPr/>
+        </p:nvSpPr>
+        <p:spPr>
+          <a:xfrm>
+            <a:off x="8460432" y="1419622"/>
+            <a:ext cx="576064" cy="360040"/>
+          </a:xfrm>
+          <a:prstGeom prst="rect">
+            <a:avLst/>
+          </a:prstGeom>
+        </p:spPr>
+        <p:style>
+          <a:lnRef idx="2">
+            <a:schemeClr val="accent1">
+              <a:shade val="50000"/>
+            </a:schemeClr>
+          </a:lnRef>
+          <a:fillRef idx="1">
+            <a:schemeClr val="accent1"/>
+          </a:fillRef>
+          <a:effectRef idx="0">
+            <a:schemeClr val="accent1"/>
+          </a:effectRef>
+          <a:fontRef idx="minor">
+            <a:schemeClr val="lt1"/>
+          </a:fontRef>
+        </p:style>
+        <p:txBody>
+          <a:bodyPr rtlCol="0" anchor="ctr"/>
+          <a:lstStyle/>
+          <a:p>
+            <a:pPr algn="ctr"/>
+            <a:r>
+              <a:rPr lang="ko-KR" altLang="en-US" sz="1200" dirty="0" err="1" smtClean="0"/>
+              <a:t>월드맵</a:t>
+            </a:r>
+            <a:endParaRPr lang="ko-KR" altLang="en-US" sz="1200" dirty="0"/>
+          </a:p>
+        </p:txBody>
+      </p:sp>
+      <p:sp>
+        <p:nvSpPr>
+          <p:cNvPr id="28" name="직사각형 27"/>
+          <p:cNvSpPr/>
+          <p:nvPr/>
+        </p:nvSpPr>
+        <p:spPr>
+          <a:xfrm>
+            <a:off x="7812360" y="1419622"/>
+            <a:ext cx="576064" cy="360040"/>
+          </a:xfrm>
+          <a:prstGeom prst="rect">
+            <a:avLst/>
+          </a:prstGeom>
+        </p:spPr>
+        <p:style>
+          <a:lnRef idx="2">
+            <a:schemeClr val="accent1">
+              <a:shade val="50000"/>
+            </a:schemeClr>
+          </a:lnRef>
+          <a:fillRef idx="1">
+            <a:schemeClr val="accent1"/>
+          </a:fillRef>
+          <a:effectRef idx="0">
+            <a:schemeClr val="accent1"/>
+          </a:effectRef>
+          <a:fontRef idx="minor">
+            <a:schemeClr val="lt1"/>
+          </a:fontRef>
+        </p:style>
+        <p:txBody>
+          <a:bodyPr rtlCol="0" anchor="ctr"/>
+          <a:lstStyle/>
+          <a:p>
+            <a:pPr algn="ctr"/>
+            <a:r>
+              <a:rPr lang="ko-KR" altLang="en-US" sz="1000" dirty="0" smtClean="0"/>
+              <a:t>내구도 알림</a:t>
+            </a:r>
+            <a:endParaRPr lang="ko-KR" altLang="en-US" sz="1000" dirty="0"/>
+          </a:p>
+        </p:txBody>
+      </p:sp>
+      <p:sp>
+        <p:nvSpPr>
+          <p:cNvPr id="29" name="타원 28"/>
+          <p:cNvSpPr/>
+          <p:nvPr/>
+        </p:nvSpPr>
+        <p:spPr>
+          <a:xfrm>
+            <a:off x="8728871" y="61169"/>
+            <a:ext cx="291575" cy="291575"/>
+          </a:xfrm>
+          <a:prstGeom prst="ellipse">
+            <a:avLst/>
+          </a:prstGeom>
+        </p:spPr>
+        <p:style>
+          <a:lnRef idx="2">
+            <a:schemeClr val="accent1">
+              <a:shade val="50000"/>
+            </a:schemeClr>
+          </a:lnRef>
+          <a:fillRef idx="1">
+            <a:schemeClr val="accent1"/>
+          </a:fillRef>
+          <a:effectRef idx="0">
+            <a:schemeClr val="accent1"/>
+          </a:effectRef>
+          <a:fontRef idx="minor">
+            <a:schemeClr val="lt1"/>
+          </a:fontRef>
+        </p:style>
+        <p:txBody>
+          <a:bodyPr rtlCol="0" anchor="ctr"/>
+          <a:lstStyle/>
+          <a:p>
+            <a:pPr algn="ctr"/>
+            <a:r>
+              <a:rPr lang="ko-KR" altLang="en-US" sz="600" dirty="0" smtClean="0"/>
+              <a:t>설정</a:t>
+            </a:r>
+            <a:endParaRPr lang="ko-KR" altLang="en-US" sz="600" dirty="0"/>
+          </a:p>
+        </p:txBody>
+      </p:sp>
+      <p:sp>
+        <p:nvSpPr>
+          <p:cNvPr id="43" name="타원 42"/>
+          <p:cNvSpPr/>
+          <p:nvPr/>
+        </p:nvSpPr>
+        <p:spPr>
+          <a:xfrm>
+            <a:off x="444639" y="1188555"/>
+            <a:ext cx="555276" cy="555276"/>
+          </a:xfrm>
+          <a:prstGeom prst="ellipse">
+            <a:avLst/>
+          </a:prstGeom>
+        </p:spPr>
+        <p:style>
+          <a:lnRef idx="2">
+            <a:schemeClr val="accent1">
+              <a:shade val="50000"/>
+            </a:schemeClr>
+          </a:lnRef>
+          <a:fillRef idx="1">
+            <a:schemeClr val="accent1"/>
+          </a:fillRef>
+          <a:effectRef idx="0">
+            <a:schemeClr val="accent1"/>
+          </a:effectRef>
+          <a:fontRef idx="minor">
+            <a:schemeClr val="lt1"/>
+          </a:fontRef>
+        </p:style>
+        <p:txBody>
+          <a:bodyPr rtlCol="0" anchor="ctr"/>
+          <a:lstStyle/>
+          <a:p>
+            <a:pPr algn="ctr"/>
+            <a:r>
+              <a:rPr lang="ko-KR" altLang="en-US" sz="500" dirty="0" smtClean="0"/>
+              <a:t>버튼 목록</a:t>
+            </a:r>
+            <a:endParaRPr lang="ko-KR" altLang="en-US" sz="500" dirty="0"/>
+          </a:p>
+        </p:txBody>
+      </p:sp>
+      <p:grpSp>
+        <p:nvGrpSpPr>
+          <p:cNvPr id="3" name="그룹 2"/>
+          <p:cNvGrpSpPr/>
+          <p:nvPr/>
+        </p:nvGrpSpPr>
+        <p:grpSpPr>
+          <a:xfrm>
+            <a:off x="1731258" y="863734"/>
+            <a:ext cx="2731598" cy="3802066"/>
+            <a:chOff x="700930" y="794040"/>
+            <a:chExt cx="2731598" cy="3802066"/>
+          </a:xfrm>
+        </p:grpSpPr>
+        <p:sp>
+          <p:nvSpPr>
+            <p:cNvPr id="35" name="직사각형 34"/>
+            <p:cNvSpPr/>
+            <p:nvPr/>
+          </p:nvSpPr>
+          <p:spPr>
+            <a:xfrm>
+              <a:off x="700930" y="794040"/>
+              <a:ext cx="2731598" cy="3802066"/>
+            </a:xfrm>
+            <a:prstGeom prst="rect">
+              <a:avLst/>
+            </a:prstGeom>
+          </p:spPr>
+          <p:style>
+            <a:lnRef idx="2">
+              <a:schemeClr val="accent1">
+                <a:shade val="50000"/>
+              </a:schemeClr>
+            </a:lnRef>
+            <a:fillRef idx="1">
+              <a:schemeClr val="accent1"/>
+            </a:fillRef>
+            <a:effectRef idx="0">
+              <a:schemeClr val="accent1"/>
+            </a:effectRef>
+            <a:fontRef idx="minor">
+              <a:schemeClr val="lt1"/>
+            </a:fontRef>
+          </p:style>
+          <p:txBody>
+            <a:bodyPr rtlCol="0" anchor="ctr"/>
+            <a:lstStyle/>
+            <a:p>
+              <a:pPr algn="ctr"/>
+              <a:endParaRPr lang="ko-KR" altLang="en-US" dirty="0"/>
+            </a:p>
+          </p:txBody>
+        </p:sp>
+        <p:sp>
+          <p:nvSpPr>
+            <p:cNvPr id="2" name="직사각형 1"/>
+            <p:cNvSpPr/>
+            <p:nvPr/>
+          </p:nvSpPr>
+          <p:spPr>
+            <a:xfrm>
+              <a:off x="851948" y="1359464"/>
+              <a:ext cx="576064" cy="558505"/>
+            </a:xfrm>
+            <a:prstGeom prst="rect">
+              <a:avLst/>
+            </a:prstGeom>
+          </p:spPr>
+          <p:style>
+            <a:lnRef idx="2">
+              <a:schemeClr val="dk1"/>
+            </a:lnRef>
+            <a:fillRef idx="1">
+              <a:schemeClr val="lt1"/>
+            </a:fillRef>
+            <a:effectRef idx="0">
+              <a:schemeClr val="dk1"/>
+            </a:effectRef>
+            <a:fontRef idx="minor">
+              <a:schemeClr val="dk1"/>
+            </a:fontRef>
+          </p:style>
+          <p:txBody>
+            <a:bodyPr rtlCol="0" anchor="ctr"/>
+            <a:lstStyle/>
+            <a:p>
+              <a:pPr algn="ctr"/>
+              <a:r>
+                <a:rPr lang="ko-KR" altLang="en-US" sz="1000" dirty="0" smtClean="0"/>
+                <a:t>이미지</a:t>
+              </a:r>
+              <a:endParaRPr lang="ko-KR" altLang="en-US" sz="1000" dirty="0"/>
+            </a:p>
+          </p:txBody>
+        </p:sp>
+        <p:sp>
+          <p:nvSpPr>
+            <p:cNvPr id="58" name="직사각형 57"/>
+            <p:cNvSpPr/>
+            <p:nvPr/>
+          </p:nvSpPr>
+          <p:spPr>
+            <a:xfrm>
+              <a:off x="1506448" y="958759"/>
+              <a:ext cx="653853" cy="324922"/>
+            </a:xfrm>
+            <a:prstGeom prst="rect">
+              <a:avLst/>
+            </a:prstGeom>
+            <a:solidFill>
+              <a:schemeClr val="accent2">
+                <a:lumMod val="75000"/>
+              </a:schemeClr>
+            </a:solidFill>
+          </p:spPr>
+          <p:style>
+            <a:lnRef idx="2">
+              <a:schemeClr val="dk1"/>
+            </a:lnRef>
+            <a:fillRef idx="1">
+              <a:schemeClr val="lt1"/>
+            </a:fillRef>
+            <a:effectRef idx="0">
+              <a:schemeClr val="dk1"/>
+            </a:effectRef>
+            <a:fontRef idx="minor">
+              <a:schemeClr val="dk1"/>
+            </a:fontRef>
+          </p:style>
+          <p:txBody>
+            <a:bodyPr rtlCol="0" anchor="ctr"/>
+            <a:lstStyle/>
+            <a:p>
+              <a:pPr algn="ctr"/>
+              <a:r>
+                <a:rPr lang="ko-KR" altLang="en-US" sz="900" dirty="0" smtClean="0"/>
+                <a:t>식품</a:t>
+              </a:r>
+              <a:endParaRPr lang="ko-KR" altLang="en-US" sz="900" dirty="0"/>
+            </a:p>
+          </p:txBody>
+        </p:sp>
+        <p:sp>
+          <p:nvSpPr>
+            <p:cNvPr id="64" name="직사각형 63"/>
+            <p:cNvSpPr/>
+            <p:nvPr/>
+          </p:nvSpPr>
+          <p:spPr>
+            <a:xfrm>
+              <a:off x="1505801" y="1358568"/>
+              <a:ext cx="1764196" cy="558505"/>
+            </a:xfrm>
+            <a:prstGeom prst="rect">
+              <a:avLst/>
+            </a:prstGeom>
+          </p:spPr>
+          <p:style>
+            <a:lnRef idx="2">
+              <a:schemeClr val="dk1"/>
+            </a:lnRef>
+            <a:fillRef idx="1">
+              <a:schemeClr val="lt1"/>
+            </a:fillRef>
+            <a:effectRef idx="0">
+              <a:schemeClr val="dk1"/>
+            </a:effectRef>
+            <a:fontRef idx="minor">
+              <a:schemeClr val="dk1"/>
+            </a:fontRef>
+          </p:style>
+          <p:txBody>
+            <a:bodyPr rtlCol="0" anchor="ctr"/>
+            <a:lstStyle/>
+            <a:p>
+              <a:pPr algn="ctr"/>
+              <a:r>
+                <a:rPr lang="ko-KR" altLang="en-US" sz="1000" dirty="0" smtClean="0"/>
+                <a:t>이름</a:t>
+              </a:r>
+              <a:r>
+                <a:rPr lang="en-US" altLang="ko-KR" sz="1000" dirty="0" smtClean="0"/>
+                <a:t>,</a:t>
+              </a:r>
+              <a:r>
+                <a:rPr lang="ko-KR" altLang="en-US" sz="1000" dirty="0" smtClean="0"/>
+                <a:t>설명</a:t>
+              </a:r>
+              <a:r>
+                <a:rPr lang="en-US" altLang="ko-KR" sz="1000" dirty="0" smtClean="0"/>
+                <a:t>, </a:t>
+              </a:r>
+              <a:r>
+                <a:rPr lang="ko-KR" altLang="en-US" sz="1000" dirty="0" smtClean="0"/>
+                <a:t>금액</a:t>
+              </a:r>
+              <a:endParaRPr lang="ko-KR" altLang="en-US" sz="1000" dirty="0"/>
+            </a:p>
+          </p:txBody>
+        </p:sp>
+        <p:sp>
+          <p:nvSpPr>
+            <p:cNvPr id="65" name="직사각형 64"/>
+            <p:cNvSpPr/>
+            <p:nvPr/>
+          </p:nvSpPr>
+          <p:spPr>
+            <a:xfrm>
+              <a:off x="851948" y="1985535"/>
+              <a:ext cx="576064" cy="558505"/>
+            </a:xfrm>
+            <a:prstGeom prst="rect">
+              <a:avLst/>
+            </a:prstGeom>
+          </p:spPr>
+          <p:style>
+            <a:lnRef idx="2">
+              <a:schemeClr val="dk1"/>
+            </a:lnRef>
+            <a:fillRef idx="1">
+              <a:schemeClr val="lt1"/>
+            </a:fillRef>
+            <a:effectRef idx="0">
+              <a:schemeClr val="dk1"/>
+            </a:effectRef>
+            <a:fontRef idx="minor">
+              <a:schemeClr val="dk1"/>
+            </a:fontRef>
+          </p:style>
+          <p:txBody>
+            <a:bodyPr rtlCol="0" anchor="ctr"/>
+            <a:lstStyle/>
+            <a:p>
+              <a:pPr algn="ctr"/>
+              <a:r>
+                <a:rPr lang="ko-KR" altLang="en-US" sz="1000" dirty="0" smtClean="0"/>
+                <a:t>이미지</a:t>
+              </a:r>
+              <a:endParaRPr lang="ko-KR" altLang="en-US" sz="1000" dirty="0"/>
+            </a:p>
+          </p:txBody>
+        </p:sp>
+        <p:sp>
+          <p:nvSpPr>
+            <p:cNvPr id="66" name="직사각형 65"/>
+            <p:cNvSpPr/>
+            <p:nvPr/>
+          </p:nvSpPr>
+          <p:spPr>
+            <a:xfrm>
+              <a:off x="1505801" y="1984639"/>
+              <a:ext cx="1764196" cy="558505"/>
+            </a:xfrm>
+            <a:prstGeom prst="rect">
+              <a:avLst/>
+            </a:prstGeom>
+          </p:spPr>
+          <p:style>
+            <a:lnRef idx="2">
+              <a:schemeClr val="dk1"/>
+            </a:lnRef>
+            <a:fillRef idx="1">
+              <a:schemeClr val="lt1"/>
+            </a:fillRef>
+            <a:effectRef idx="0">
+              <a:schemeClr val="dk1"/>
+            </a:effectRef>
+            <a:fontRef idx="minor">
+              <a:schemeClr val="dk1"/>
+            </a:fontRef>
+          </p:style>
+          <p:txBody>
+            <a:bodyPr rtlCol="0" anchor="ctr"/>
+            <a:lstStyle/>
+            <a:p>
+              <a:pPr algn="ctr"/>
+              <a:endParaRPr lang="ko-KR" altLang="en-US" sz="1000" dirty="0"/>
+            </a:p>
+          </p:txBody>
+        </p:sp>
+        <p:sp>
+          <p:nvSpPr>
+            <p:cNvPr id="67" name="직사각형 66"/>
+            <p:cNvSpPr/>
+            <p:nvPr/>
+          </p:nvSpPr>
+          <p:spPr>
+            <a:xfrm>
+              <a:off x="839778" y="2607188"/>
+              <a:ext cx="576064" cy="558505"/>
+            </a:xfrm>
+            <a:prstGeom prst="rect">
+              <a:avLst/>
+            </a:prstGeom>
+          </p:spPr>
+          <p:style>
+            <a:lnRef idx="2">
+              <a:schemeClr val="dk1"/>
+            </a:lnRef>
+            <a:fillRef idx="1">
+              <a:schemeClr val="lt1"/>
+            </a:fillRef>
+            <a:effectRef idx="0">
+              <a:schemeClr val="dk1"/>
+            </a:effectRef>
+            <a:fontRef idx="minor">
+              <a:schemeClr val="dk1"/>
+            </a:fontRef>
+          </p:style>
+          <p:txBody>
+            <a:bodyPr rtlCol="0" anchor="ctr"/>
+            <a:lstStyle/>
+            <a:p>
+              <a:pPr algn="ctr"/>
+              <a:r>
+                <a:rPr lang="ko-KR" altLang="en-US" sz="1000" dirty="0" smtClean="0"/>
+                <a:t>이미지</a:t>
+              </a:r>
+              <a:endParaRPr lang="ko-KR" altLang="en-US" sz="1000" dirty="0"/>
+            </a:p>
+          </p:txBody>
+        </p:sp>
+        <p:sp>
+          <p:nvSpPr>
+            <p:cNvPr id="68" name="직사각형 67"/>
+            <p:cNvSpPr/>
+            <p:nvPr/>
+          </p:nvSpPr>
+          <p:spPr>
+            <a:xfrm>
+              <a:off x="1493631" y="2606292"/>
+              <a:ext cx="1764196" cy="558505"/>
+            </a:xfrm>
+            <a:prstGeom prst="rect">
+              <a:avLst/>
+            </a:prstGeom>
+          </p:spPr>
+          <p:style>
+            <a:lnRef idx="2">
+              <a:schemeClr val="dk1"/>
+            </a:lnRef>
+            <a:fillRef idx="1">
+              <a:schemeClr val="lt1"/>
+            </a:fillRef>
+            <a:effectRef idx="0">
+              <a:schemeClr val="dk1"/>
+            </a:effectRef>
+            <a:fontRef idx="minor">
+              <a:schemeClr val="dk1"/>
+            </a:fontRef>
+          </p:style>
+          <p:txBody>
+            <a:bodyPr rtlCol="0" anchor="ctr"/>
+            <a:lstStyle/>
+            <a:p>
+              <a:pPr algn="ctr"/>
+              <a:endParaRPr lang="ko-KR" altLang="en-US" sz="1000" dirty="0"/>
+            </a:p>
+          </p:txBody>
+        </p:sp>
+        <p:sp>
+          <p:nvSpPr>
+            <p:cNvPr id="69" name="직사각형 68"/>
+            <p:cNvSpPr/>
+            <p:nvPr/>
+          </p:nvSpPr>
+          <p:spPr>
+            <a:xfrm>
+              <a:off x="839778" y="3224460"/>
+              <a:ext cx="576064" cy="558505"/>
+            </a:xfrm>
+            <a:prstGeom prst="rect">
+              <a:avLst/>
+            </a:prstGeom>
+          </p:spPr>
+          <p:style>
+            <a:lnRef idx="2">
+              <a:schemeClr val="dk1"/>
+            </a:lnRef>
+            <a:fillRef idx="1">
+              <a:schemeClr val="lt1"/>
+            </a:fillRef>
+            <a:effectRef idx="0">
+              <a:schemeClr val="dk1"/>
+            </a:effectRef>
+            <a:fontRef idx="minor">
+              <a:schemeClr val="dk1"/>
+            </a:fontRef>
+          </p:style>
+          <p:txBody>
+            <a:bodyPr rtlCol="0" anchor="ctr"/>
+            <a:lstStyle/>
+            <a:p>
+              <a:pPr algn="ctr"/>
+              <a:r>
+                <a:rPr lang="ko-KR" altLang="en-US" sz="1000" dirty="0" smtClean="0"/>
+                <a:t>이미지</a:t>
+              </a:r>
+              <a:endParaRPr lang="ko-KR" altLang="en-US" sz="1000" dirty="0"/>
+            </a:p>
+          </p:txBody>
+        </p:sp>
+        <p:sp>
+          <p:nvSpPr>
+            <p:cNvPr id="70" name="직사각형 69"/>
+            <p:cNvSpPr/>
+            <p:nvPr/>
+          </p:nvSpPr>
+          <p:spPr>
+            <a:xfrm>
+              <a:off x="1493000" y="3223564"/>
+              <a:ext cx="1764196" cy="558505"/>
+            </a:xfrm>
+            <a:prstGeom prst="rect">
+              <a:avLst/>
+            </a:prstGeom>
+          </p:spPr>
+          <p:style>
+            <a:lnRef idx="2">
+              <a:schemeClr val="dk1"/>
+            </a:lnRef>
+            <a:fillRef idx="1">
+              <a:schemeClr val="lt1"/>
+            </a:fillRef>
+            <a:effectRef idx="0">
+              <a:schemeClr val="dk1"/>
+            </a:effectRef>
+            <a:fontRef idx="minor">
+              <a:schemeClr val="dk1"/>
+            </a:fontRef>
+          </p:style>
+          <p:txBody>
+            <a:bodyPr rtlCol="0" anchor="ctr"/>
+            <a:lstStyle/>
+            <a:p>
+              <a:pPr algn="ctr"/>
+              <a:endParaRPr lang="ko-KR" altLang="en-US" sz="1000" dirty="0"/>
+            </a:p>
+          </p:txBody>
+        </p:sp>
+        <p:sp>
+          <p:nvSpPr>
+            <p:cNvPr id="71" name="직사각형 70"/>
+            <p:cNvSpPr/>
+            <p:nvPr/>
+          </p:nvSpPr>
+          <p:spPr>
+            <a:xfrm>
+              <a:off x="833804" y="3842809"/>
+              <a:ext cx="576064" cy="558505"/>
+            </a:xfrm>
+            <a:prstGeom prst="rect">
+              <a:avLst/>
+            </a:prstGeom>
+          </p:spPr>
+          <p:style>
+            <a:lnRef idx="2">
+              <a:schemeClr val="dk1"/>
+            </a:lnRef>
+            <a:fillRef idx="1">
+              <a:schemeClr val="lt1"/>
+            </a:fillRef>
+            <a:effectRef idx="0">
+              <a:schemeClr val="dk1"/>
+            </a:effectRef>
+            <a:fontRef idx="minor">
+              <a:schemeClr val="dk1"/>
+            </a:fontRef>
+          </p:style>
+          <p:txBody>
+            <a:bodyPr rtlCol="0" anchor="ctr"/>
+            <a:lstStyle/>
+            <a:p>
+              <a:pPr algn="ctr"/>
+              <a:r>
+                <a:rPr lang="ko-KR" altLang="en-US" sz="1000" dirty="0" smtClean="0"/>
+                <a:t>이미지</a:t>
+              </a:r>
+              <a:endParaRPr lang="ko-KR" altLang="en-US" sz="1000" dirty="0"/>
+            </a:p>
+          </p:txBody>
+        </p:sp>
+        <p:sp>
+          <p:nvSpPr>
+            <p:cNvPr id="72" name="직사각형 71"/>
+            <p:cNvSpPr/>
+            <p:nvPr/>
+          </p:nvSpPr>
+          <p:spPr>
+            <a:xfrm>
+              <a:off x="1494950" y="3841913"/>
+              <a:ext cx="1764196" cy="558505"/>
+            </a:xfrm>
+            <a:prstGeom prst="rect">
+              <a:avLst/>
+            </a:prstGeom>
+          </p:spPr>
+          <p:style>
+            <a:lnRef idx="2">
+              <a:schemeClr val="dk1"/>
+            </a:lnRef>
+            <a:fillRef idx="1">
+              <a:schemeClr val="lt1"/>
+            </a:fillRef>
+            <a:effectRef idx="0">
+              <a:schemeClr val="dk1"/>
+            </a:effectRef>
+            <a:fontRef idx="minor">
+              <a:schemeClr val="dk1"/>
+            </a:fontRef>
+          </p:style>
+          <p:txBody>
+            <a:bodyPr rtlCol="0" anchor="ctr"/>
+            <a:lstStyle/>
+            <a:p>
+              <a:pPr algn="ctr"/>
+              <a:endParaRPr lang="ko-KR" altLang="en-US" sz="1000" dirty="0"/>
+            </a:p>
+          </p:txBody>
+        </p:sp>
+        <p:sp>
+          <p:nvSpPr>
+            <p:cNvPr id="49" name="직사각형 48"/>
+            <p:cNvSpPr/>
+            <p:nvPr/>
+          </p:nvSpPr>
+          <p:spPr>
+            <a:xfrm>
+              <a:off x="851948" y="958759"/>
+              <a:ext cx="653853" cy="324922"/>
+            </a:xfrm>
+            <a:prstGeom prst="rect">
+              <a:avLst/>
+            </a:prstGeom>
+            <a:solidFill>
+              <a:schemeClr val="accent2">
+                <a:lumMod val="75000"/>
+              </a:schemeClr>
+            </a:solidFill>
+          </p:spPr>
+          <p:style>
+            <a:lnRef idx="2">
+              <a:schemeClr val="dk1"/>
+            </a:lnRef>
+            <a:fillRef idx="1">
+              <a:schemeClr val="lt1"/>
+            </a:fillRef>
+            <a:effectRef idx="0">
+              <a:schemeClr val="dk1"/>
+            </a:effectRef>
+            <a:fontRef idx="minor">
+              <a:schemeClr val="dk1"/>
+            </a:fontRef>
+          </p:style>
+          <p:txBody>
+            <a:bodyPr rtlCol="0" anchor="ctr"/>
+            <a:lstStyle/>
+            <a:p>
+              <a:pPr algn="ctr"/>
+              <a:r>
+                <a:rPr lang="ko-KR" altLang="en-US" sz="900" dirty="0" smtClean="0"/>
+                <a:t>장비</a:t>
+              </a:r>
+              <a:endParaRPr lang="ko-KR" altLang="en-US" sz="900" dirty="0"/>
+            </a:p>
+          </p:txBody>
+        </p:sp>
+      </p:grpSp>
+      <p:sp>
+        <p:nvSpPr>
+          <p:cNvPr id="11" name="직사각형 10"/>
+          <p:cNvSpPr/>
+          <p:nvPr/>
+        </p:nvSpPr>
+        <p:spPr>
+          <a:xfrm>
+            <a:off x="34415" y="1931586"/>
+            <a:ext cx="1726185" cy="831933"/>
+          </a:xfrm>
+          <a:prstGeom prst="rect">
+            <a:avLst/>
+          </a:prstGeom>
+        </p:spPr>
+        <p:style>
+          <a:lnRef idx="2">
+            <a:schemeClr val="accent1">
+              <a:shade val="50000"/>
+            </a:schemeClr>
+          </a:lnRef>
+          <a:fillRef idx="1">
+            <a:schemeClr val="accent1"/>
+          </a:fillRef>
+          <a:effectRef idx="0">
+            <a:schemeClr val="accent1"/>
+          </a:effectRef>
+          <a:fontRef idx="minor">
+            <a:schemeClr val="lt1"/>
+          </a:fontRef>
+        </p:style>
+        <p:txBody>
+          <a:bodyPr rtlCol="0" anchor="ctr"/>
+          <a:lstStyle/>
+          <a:p>
+            <a:pPr algn="ctr"/>
+            <a:r>
+              <a:rPr lang="ko-KR" altLang="en-US" sz="1050" dirty="0" smtClean="0"/>
+              <a:t>선택 </a:t>
+            </a:r>
+            <a:r>
+              <a:rPr lang="ko-KR" altLang="en-US" sz="1050" dirty="0" err="1" smtClean="0"/>
+              <a:t>퀘스트</a:t>
+            </a:r>
+            <a:r>
+              <a:rPr lang="en-US" altLang="ko-KR" sz="1050" dirty="0" smtClean="0"/>
+              <a:t/>
+            </a:r>
+            <a:br>
+              <a:rPr lang="en-US" altLang="ko-KR" sz="1050" dirty="0" smtClean="0"/>
+            </a:br>
+            <a:r>
+              <a:rPr lang="ko-KR" altLang="en-US" sz="1050" dirty="0" smtClean="0"/>
+              <a:t>진행상황</a:t>
+            </a:r>
+            <a:endParaRPr lang="ko-KR" altLang="en-US" sz="1050" dirty="0"/>
+          </a:p>
+        </p:txBody>
+      </p:sp>
+      <p:sp>
+        <p:nvSpPr>
+          <p:cNvPr id="12" name="직사각형 11"/>
+          <p:cNvSpPr/>
+          <p:nvPr/>
+        </p:nvSpPr>
+        <p:spPr>
+          <a:xfrm>
+            <a:off x="1824767" y="1928239"/>
+            <a:ext cx="72008" cy="831933"/>
+          </a:xfrm>
+          <a:prstGeom prst="rect">
+            <a:avLst/>
+          </a:prstGeom>
+        </p:spPr>
+        <p:style>
+          <a:lnRef idx="2">
+            <a:schemeClr val="accent1">
+              <a:shade val="50000"/>
+            </a:schemeClr>
+          </a:lnRef>
+          <a:fillRef idx="1">
+            <a:schemeClr val="accent1"/>
+          </a:fillRef>
+          <a:effectRef idx="0">
+            <a:schemeClr val="accent1"/>
+          </a:effectRef>
+          <a:fontRef idx="minor">
+            <a:schemeClr val="lt1"/>
+          </a:fontRef>
+        </p:style>
+        <p:txBody>
+          <a:bodyPr rtlCol="0" anchor="ctr"/>
+          <a:lstStyle/>
+          <a:p>
+            <a:pPr algn="ctr"/>
+            <a:endParaRPr lang="ko-KR" altLang="en-US"/>
+          </a:p>
+        </p:txBody>
+      </p:sp>
+      <p:grpSp>
+        <p:nvGrpSpPr>
+          <p:cNvPr id="41" name="그룹 40"/>
+          <p:cNvGrpSpPr/>
+          <p:nvPr/>
+        </p:nvGrpSpPr>
+        <p:grpSpPr>
+          <a:xfrm>
+            <a:off x="8414120" y="123478"/>
+            <a:ext cx="180603" cy="180020"/>
+            <a:chOff x="8414120" y="123478"/>
+            <a:chExt cx="180603" cy="180020"/>
+          </a:xfrm>
+        </p:grpSpPr>
+        <p:sp>
+          <p:nvSpPr>
+            <p:cNvPr id="42" name="직사각형 41"/>
+            <p:cNvSpPr/>
+            <p:nvPr/>
+          </p:nvSpPr>
+          <p:spPr>
+            <a:xfrm>
+              <a:off x="8532440" y="123478"/>
+              <a:ext cx="62283" cy="180020"/>
+            </a:xfrm>
+            <a:prstGeom prst="rect">
+              <a:avLst/>
+            </a:prstGeom>
+          </p:spPr>
+          <p:style>
+            <a:lnRef idx="2">
+              <a:schemeClr val="accent1">
+                <a:shade val="50000"/>
+              </a:schemeClr>
+            </a:lnRef>
+            <a:fillRef idx="1">
+              <a:schemeClr val="accent1"/>
+            </a:fillRef>
+            <a:effectRef idx="0">
+              <a:schemeClr val="accent1"/>
+            </a:effectRef>
+            <a:fontRef idx="minor">
+              <a:schemeClr val="lt1"/>
+            </a:fontRef>
+          </p:style>
+          <p:txBody>
+            <a:bodyPr rtlCol="0" anchor="ctr"/>
+            <a:lstStyle/>
+            <a:p>
+              <a:pPr algn="ctr"/>
+              <a:endParaRPr lang="ko-KR" altLang="en-US"/>
+            </a:p>
+          </p:txBody>
+        </p:sp>
+        <p:sp>
+          <p:nvSpPr>
+            <p:cNvPr id="44" name="직사각형 43"/>
+            <p:cNvSpPr/>
+            <p:nvPr/>
+          </p:nvSpPr>
+          <p:spPr>
+            <a:xfrm>
+              <a:off x="8414120" y="123478"/>
+              <a:ext cx="62283" cy="180020"/>
+            </a:xfrm>
+            <a:prstGeom prst="rect">
+              <a:avLst/>
+            </a:prstGeom>
+          </p:spPr>
+          <p:style>
+            <a:lnRef idx="2">
+              <a:schemeClr val="accent1">
+                <a:shade val="50000"/>
+              </a:schemeClr>
+            </a:lnRef>
+            <a:fillRef idx="1">
+              <a:schemeClr val="accent1"/>
+            </a:fillRef>
+            <a:effectRef idx="0">
+              <a:schemeClr val="accent1"/>
+            </a:effectRef>
+            <a:fontRef idx="minor">
+              <a:schemeClr val="lt1"/>
+            </a:fontRef>
+          </p:style>
+          <p:txBody>
+            <a:bodyPr rtlCol="0" anchor="ctr"/>
+            <a:lstStyle/>
+            <a:p>
+              <a:pPr algn="ctr"/>
+              <a:endParaRPr lang="ko-KR" altLang="en-US"/>
+            </a:p>
+          </p:txBody>
+        </p:sp>
+      </p:grpSp>
+      <p:grpSp>
+        <p:nvGrpSpPr>
+          <p:cNvPr id="113" name="그룹 112"/>
+          <p:cNvGrpSpPr/>
+          <p:nvPr/>
+        </p:nvGrpSpPr>
+        <p:grpSpPr>
+          <a:xfrm>
+            <a:off x="4561671" y="843558"/>
+            <a:ext cx="2910474" cy="3806665"/>
+            <a:chOff x="4499992" y="781309"/>
+            <a:chExt cx="2910474" cy="3806665"/>
+          </a:xfrm>
+        </p:grpSpPr>
+        <p:sp>
+          <p:nvSpPr>
+            <p:cNvPr id="114" name="직사각형 113"/>
+            <p:cNvSpPr/>
+            <p:nvPr/>
+          </p:nvSpPr>
+          <p:spPr>
+            <a:xfrm>
+              <a:off x="4499992" y="785908"/>
+              <a:ext cx="2905768" cy="3802066"/>
+            </a:xfrm>
+            <a:prstGeom prst="rect">
+              <a:avLst/>
+            </a:prstGeom>
+          </p:spPr>
+          <p:style>
+            <a:lnRef idx="2">
+              <a:schemeClr val="accent1">
+                <a:shade val="50000"/>
+              </a:schemeClr>
+            </a:lnRef>
+            <a:fillRef idx="1">
+              <a:schemeClr val="accent1"/>
+            </a:fillRef>
+            <a:effectRef idx="0">
+              <a:schemeClr val="accent1"/>
+            </a:effectRef>
+            <a:fontRef idx="minor">
+              <a:schemeClr val="lt1"/>
+            </a:fontRef>
+          </p:style>
+          <p:txBody>
+            <a:bodyPr rtlCol="0" anchor="ctr"/>
+            <a:lstStyle/>
+            <a:p>
+              <a:pPr algn="ctr"/>
+              <a:endParaRPr lang="ko-KR" altLang="en-US" dirty="0"/>
+            </a:p>
+          </p:txBody>
+        </p:sp>
+        <p:sp>
+          <p:nvSpPr>
+            <p:cNvPr id="115" name="직사각형 114"/>
+            <p:cNvSpPr/>
+            <p:nvPr/>
+          </p:nvSpPr>
+          <p:spPr>
+            <a:xfrm>
+              <a:off x="7122434" y="781309"/>
+              <a:ext cx="288032" cy="252028"/>
+            </a:xfrm>
+            <a:prstGeom prst="rect">
+              <a:avLst/>
+            </a:prstGeom>
+          </p:spPr>
+          <p:style>
+            <a:lnRef idx="2">
+              <a:schemeClr val="accent1">
+                <a:shade val="50000"/>
+              </a:schemeClr>
+            </a:lnRef>
+            <a:fillRef idx="1">
+              <a:schemeClr val="accent1"/>
+            </a:fillRef>
+            <a:effectRef idx="0">
+              <a:schemeClr val="accent1"/>
+            </a:effectRef>
+            <a:fontRef idx="minor">
+              <a:schemeClr val="lt1"/>
+            </a:fontRef>
+          </p:style>
+          <p:txBody>
+            <a:bodyPr rtlCol="0" anchor="ctr"/>
+            <a:lstStyle/>
+            <a:p>
+              <a:pPr algn="ctr"/>
+              <a:r>
+                <a:rPr lang="en-US" altLang="ko-KR" sz="1000" dirty="0" smtClean="0"/>
+                <a:t>X</a:t>
+              </a:r>
+              <a:endParaRPr lang="ko-KR" altLang="en-US" sz="1000" dirty="0"/>
+            </a:p>
+          </p:txBody>
+        </p:sp>
+        <p:sp>
+          <p:nvSpPr>
+            <p:cNvPr id="116" name="직사각형 115"/>
+            <p:cNvSpPr/>
+            <p:nvPr/>
+          </p:nvSpPr>
+          <p:spPr>
+            <a:xfrm>
+              <a:off x="4755369" y="1424659"/>
+              <a:ext cx="437899" cy="493983"/>
+            </a:xfrm>
+            <a:prstGeom prst="rect">
+              <a:avLst/>
+            </a:prstGeom>
+          </p:spPr>
+          <p:style>
+            <a:lnRef idx="2">
+              <a:schemeClr val="dk1"/>
+            </a:lnRef>
+            <a:fillRef idx="1">
+              <a:schemeClr val="lt1"/>
+            </a:fillRef>
+            <a:effectRef idx="0">
+              <a:schemeClr val="dk1"/>
+            </a:effectRef>
+            <a:fontRef idx="minor">
+              <a:schemeClr val="dk1"/>
+            </a:fontRef>
+          </p:style>
+          <p:txBody>
+            <a:bodyPr rtlCol="0" anchor="ctr"/>
+            <a:lstStyle/>
+            <a:p>
+              <a:pPr algn="ctr"/>
+              <a:endParaRPr lang="ko-KR" altLang="en-US" dirty="0"/>
+            </a:p>
+          </p:txBody>
+        </p:sp>
+        <p:sp>
+          <p:nvSpPr>
+            <p:cNvPr id="117" name="직사각형 116"/>
+            <p:cNvSpPr/>
+            <p:nvPr/>
+          </p:nvSpPr>
+          <p:spPr>
+            <a:xfrm>
+              <a:off x="5242333" y="1421477"/>
+              <a:ext cx="437899" cy="493983"/>
+            </a:xfrm>
+            <a:prstGeom prst="rect">
+              <a:avLst/>
+            </a:prstGeom>
+          </p:spPr>
+          <p:style>
+            <a:lnRef idx="2">
+              <a:schemeClr val="dk1"/>
+            </a:lnRef>
+            <a:fillRef idx="1">
+              <a:schemeClr val="lt1"/>
+            </a:fillRef>
+            <a:effectRef idx="0">
+              <a:schemeClr val="dk1"/>
+            </a:effectRef>
+            <a:fontRef idx="minor">
+              <a:schemeClr val="dk1"/>
+            </a:fontRef>
+          </p:style>
+          <p:txBody>
+            <a:bodyPr rtlCol="0" anchor="ctr"/>
+            <a:lstStyle/>
+            <a:p>
+              <a:pPr algn="ctr"/>
+              <a:endParaRPr lang="ko-KR" altLang="en-US" dirty="0"/>
+            </a:p>
+          </p:txBody>
+        </p:sp>
+        <p:sp>
+          <p:nvSpPr>
+            <p:cNvPr id="118" name="직사각형 117"/>
+            <p:cNvSpPr/>
+            <p:nvPr/>
+          </p:nvSpPr>
+          <p:spPr>
+            <a:xfrm>
+              <a:off x="5725951" y="1424268"/>
+              <a:ext cx="437899" cy="493983"/>
+            </a:xfrm>
+            <a:prstGeom prst="rect">
+              <a:avLst/>
+            </a:prstGeom>
+          </p:spPr>
+          <p:style>
+            <a:lnRef idx="2">
+              <a:schemeClr val="dk1"/>
+            </a:lnRef>
+            <a:fillRef idx="1">
+              <a:schemeClr val="lt1"/>
+            </a:fillRef>
+            <a:effectRef idx="0">
+              <a:schemeClr val="dk1"/>
+            </a:effectRef>
+            <a:fontRef idx="minor">
+              <a:schemeClr val="dk1"/>
+            </a:fontRef>
+          </p:style>
+          <p:txBody>
+            <a:bodyPr rtlCol="0" anchor="ctr"/>
+            <a:lstStyle/>
+            <a:p>
+              <a:pPr algn="ctr"/>
+              <a:endParaRPr lang="ko-KR" altLang="en-US" dirty="0"/>
+            </a:p>
+          </p:txBody>
+        </p:sp>
+        <p:sp>
+          <p:nvSpPr>
+            <p:cNvPr id="119" name="직사각형 118"/>
+            <p:cNvSpPr/>
+            <p:nvPr/>
+          </p:nvSpPr>
+          <p:spPr>
+            <a:xfrm>
+              <a:off x="6223476" y="1419622"/>
+              <a:ext cx="437899" cy="493983"/>
+            </a:xfrm>
+            <a:prstGeom prst="rect">
+              <a:avLst/>
+            </a:prstGeom>
+          </p:spPr>
+          <p:style>
+            <a:lnRef idx="2">
+              <a:schemeClr val="dk1"/>
+            </a:lnRef>
+            <a:fillRef idx="1">
+              <a:schemeClr val="lt1"/>
+            </a:fillRef>
+            <a:effectRef idx="0">
+              <a:schemeClr val="dk1"/>
+            </a:effectRef>
+            <a:fontRef idx="minor">
+              <a:schemeClr val="dk1"/>
+            </a:fontRef>
+          </p:style>
+          <p:txBody>
+            <a:bodyPr rtlCol="0" anchor="ctr"/>
+            <a:lstStyle/>
+            <a:p>
+              <a:pPr algn="ctr"/>
+              <a:endParaRPr lang="ko-KR" altLang="en-US" dirty="0"/>
+            </a:p>
+          </p:txBody>
+        </p:sp>
+        <p:sp>
+          <p:nvSpPr>
+            <p:cNvPr id="120" name="직사각형 119"/>
+            <p:cNvSpPr/>
+            <p:nvPr/>
+          </p:nvSpPr>
+          <p:spPr>
+            <a:xfrm>
+              <a:off x="6745304" y="1424299"/>
+              <a:ext cx="437899" cy="493983"/>
+            </a:xfrm>
+            <a:prstGeom prst="rect">
+              <a:avLst/>
+            </a:prstGeom>
+          </p:spPr>
+          <p:style>
+            <a:lnRef idx="2">
+              <a:schemeClr val="dk1"/>
+            </a:lnRef>
+            <a:fillRef idx="1">
+              <a:schemeClr val="lt1"/>
+            </a:fillRef>
+            <a:effectRef idx="0">
+              <a:schemeClr val="dk1"/>
+            </a:effectRef>
+            <a:fontRef idx="minor">
+              <a:schemeClr val="dk1"/>
+            </a:fontRef>
+          </p:style>
+          <p:txBody>
+            <a:bodyPr rtlCol="0" anchor="ctr"/>
+            <a:lstStyle/>
+            <a:p>
+              <a:pPr algn="ctr"/>
+              <a:endParaRPr lang="ko-KR" altLang="en-US" dirty="0"/>
+            </a:p>
+          </p:txBody>
+        </p:sp>
+        <p:sp>
+          <p:nvSpPr>
+            <p:cNvPr id="121" name="직사각형 120"/>
+            <p:cNvSpPr/>
+            <p:nvPr/>
+          </p:nvSpPr>
+          <p:spPr>
+            <a:xfrm>
+              <a:off x="4755369" y="1981681"/>
+              <a:ext cx="437899" cy="493983"/>
+            </a:xfrm>
+            <a:prstGeom prst="rect">
+              <a:avLst/>
+            </a:prstGeom>
+          </p:spPr>
+          <p:style>
+            <a:lnRef idx="2">
+              <a:schemeClr val="dk1"/>
+            </a:lnRef>
+            <a:fillRef idx="1">
+              <a:schemeClr val="lt1"/>
+            </a:fillRef>
+            <a:effectRef idx="0">
+              <a:schemeClr val="dk1"/>
+            </a:effectRef>
+            <a:fontRef idx="minor">
+              <a:schemeClr val="dk1"/>
+            </a:fontRef>
+          </p:style>
+          <p:txBody>
+            <a:bodyPr rtlCol="0" anchor="ctr"/>
+            <a:lstStyle/>
+            <a:p>
+              <a:pPr algn="ctr"/>
+              <a:endParaRPr lang="ko-KR" altLang="en-US" dirty="0"/>
+            </a:p>
+          </p:txBody>
+        </p:sp>
+        <p:sp>
+          <p:nvSpPr>
+            <p:cNvPr id="122" name="직사각형 121"/>
+            <p:cNvSpPr/>
+            <p:nvPr/>
+          </p:nvSpPr>
+          <p:spPr>
+            <a:xfrm>
+              <a:off x="5242333" y="1978499"/>
+              <a:ext cx="437899" cy="493983"/>
+            </a:xfrm>
+            <a:prstGeom prst="rect">
+              <a:avLst/>
+            </a:prstGeom>
+          </p:spPr>
+          <p:style>
+            <a:lnRef idx="2">
+              <a:schemeClr val="dk1"/>
+            </a:lnRef>
+            <a:fillRef idx="1">
+              <a:schemeClr val="lt1"/>
+            </a:fillRef>
+            <a:effectRef idx="0">
+              <a:schemeClr val="dk1"/>
+            </a:effectRef>
+            <a:fontRef idx="minor">
+              <a:schemeClr val="dk1"/>
+            </a:fontRef>
+          </p:style>
+          <p:txBody>
+            <a:bodyPr rtlCol="0" anchor="ctr"/>
+            <a:lstStyle/>
+            <a:p>
+              <a:pPr algn="ctr"/>
+              <a:endParaRPr lang="ko-KR" altLang="en-US" dirty="0"/>
+            </a:p>
+          </p:txBody>
+        </p:sp>
+        <p:sp>
+          <p:nvSpPr>
+            <p:cNvPr id="123" name="직사각형 122"/>
+            <p:cNvSpPr/>
+            <p:nvPr/>
+          </p:nvSpPr>
+          <p:spPr>
+            <a:xfrm>
+              <a:off x="5725951" y="1981290"/>
+              <a:ext cx="437899" cy="493983"/>
+            </a:xfrm>
+            <a:prstGeom prst="rect">
+              <a:avLst/>
+            </a:prstGeom>
+          </p:spPr>
+          <p:style>
+            <a:lnRef idx="2">
+              <a:schemeClr val="dk1"/>
+            </a:lnRef>
+            <a:fillRef idx="1">
+              <a:schemeClr val="lt1"/>
+            </a:fillRef>
+            <a:effectRef idx="0">
+              <a:schemeClr val="dk1"/>
+            </a:effectRef>
+            <a:fontRef idx="minor">
+              <a:schemeClr val="dk1"/>
+            </a:fontRef>
+          </p:style>
+          <p:txBody>
+            <a:bodyPr rtlCol="0" anchor="ctr"/>
+            <a:lstStyle/>
+            <a:p>
+              <a:pPr algn="ctr"/>
+              <a:endParaRPr lang="ko-KR" altLang="en-US" dirty="0"/>
+            </a:p>
+          </p:txBody>
+        </p:sp>
+        <p:sp>
+          <p:nvSpPr>
+            <p:cNvPr id="124" name="직사각형 123"/>
+            <p:cNvSpPr/>
+            <p:nvPr/>
+          </p:nvSpPr>
+          <p:spPr>
+            <a:xfrm>
+              <a:off x="6223476" y="1976644"/>
+              <a:ext cx="437899" cy="493983"/>
+            </a:xfrm>
+            <a:prstGeom prst="rect">
+              <a:avLst/>
+            </a:prstGeom>
+          </p:spPr>
+          <p:style>
+            <a:lnRef idx="2">
+              <a:schemeClr val="dk1"/>
+            </a:lnRef>
+            <a:fillRef idx="1">
+              <a:schemeClr val="lt1"/>
+            </a:fillRef>
+            <a:effectRef idx="0">
+              <a:schemeClr val="dk1"/>
+            </a:effectRef>
+            <a:fontRef idx="minor">
+              <a:schemeClr val="dk1"/>
+            </a:fontRef>
+          </p:style>
+          <p:txBody>
+            <a:bodyPr rtlCol="0" anchor="ctr"/>
+            <a:lstStyle/>
+            <a:p>
+              <a:pPr algn="ctr"/>
+              <a:endParaRPr lang="ko-KR" altLang="en-US" dirty="0"/>
+            </a:p>
+          </p:txBody>
+        </p:sp>
+        <p:sp>
+          <p:nvSpPr>
+            <p:cNvPr id="125" name="직사각형 124"/>
+            <p:cNvSpPr/>
+            <p:nvPr/>
+          </p:nvSpPr>
+          <p:spPr>
+            <a:xfrm>
+              <a:off x="6745304" y="1981321"/>
+              <a:ext cx="437899" cy="493983"/>
+            </a:xfrm>
+            <a:prstGeom prst="rect">
+              <a:avLst/>
+            </a:prstGeom>
+          </p:spPr>
+          <p:style>
+            <a:lnRef idx="2">
+              <a:schemeClr val="dk1"/>
+            </a:lnRef>
+            <a:fillRef idx="1">
+              <a:schemeClr val="lt1"/>
+            </a:fillRef>
+            <a:effectRef idx="0">
+              <a:schemeClr val="dk1"/>
+            </a:effectRef>
+            <a:fontRef idx="minor">
+              <a:schemeClr val="dk1"/>
+            </a:fontRef>
+          </p:style>
+          <p:txBody>
+            <a:bodyPr rtlCol="0" anchor="ctr"/>
+            <a:lstStyle/>
+            <a:p>
+              <a:pPr algn="ctr"/>
+              <a:endParaRPr lang="ko-KR" altLang="en-US" dirty="0"/>
+            </a:p>
+          </p:txBody>
+        </p:sp>
+        <p:sp>
+          <p:nvSpPr>
+            <p:cNvPr id="126" name="직사각형 125"/>
+            <p:cNvSpPr/>
+            <p:nvPr/>
+          </p:nvSpPr>
+          <p:spPr>
+            <a:xfrm>
+              <a:off x="4755369" y="2535747"/>
+              <a:ext cx="437899" cy="493983"/>
+            </a:xfrm>
+            <a:prstGeom prst="rect">
+              <a:avLst/>
+            </a:prstGeom>
+          </p:spPr>
+          <p:style>
+            <a:lnRef idx="2">
+              <a:schemeClr val="dk1"/>
+            </a:lnRef>
+            <a:fillRef idx="1">
+              <a:schemeClr val="lt1"/>
+            </a:fillRef>
+            <a:effectRef idx="0">
+              <a:schemeClr val="dk1"/>
+            </a:effectRef>
+            <a:fontRef idx="minor">
+              <a:schemeClr val="dk1"/>
+            </a:fontRef>
+          </p:style>
+          <p:txBody>
+            <a:bodyPr rtlCol="0" anchor="ctr"/>
+            <a:lstStyle/>
+            <a:p>
+              <a:pPr algn="ctr"/>
+              <a:endParaRPr lang="ko-KR" altLang="en-US" dirty="0"/>
+            </a:p>
+          </p:txBody>
+        </p:sp>
+        <p:sp>
+          <p:nvSpPr>
+            <p:cNvPr id="127" name="직사각형 126"/>
+            <p:cNvSpPr/>
+            <p:nvPr/>
+          </p:nvSpPr>
+          <p:spPr>
+            <a:xfrm>
+              <a:off x="5242333" y="2532565"/>
+              <a:ext cx="437899" cy="493983"/>
+            </a:xfrm>
+            <a:prstGeom prst="rect">
+              <a:avLst/>
+            </a:prstGeom>
+          </p:spPr>
+          <p:style>
+            <a:lnRef idx="2">
+              <a:schemeClr val="dk1"/>
+            </a:lnRef>
+            <a:fillRef idx="1">
+              <a:schemeClr val="lt1"/>
+            </a:fillRef>
+            <a:effectRef idx="0">
+              <a:schemeClr val="dk1"/>
+            </a:effectRef>
+            <a:fontRef idx="minor">
+              <a:schemeClr val="dk1"/>
+            </a:fontRef>
+          </p:style>
+          <p:txBody>
+            <a:bodyPr rtlCol="0" anchor="ctr"/>
+            <a:lstStyle/>
+            <a:p>
+              <a:pPr algn="ctr"/>
+              <a:endParaRPr lang="ko-KR" altLang="en-US" dirty="0"/>
+            </a:p>
+          </p:txBody>
+        </p:sp>
+        <p:sp>
+          <p:nvSpPr>
+            <p:cNvPr id="128" name="직사각형 127"/>
+            <p:cNvSpPr/>
+            <p:nvPr/>
+          </p:nvSpPr>
+          <p:spPr>
+            <a:xfrm>
+              <a:off x="5725951" y="2535356"/>
+              <a:ext cx="437899" cy="493983"/>
+            </a:xfrm>
+            <a:prstGeom prst="rect">
+              <a:avLst/>
+            </a:prstGeom>
+          </p:spPr>
+          <p:style>
+            <a:lnRef idx="2">
+              <a:schemeClr val="dk1"/>
+            </a:lnRef>
+            <a:fillRef idx="1">
+              <a:schemeClr val="lt1"/>
+            </a:fillRef>
+            <a:effectRef idx="0">
+              <a:schemeClr val="dk1"/>
+            </a:effectRef>
+            <a:fontRef idx="minor">
+              <a:schemeClr val="dk1"/>
+            </a:fontRef>
+          </p:style>
+          <p:txBody>
+            <a:bodyPr rtlCol="0" anchor="ctr"/>
+            <a:lstStyle/>
+            <a:p>
+              <a:pPr algn="ctr"/>
+              <a:endParaRPr lang="ko-KR" altLang="en-US" dirty="0"/>
+            </a:p>
+          </p:txBody>
+        </p:sp>
+        <p:sp>
+          <p:nvSpPr>
+            <p:cNvPr id="129" name="직사각형 128"/>
+            <p:cNvSpPr/>
+            <p:nvPr/>
+          </p:nvSpPr>
+          <p:spPr>
+            <a:xfrm>
+              <a:off x="6223476" y="2530710"/>
+              <a:ext cx="437899" cy="493983"/>
+            </a:xfrm>
+            <a:prstGeom prst="rect">
+              <a:avLst/>
+            </a:prstGeom>
+          </p:spPr>
+          <p:style>
+            <a:lnRef idx="2">
+              <a:schemeClr val="dk1"/>
+            </a:lnRef>
+            <a:fillRef idx="1">
+              <a:schemeClr val="lt1"/>
+            </a:fillRef>
+            <a:effectRef idx="0">
+              <a:schemeClr val="dk1"/>
+            </a:effectRef>
+            <a:fontRef idx="minor">
+              <a:schemeClr val="dk1"/>
+            </a:fontRef>
+          </p:style>
+          <p:txBody>
+            <a:bodyPr rtlCol="0" anchor="ctr"/>
+            <a:lstStyle/>
+            <a:p>
+              <a:pPr algn="ctr"/>
+              <a:endParaRPr lang="ko-KR" altLang="en-US" dirty="0"/>
+            </a:p>
+          </p:txBody>
+        </p:sp>
+        <p:sp>
+          <p:nvSpPr>
+            <p:cNvPr id="130" name="직사각형 129"/>
+            <p:cNvSpPr/>
+            <p:nvPr/>
+          </p:nvSpPr>
+          <p:spPr>
+            <a:xfrm>
+              <a:off x="6745304" y="2535387"/>
+              <a:ext cx="437899" cy="493983"/>
+            </a:xfrm>
+            <a:prstGeom prst="rect">
+              <a:avLst/>
+            </a:prstGeom>
+          </p:spPr>
+          <p:style>
+            <a:lnRef idx="2">
+              <a:schemeClr val="dk1"/>
+            </a:lnRef>
+            <a:fillRef idx="1">
+              <a:schemeClr val="lt1"/>
+            </a:fillRef>
+            <a:effectRef idx="0">
+              <a:schemeClr val="dk1"/>
+            </a:effectRef>
+            <a:fontRef idx="minor">
+              <a:schemeClr val="dk1"/>
+            </a:fontRef>
+          </p:style>
+          <p:txBody>
+            <a:bodyPr rtlCol="0" anchor="ctr"/>
+            <a:lstStyle/>
+            <a:p>
+              <a:pPr algn="ctr"/>
+              <a:endParaRPr lang="ko-KR" altLang="en-US" dirty="0"/>
+            </a:p>
+          </p:txBody>
+        </p:sp>
+        <p:sp>
+          <p:nvSpPr>
+            <p:cNvPr id="131" name="직사각형 130"/>
+            <p:cNvSpPr/>
+            <p:nvPr/>
+          </p:nvSpPr>
+          <p:spPr>
+            <a:xfrm>
+              <a:off x="4755369" y="3092769"/>
+              <a:ext cx="437899" cy="493983"/>
+            </a:xfrm>
+            <a:prstGeom prst="rect">
+              <a:avLst/>
+            </a:prstGeom>
+          </p:spPr>
+          <p:style>
+            <a:lnRef idx="2">
+              <a:schemeClr val="dk1"/>
+            </a:lnRef>
+            <a:fillRef idx="1">
+              <a:schemeClr val="lt1"/>
+            </a:fillRef>
+            <a:effectRef idx="0">
+              <a:schemeClr val="dk1"/>
+            </a:effectRef>
+            <a:fontRef idx="minor">
+              <a:schemeClr val="dk1"/>
+            </a:fontRef>
+          </p:style>
+          <p:txBody>
+            <a:bodyPr rtlCol="0" anchor="ctr"/>
+            <a:lstStyle/>
+            <a:p>
+              <a:pPr algn="ctr"/>
+              <a:endParaRPr lang="ko-KR" altLang="en-US" dirty="0"/>
+            </a:p>
+          </p:txBody>
+        </p:sp>
+        <p:sp>
+          <p:nvSpPr>
+            <p:cNvPr id="132" name="직사각형 131"/>
+            <p:cNvSpPr/>
+            <p:nvPr/>
+          </p:nvSpPr>
+          <p:spPr>
+            <a:xfrm>
+              <a:off x="5242333" y="3089587"/>
+              <a:ext cx="437899" cy="493983"/>
+            </a:xfrm>
+            <a:prstGeom prst="rect">
+              <a:avLst/>
+            </a:prstGeom>
+          </p:spPr>
+          <p:style>
+            <a:lnRef idx="2">
+              <a:schemeClr val="dk1"/>
+            </a:lnRef>
+            <a:fillRef idx="1">
+              <a:schemeClr val="lt1"/>
+            </a:fillRef>
+            <a:effectRef idx="0">
+              <a:schemeClr val="dk1"/>
+            </a:effectRef>
+            <a:fontRef idx="minor">
+              <a:schemeClr val="dk1"/>
+            </a:fontRef>
+          </p:style>
+          <p:txBody>
+            <a:bodyPr rtlCol="0" anchor="ctr"/>
+            <a:lstStyle/>
+            <a:p>
+              <a:pPr algn="ctr"/>
+              <a:endParaRPr lang="ko-KR" altLang="en-US" dirty="0"/>
+            </a:p>
+          </p:txBody>
+        </p:sp>
+        <p:sp>
+          <p:nvSpPr>
+            <p:cNvPr id="133" name="직사각형 132"/>
+            <p:cNvSpPr/>
+            <p:nvPr/>
+          </p:nvSpPr>
+          <p:spPr>
+            <a:xfrm>
+              <a:off x="5725951" y="3092378"/>
+              <a:ext cx="437899" cy="493983"/>
+            </a:xfrm>
+            <a:prstGeom prst="rect">
+              <a:avLst/>
+            </a:prstGeom>
+          </p:spPr>
+          <p:style>
+            <a:lnRef idx="2">
+              <a:schemeClr val="dk1"/>
+            </a:lnRef>
+            <a:fillRef idx="1">
+              <a:schemeClr val="lt1"/>
+            </a:fillRef>
+            <a:effectRef idx="0">
+              <a:schemeClr val="dk1"/>
+            </a:effectRef>
+            <a:fontRef idx="minor">
+              <a:schemeClr val="dk1"/>
+            </a:fontRef>
+          </p:style>
+          <p:txBody>
+            <a:bodyPr rtlCol="0" anchor="ctr"/>
+            <a:lstStyle/>
+            <a:p>
+              <a:pPr algn="ctr"/>
+              <a:endParaRPr lang="ko-KR" altLang="en-US" dirty="0"/>
+            </a:p>
+          </p:txBody>
+        </p:sp>
+        <p:sp>
+          <p:nvSpPr>
+            <p:cNvPr id="134" name="직사각형 133"/>
+            <p:cNvSpPr/>
+            <p:nvPr/>
+          </p:nvSpPr>
+          <p:spPr>
+            <a:xfrm>
+              <a:off x="6223476" y="3087732"/>
+              <a:ext cx="437899" cy="493983"/>
+            </a:xfrm>
+            <a:prstGeom prst="rect">
+              <a:avLst/>
+            </a:prstGeom>
+          </p:spPr>
+          <p:style>
+            <a:lnRef idx="2">
+              <a:schemeClr val="dk1"/>
+            </a:lnRef>
+            <a:fillRef idx="1">
+              <a:schemeClr val="lt1"/>
+            </a:fillRef>
+            <a:effectRef idx="0">
+              <a:schemeClr val="dk1"/>
+            </a:effectRef>
+            <a:fontRef idx="minor">
+              <a:schemeClr val="dk1"/>
+            </a:fontRef>
+          </p:style>
+          <p:txBody>
+            <a:bodyPr rtlCol="0" anchor="ctr"/>
+            <a:lstStyle/>
+            <a:p>
+              <a:pPr algn="ctr"/>
+              <a:endParaRPr lang="ko-KR" altLang="en-US" dirty="0"/>
+            </a:p>
+          </p:txBody>
+        </p:sp>
+        <p:sp>
+          <p:nvSpPr>
+            <p:cNvPr id="135" name="직사각형 134"/>
+            <p:cNvSpPr/>
+            <p:nvPr/>
+          </p:nvSpPr>
+          <p:spPr>
+            <a:xfrm>
+              <a:off x="6745304" y="3092409"/>
+              <a:ext cx="437899" cy="493983"/>
+            </a:xfrm>
+            <a:prstGeom prst="rect">
+              <a:avLst/>
+            </a:prstGeom>
+          </p:spPr>
+          <p:style>
+            <a:lnRef idx="2">
+              <a:schemeClr val="dk1"/>
+            </a:lnRef>
+            <a:fillRef idx="1">
+              <a:schemeClr val="lt1"/>
+            </a:fillRef>
+            <a:effectRef idx="0">
+              <a:schemeClr val="dk1"/>
+            </a:effectRef>
+            <a:fontRef idx="minor">
+              <a:schemeClr val="dk1"/>
+            </a:fontRef>
+          </p:style>
+          <p:txBody>
+            <a:bodyPr rtlCol="0" anchor="ctr"/>
+            <a:lstStyle/>
+            <a:p>
+              <a:pPr algn="ctr"/>
+              <a:endParaRPr lang="ko-KR" altLang="en-US" dirty="0"/>
+            </a:p>
+          </p:txBody>
+        </p:sp>
+        <p:sp>
+          <p:nvSpPr>
+            <p:cNvPr id="136" name="직사각형 135"/>
+            <p:cNvSpPr/>
+            <p:nvPr/>
+          </p:nvSpPr>
+          <p:spPr>
+            <a:xfrm>
+              <a:off x="4755369" y="3648640"/>
+              <a:ext cx="437899" cy="493983"/>
+            </a:xfrm>
+            <a:prstGeom prst="rect">
+              <a:avLst/>
+            </a:prstGeom>
+          </p:spPr>
+          <p:style>
+            <a:lnRef idx="2">
+              <a:schemeClr val="dk1"/>
+            </a:lnRef>
+            <a:fillRef idx="1">
+              <a:schemeClr val="lt1"/>
+            </a:fillRef>
+            <a:effectRef idx="0">
+              <a:schemeClr val="dk1"/>
+            </a:effectRef>
+            <a:fontRef idx="minor">
+              <a:schemeClr val="dk1"/>
+            </a:fontRef>
+          </p:style>
+          <p:txBody>
+            <a:bodyPr rtlCol="0" anchor="ctr"/>
+            <a:lstStyle/>
+            <a:p>
+              <a:pPr algn="ctr"/>
+              <a:endParaRPr lang="ko-KR" altLang="en-US" dirty="0"/>
+            </a:p>
+          </p:txBody>
+        </p:sp>
+        <p:sp>
+          <p:nvSpPr>
+            <p:cNvPr id="137" name="직사각형 136"/>
+            <p:cNvSpPr/>
+            <p:nvPr/>
+          </p:nvSpPr>
+          <p:spPr>
+            <a:xfrm>
+              <a:off x="5242333" y="3645458"/>
+              <a:ext cx="437899" cy="493983"/>
+            </a:xfrm>
+            <a:prstGeom prst="rect">
+              <a:avLst/>
+            </a:prstGeom>
+          </p:spPr>
+          <p:style>
+            <a:lnRef idx="2">
+              <a:schemeClr val="dk1"/>
+            </a:lnRef>
+            <a:fillRef idx="1">
+              <a:schemeClr val="lt1"/>
+            </a:fillRef>
+            <a:effectRef idx="0">
+              <a:schemeClr val="dk1"/>
+            </a:effectRef>
+            <a:fontRef idx="minor">
+              <a:schemeClr val="dk1"/>
+            </a:fontRef>
+          </p:style>
+          <p:txBody>
+            <a:bodyPr rtlCol="0" anchor="ctr"/>
+            <a:lstStyle/>
+            <a:p>
+              <a:pPr algn="ctr"/>
+              <a:endParaRPr lang="ko-KR" altLang="en-US" dirty="0"/>
+            </a:p>
+          </p:txBody>
+        </p:sp>
+        <p:sp>
+          <p:nvSpPr>
+            <p:cNvPr id="138" name="직사각형 137"/>
+            <p:cNvSpPr/>
+            <p:nvPr/>
+          </p:nvSpPr>
+          <p:spPr>
+            <a:xfrm>
+              <a:off x="5746389" y="3648249"/>
+              <a:ext cx="437899" cy="493983"/>
+            </a:xfrm>
+            <a:prstGeom prst="rect">
+              <a:avLst/>
+            </a:prstGeom>
+          </p:spPr>
+          <p:style>
+            <a:lnRef idx="2">
+              <a:schemeClr val="dk1"/>
+            </a:lnRef>
+            <a:fillRef idx="1">
+              <a:schemeClr val="lt1"/>
+            </a:fillRef>
+            <a:effectRef idx="0">
+              <a:schemeClr val="dk1"/>
+            </a:effectRef>
+            <a:fontRef idx="minor">
+              <a:schemeClr val="dk1"/>
+            </a:fontRef>
+          </p:style>
+          <p:txBody>
+            <a:bodyPr rtlCol="0" anchor="ctr"/>
+            <a:lstStyle/>
+            <a:p>
+              <a:pPr algn="ctr"/>
+              <a:endParaRPr lang="ko-KR" altLang="en-US" dirty="0"/>
+            </a:p>
+          </p:txBody>
+        </p:sp>
+        <p:sp>
+          <p:nvSpPr>
+            <p:cNvPr id="139" name="직사각형 138"/>
+            <p:cNvSpPr/>
+            <p:nvPr/>
+          </p:nvSpPr>
+          <p:spPr>
+            <a:xfrm>
+              <a:off x="6243914" y="3643603"/>
+              <a:ext cx="437899" cy="493983"/>
+            </a:xfrm>
+            <a:prstGeom prst="rect">
+              <a:avLst/>
+            </a:prstGeom>
+          </p:spPr>
+          <p:style>
+            <a:lnRef idx="2">
+              <a:schemeClr val="dk1"/>
+            </a:lnRef>
+            <a:fillRef idx="1">
+              <a:schemeClr val="lt1"/>
+            </a:fillRef>
+            <a:effectRef idx="0">
+              <a:schemeClr val="dk1"/>
+            </a:effectRef>
+            <a:fontRef idx="minor">
+              <a:schemeClr val="dk1"/>
+            </a:fontRef>
+          </p:style>
+          <p:txBody>
+            <a:bodyPr rtlCol="0" anchor="ctr"/>
+            <a:lstStyle/>
+            <a:p>
+              <a:pPr algn="ctr"/>
+              <a:endParaRPr lang="ko-KR" altLang="en-US" dirty="0"/>
+            </a:p>
+          </p:txBody>
+        </p:sp>
+        <p:sp>
+          <p:nvSpPr>
+            <p:cNvPr id="140" name="직사각형 139"/>
+            <p:cNvSpPr/>
+            <p:nvPr/>
+          </p:nvSpPr>
+          <p:spPr>
+            <a:xfrm>
+              <a:off x="6765742" y="3648280"/>
+              <a:ext cx="437899" cy="493983"/>
+            </a:xfrm>
+            <a:prstGeom prst="rect">
+              <a:avLst/>
+            </a:prstGeom>
+          </p:spPr>
+          <p:style>
+            <a:lnRef idx="2">
+              <a:schemeClr val="dk1"/>
+            </a:lnRef>
+            <a:fillRef idx="1">
+              <a:schemeClr val="lt1"/>
+            </a:fillRef>
+            <a:effectRef idx="0">
+              <a:schemeClr val="dk1"/>
+            </a:effectRef>
+            <a:fontRef idx="minor">
+              <a:schemeClr val="dk1"/>
+            </a:fontRef>
+          </p:style>
+          <p:txBody>
+            <a:bodyPr rtlCol="0" anchor="ctr"/>
+            <a:lstStyle/>
+            <a:p>
+              <a:pPr algn="ctr"/>
+              <a:endParaRPr lang="ko-KR" altLang="en-US" dirty="0"/>
+            </a:p>
+          </p:txBody>
+        </p:sp>
+      </p:grpSp>
+      <p:sp>
+        <p:nvSpPr>
+          <p:cNvPr id="141" name="직사각형 140"/>
+          <p:cNvSpPr/>
+          <p:nvPr/>
+        </p:nvSpPr>
+        <p:spPr>
+          <a:xfrm>
+            <a:off x="3779911" y="1728862"/>
+            <a:ext cx="465179" cy="203200"/>
+          </a:xfrm>
+          <a:prstGeom prst="rect">
+            <a:avLst/>
+          </a:prstGeom>
+        </p:spPr>
+        <p:style>
+          <a:lnRef idx="2">
+            <a:schemeClr val="accent1">
+              <a:shade val="50000"/>
+            </a:schemeClr>
+          </a:lnRef>
+          <a:fillRef idx="1">
+            <a:schemeClr val="accent1"/>
+          </a:fillRef>
+          <a:effectRef idx="0">
+            <a:schemeClr val="accent1"/>
+          </a:effectRef>
+          <a:fontRef idx="minor">
+            <a:schemeClr val="lt1"/>
+          </a:fontRef>
+        </p:style>
+        <p:txBody>
+          <a:bodyPr rtlCol="0" anchor="ctr"/>
+          <a:lstStyle/>
+          <a:p>
+            <a:pPr algn="ctr"/>
+            <a:r>
+              <a:rPr lang="ko-KR" altLang="en-US" sz="800" dirty="0" smtClean="0"/>
+              <a:t>구매</a:t>
+            </a:r>
+            <a:endParaRPr lang="ko-KR" altLang="en-US" sz="800" dirty="0"/>
+          </a:p>
+        </p:txBody>
+      </p:sp>
+      <p:sp>
+        <p:nvSpPr>
+          <p:cNvPr id="142" name="직사각형 141"/>
+          <p:cNvSpPr/>
+          <p:nvPr/>
+        </p:nvSpPr>
+        <p:spPr>
+          <a:xfrm>
+            <a:off x="3786537" y="2360804"/>
+            <a:ext cx="465179" cy="203200"/>
+          </a:xfrm>
+          <a:prstGeom prst="rect">
+            <a:avLst/>
+          </a:prstGeom>
+        </p:spPr>
+        <p:style>
+          <a:lnRef idx="2">
+            <a:schemeClr val="accent1">
+              <a:shade val="50000"/>
+            </a:schemeClr>
+          </a:lnRef>
+          <a:fillRef idx="1">
+            <a:schemeClr val="accent1"/>
+          </a:fillRef>
+          <a:effectRef idx="0">
+            <a:schemeClr val="accent1"/>
+          </a:effectRef>
+          <a:fontRef idx="minor">
+            <a:schemeClr val="lt1"/>
+          </a:fontRef>
+        </p:style>
+        <p:txBody>
+          <a:bodyPr rtlCol="0" anchor="ctr"/>
+          <a:lstStyle/>
+          <a:p>
+            <a:pPr algn="ctr"/>
+            <a:r>
+              <a:rPr lang="ko-KR" altLang="en-US" sz="800" dirty="0" smtClean="0"/>
+              <a:t>구매</a:t>
+            </a:r>
+            <a:endParaRPr lang="ko-KR" altLang="en-US" sz="800" dirty="0"/>
+          </a:p>
+        </p:txBody>
+      </p:sp>
+      <p:sp>
+        <p:nvSpPr>
+          <p:cNvPr id="143" name="직사각형 142"/>
+          <p:cNvSpPr/>
+          <p:nvPr/>
+        </p:nvSpPr>
+        <p:spPr>
+          <a:xfrm>
+            <a:off x="3775681" y="2985342"/>
+            <a:ext cx="465179" cy="203200"/>
+          </a:xfrm>
+          <a:prstGeom prst="rect">
+            <a:avLst/>
+          </a:prstGeom>
+        </p:spPr>
+        <p:style>
+          <a:lnRef idx="2">
+            <a:schemeClr val="accent1">
+              <a:shade val="50000"/>
+            </a:schemeClr>
+          </a:lnRef>
+          <a:fillRef idx="1">
+            <a:schemeClr val="accent1"/>
+          </a:fillRef>
+          <a:effectRef idx="0">
+            <a:schemeClr val="accent1"/>
+          </a:effectRef>
+          <a:fontRef idx="minor">
+            <a:schemeClr val="lt1"/>
+          </a:fontRef>
+        </p:style>
+        <p:txBody>
+          <a:bodyPr rtlCol="0" anchor="ctr"/>
+          <a:lstStyle/>
+          <a:p>
+            <a:pPr algn="ctr"/>
+            <a:r>
+              <a:rPr lang="ko-KR" altLang="en-US" sz="800" dirty="0" smtClean="0"/>
+              <a:t>구매</a:t>
+            </a:r>
+            <a:endParaRPr lang="ko-KR" altLang="en-US" sz="800" dirty="0"/>
+          </a:p>
+        </p:txBody>
+      </p:sp>
+      <p:sp>
+        <p:nvSpPr>
+          <p:cNvPr id="144" name="직사각형 143"/>
+          <p:cNvSpPr/>
+          <p:nvPr/>
+        </p:nvSpPr>
+        <p:spPr>
+          <a:xfrm>
+            <a:off x="3779911" y="3604252"/>
+            <a:ext cx="465179" cy="203200"/>
+          </a:xfrm>
+          <a:prstGeom prst="rect">
+            <a:avLst/>
+          </a:prstGeom>
+        </p:spPr>
+        <p:style>
+          <a:lnRef idx="2">
+            <a:schemeClr val="accent1">
+              <a:shade val="50000"/>
+            </a:schemeClr>
+          </a:lnRef>
+          <a:fillRef idx="1">
+            <a:schemeClr val="accent1"/>
+          </a:fillRef>
+          <a:effectRef idx="0">
+            <a:schemeClr val="accent1"/>
+          </a:effectRef>
+          <a:fontRef idx="minor">
+            <a:schemeClr val="lt1"/>
+          </a:fontRef>
+        </p:style>
+        <p:txBody>
+          <a:bodyPr rtlCol="0" anchor="ctr"/>
+          <a:lstStyle/>
+          <a:p>
+            <a:pPr algn="ctr"/>
+            <a:r>
+              <a:rPr lang="ko-KR" altLang="en-US" sz="800" dirty="0" smtClean="0"/>
+              <a:t>구매</a:t>
+            </a:r>
+            <a:endParaRPr lang="ko-KR" altLang="en-US" sz="800" dirty="0"/>
+          </a:p>
+        </p:txBody>
+      </p:sp>
+      <p:sp>
+        <p:nvSpPr>
+          <p:cNvPr id="145" name="직사각형 144"/>
+          <p:cNvSpPr/>
+          <p:nvPr/>
+        </p:nvSpPr>
+        <p:spPr>
+          <a:xfrm>
+            <a:off x="3773279" y="4215042"/>
+            <a:ext cx="465179" cy="203200"/>
+          </a:xfrm>
+          <a:prstGeom prst="rect">
+            <a:avLst/>
+          </a:prstGeom>
+        </p:spPr>
+        <p:style>
+          <a:lnRef idx="2">
+            <a:schemeClr val="accent1">
+              <a:shade val="50000"/>
+            </a:schemeClr>
+          </a:lnRef>
+          <a:fillRef idx="1">
+            <a:schemeClr val="accent1"/>
+          </a:fillRef>
+          <a:effectRef idx="0">
+            <a:schemeClr val="accent1"/>
+          </a:effectRef>
+          <a:fontRef idx="minor">
+            <a:schemeClr val="lt1"/>
+          </a:fontRef>
+        </p:style>
+        <p:txBody>
+          <a:bodyPr rtlCol="0" anchor="ctr"/>
+          <a:lstStyle/>
+          <a:p>
+            <a:pPr algn="ctr"/>
+            <a:r>
+              <a:rPr lang="ko-KR" altLang="en-US" sz="800" dirty="0" smtClean="0"/>
+              <a:t>구매</a:t>
+            </a:r>
+            <a:endParaRPr lang="ko-KR" altLang="en-US" sz="800" dirty="0"/>
+          </a:p>
+        </p:txBody>
+      </p:sp>
+      <p:sp>
+        <p:nvSpPr>
+          <p:cNvPr id="73" name="직사각형 72"/>
+          <p:cNvSpPr/>
+          <p:nvPr/>
+        </p:nvSpPr>
+        <p:spPr>
+          <a:xfrm>
+            <a:off x="3219413" y="1528532"/>
+            <a:ext cx="2905768" cy="1563447"/>
+          </a:xfrm>
+          <a:prstGeom prst="rect">
+            <a:avLst/>
+          </a:prstGeom>
+        </p:spPr>
+        <p:style>
+          <a:lnRef idx="2">
+            <a:schemeClr val="accent1">
+              <a:shade val="50000"/>
+            </a:schemeClr>
+          </a:lnRef>
+          <a:fillRef idx="1">
+            <a:schemeClr val="accent1"/>
+          </a:fillRef>
+          <a:effectRef idx="0">
+            <a:schemeClr val="accent1"/>
+          </a:effectRef>
+          <a:fontRef idx="minor">
+            <a:schemeClr val="lt1"/>
+          </a:fontRef>
+        </p:style>
+        <p:txBody>
+          <a:bodyPr rtlCol="0" anchor="ctr"/>
+          <a:lstStyle/>
+          <a:p>
+            <a:pPr algn="ctr"/>
+            <a:endParaRPr lang="ko-KR" altLang="en-US" dirty="0"/>
+          </a:p>
+        </p:txBody>
+      </p:sp>
+      <p:sp>
+        <p:nvSpPr>
+          <p:cNvPr id="74" name="직사각형 73"/>
+          <p:cNvSpPr/>
+          <p:nvPr/>
+        </p:nvSpPr>
+        <p:spPr>
+          <a:xfrm>
+            <a:off x="5841855" y="1531386"/>
+            <a:ext cx="288032" cy="252028"/>
+          </a:xfrm>
+          <a:prstGeom prst="rect">
+            <a:avLst/>
+          </a:prstGeom>
+        </p:spPr>
+        <p:style>
+          <a:lnRef idx="2">
+            <a:schemeClr val="accent1">
+              <a:shade val="50000"/>
+            </a:schemeClr>
+          </a:lnRef>
+          <a:fillRef idx="1">
+            <a:schemeClr val="accent1"/>
+          </a:fillRef>
+          <a:effectRef idx="0">
+            <a:schemeClr val="accent1"/>
+          </a:effectRef>
+          <a:fontRef idx="minor">
+            <a:schemeClr val="lt1"/>
+          </a:fontRef>
+        </p:style>
+        <p:txBody>
+          <a:bodyPr rtlCol="0" anchor="ctr"/>
+          <a:lstStyle/>
+          <a:p>
+            <a:pPr algn="ctr"/>
+            <a:r>
+              <a:rPr lang="en-US" altLang="ko-KR" sz="1000" dirty="0" smtClean="0"/>
+              <a:t>X</a:t>
+            </a:r>
+            <a:endParaRPr lang="ko-KR" altLang="en-US" sz="1000" dirty="0"/>
+          </a:p>
+        </p:txBody>
+      </p:sp>
+      <p:sp>
+        <p:nvSpPr>
+          <p:cNvPr id="75" name="직사각형 74"/>
+          <p:cNvSpPr/>
+          <p:nvPr/>
+        </p:nvSpPr>
+        <p:spPr>
+          <a:xfrm>
+            <a:off x="4537533" y="1668710"/>
+            <a:ext cx="437899" cy="493983"/>
+          </a:xfrm>
+          <a:prstGeom prst="rect">
+            <a:avLst/>
+          </a:prstGeom>
+        </p:spPr>
+        <p:style>
+          <a:lnRef idx="2">
+            <a:schemeClr val="dk1"/>
+          </a:lnRef>
+          <a:fillRef idx="1">
+            <a:schemeClr val="lt1"/>
+          </a:fillRef>
+          <a:effectRef idx="0">
+            <a:schemeClr val="dk1"/>
+          </a:effectRef>
+          <a:fontRef idx="minor">
+            <a:schemeClr val="dk1"/>
+          </a:fontRef>
+        </p:style>
+        <p:txBody>
+          <a:bodyPr rtlCol="0" anchor="ctr"/>
+          <a:lstStyle/>
+          <a:p>
+            <a:pPr algn="ctr"/>
+            <a:endParaRPr lang="ko-KR" altLang="en-US" dirty="0"/>
+          </a:p>
+        </p:txBody>
+      </p:sp>
+      <p:sp>
+        <p:nvSpPr>
+          <p:cNvPr id="76" name="직사각형 75"/>
+          <p:cNvSpPr/>
+          <p:nvPr/>
+        </p:nvSpPr>
+        <p:spPr>
+          <a:xfrm>
+            <a:off x="4287487" y="2204086"/>
+            <a:ext cx="927586" cy="180020"/>
+          </a:xfrm>
+          <a:prstGeom prst="rect">
+            <a:avLst/>
+          </a:prstGeom>
+        </p:spPr>
+        <p:style>
+          <a:lnRef idx="2">
+            <a:schemeClr val="accent1">
+              <a:shade val="50000"/>
+            </a:schemeClr>
+          </a:lnRef>
+          <a:fillRef idx="1">
+            <a:schemeClr val="accent1"/>
+          </a:fillRef>
+          <a:effectRef idx="0">
+            <a:schemeClr val="accent1"/>
+          </a:effectRef>
+          <a:fontRef idx="minor">
+            <a:schemeClr val="lt1"/>
+          </a:fontRef>
+        </p:style>
+        <p:txBody>
+          <a:bodyPr rtlCol="0" anchor="ctr"/>
+          <a:lstStyle/>
+          <a:p>
+            <a:pPr algn="ctr"/>
+            <a:r>
+              <a:rPr lang="ko-KR" altLang="en-US" sz="1200" dirty="0" smtClean="0"/>
+              <a:t>가</a:t>
+            </a:r>
+            <a:r>
+              <a:rPr lang="ko-KR" altLang="en-US" sz="1200" dirty="0"/>
+              <a:t>격</a:t>
+            </a:r>
+            <a:endParaRPr lang="ko-KR" altLang="en-US" sz="1200" dirty="0"/>
+          </a:p>
+        </p:txBody>
+      </p:sp>
+      <p:sp>
+        <p:nvSpPr>
+          <p:cNvPr id="8" name="TextBox 7"/>
+          <p:cNvSpPr txBox="1"/>
+          <p:nvPr/>
+        </p:nvSpPr>
+        <p:spPr>
+          <a:xfrm>
+            <a:off x="3832210" y="2421372"/>
+            <a:ext cx="1899879" cy="261610"/>
+          </a:xfrm>
+          <a:prstGeom prst="rect">
+            <a:avLst/>
+          </a:prstGeom>
+          <a:noFill/>
+        </p:spPr>
+        <p:txBody>
+          <a:bodyPr wrap="none" rtlCol="0">
+            <a:spAutoFit/>
+          </a:bodyPr>
+          <a:lstStyle/>
+          <a:p>
+            <a:r>
+              <a:rPr lang="ko-KR" altLang="en-US" sz="1100" dirty="0" smtClean="0"/>
+              <a:t>정말로 판매 하시겠습니까</a:t>
+            </a:r>
+            <a:r>
+              <a:rPr lang="en-US" altLang="ko-KR" sz="1100" dirty="0" smtClean="0"/>
+              <a:t>?</a:t>
+            </a:r>
+            <a:endParaRPr lang="ko-KR" altLang="en-US" sz="1100" dirty="0"/>
+          </a:p>
+        </p:txBody>
+      </p:sp>
+      <p:sp>
+        <p:nvSpPr>
+          <p:cNvPr id="77" name="직사각형 76"/>
+          <p:cNvSpPr/>
+          <p:nvPr/>
+        </p:nvSpPr>
+        <p:spPr>
+          <a:xfrm>
+            <a:off x="4428214" y="2749190"/>
+            <a:ext cx="576064" cy="236914"/>
+          </a:xfrm>
+          <a:prstGeom prst="rect">
+            <a:avLst/>
+          </a:prstGeom>
+        </p:spPr>
+        <p:style>
+          <a:lnRef idx="2">
+            <a:schemeClr val="accent1">
+              <a:shade val="50000"/>
+            </a:schemeClr>
+          </a:lnRef>
+          <a:fillRef idx="1">
+            <a:schemeClr val="accent1"/>
+          </a:fillRef>
+          <a:effectRef idx="0">
+            <a:schemeClr val="accent1"/>
+          </a:effectRef>
+          <a:fontRef idx="minor">
+            <a:schemeClr val="lt1"/>
+          </a:fontRef>
+        </p:style>
+        <p:txBody>
+          <a:bodyPr rtlCol="0" anchor="ctr"/>
+          <a:lstStyle/>
+          <a:p>
+            <a:pPr algn="ctr"/>
+            <a:r>
+              <a:rPr lang="ko-KR" altLang="en-US" sz="1200" dirty="0" smtClean="0"/>
+              <a:t>확</a:t>
+            </a:r>
+            <a:r>
+              <a:rPr lang="ko-KR" altLang="en-US" sz="1200" dirty="0"/>
+              <a:t>인</a:t>
+            </a:r>
+            <a:endParaRPr lang="ko-KR" altLang="en-US" sz="1200" dirty="0"/>
+          </a:p>
+        </p:txBody>
+      </p:sp>
+    </p:spTree>
+    <p:extLst>
+      <p:ext uri="{BB962C8B-B14F-4D97-AF65-F5344CB8AC3E}">
+        <p14:creationId xmlns:p14="http://schemas.microsoft.com/office/powerpoint/2010/main" val="1471445153"/>
       </p:ext>
     </p:extLst>
   </p:cSld>
@@ -15246,1040 +18851,1055 @@
           </a:p>
         </p:txBody>
       </p:sp>
-      <p:sp>
-        <p:nvSpPr>
-          <p:cNvPr id="35" name="직사각형 34"/>
-          <p:cNvSpPr/>
-          <p:nvPr/>
-        </p:nvSpPr>
-        <p:spPr>
-          <a:xfrm>
-            <a:off x="4499992" y="785908"/>
-            <a:ext cx="2905768" cy="3802066"/>
-          </a:xfrm>
-          <a:prstGeom prst="rect">
-            <a:avLst/>
-          </a:prstGeom>
-        </p:spPr>
-        <p:style>
-          <a:lnRef idx="2">
-            <a:schemeClr val="accent1">
-              <a:shade val="50000"/>
-            </a:schemeClr>
-          </a:lnRef>
-          <a:fillRef idx="1">
-            <a:schemeClr val="accent1"/>
-          </a:fillRef>
-          <a:effectRef idx="0">
-            <a:schemeClr val="accent1"/>
-          </a:effectRef>
-          <a:fontRef idx="minor">
-            <a:schemeClr val="lt1"/>
-          </a:fontRef>
-        </p:style>
-        <p:txBody>
-          <a:bodyPr rtlCol="0" anchor="ctr"/>
-          <a:lstStyle/>
-          <a:p>
-            <a:pPr algn="ctr"/>
-            <a:endParaRPr lang="ko-KR" altLang="en-US" dirty="0"/>
-          </a:p>
-        </p:txBody>
-      </p:sp>
-      <p:sp>
-        <p:nvSpPr>
-          <p:cNvPr id="36" name="직사각형 35"/>
-          <p:cNvSpPr/>
-          <p:nvPr/>
-        </p:nvSpPr>
-        <p:spPr>
-          <a:xfrm>
-            <a:off x="7122434" y="781309"/>
-            <a:ext cx="288032" cy="252028"/>
-          </a:xfrm>
-          <a:prstGeom prst="rect">
-            <a:avLst/>
-          </a:prstGeom>
-        </p:spPr>
-        <p:style>
-          <a:lnRef idx="2">
-            <a:schemeClr val="accent1">
-              <a:shade val="50000"/>
-            </a:schemeClr>
-          </a:lnRef>
-          <a:fillRef idx="1">
-            <a:schemeClr val="accent1"/>
-          </a:fillRef>
-          <a:effectRef idx="0">
-            <a:schemeClr val="accent1"/>
-          </a:effectRef>
-          <a:fontRef idx="minor">
-            <a:schemeClr val="lt1"/>
-          </a:fontRef>
-        </p:style>
-        <p:txBody>
-          <a:bodyPr rtlCol="0" anchor="ctr"/>
-          <a:lstStyle/>
-          <a:p>
-            <a:pPr algn="ctr"/>
-            <a:r>
-              <a:rPr lang="en-US" altLang="ko-KR" sz="1000" dirty="0" smtClean="0"/>
-              <a:t>X</a:t>
-            </a:r>
-            <a:endParaRPr lang="ko-KR" altLang="en-US" sz="1000" dirty="0"/>
-          </a:p>
-        </p:txBody>
-      </p:sp>
-      <p:sp>
-        <p:nvSpPr>
-          <p:cNvPr id="30" name="직사각형 29"/>
-          <p:cNvSpPr/>
-          <p:nvPr/>
-        </p:nvSpPr>
-        <p:spPr>
-          <a:xfrm>
-            <a:off x="4755369" y="1424659"/>
-            <a:ext cx="437899" cy="493983"/>
-          </a:xfrm>
-          <a:prstGeom prst="rect">
-            <a:avLst/>
-          </a:prstGeom>
-        </p:spPr>
-        <p:style>
-          <a:lnRef idx="2">
-            <a:schemeClr val="dk1"/>
-          </a:lnRef>
-          <a:fillRef idx="1">
-            <a:schemeClr val="lt1"/>
-          </a:fillRef>
-          <a:effectRef idx="0">
-            <a:schemeClr val="dk1"/>
-          </a:effectRef>
-          <a:fontRef idx="minor">
-            <a:schemeClr val="dk1"/>
-          </a:fontRef>
-        </p:style>
-        <p:txBody>
-          <a:bodyPr rtlCol="0" anchor="ctr"/>
-          <a:lstStyle/>
-          <a:p>
-            <a:pPr algn="ctr"/>
-            <a:endParaRPr lang="ko-KR" altLang="en-US" dirty="0"/>
-          </a:p>
-        </p:txBody>
-      </p:sp>
-      <p:sp>
-        <p:nvSpPr>
-          <p:cNvPr id="32" name="직사각형 31"/>
-          <p:cNvSpPr/>
-          <p:nvPr/>
-        </p:nvSpPr>
-        <p:spPr>
-          <a:xfrm>
-            <a:off x="5242333" y="1421477"/>
-            <a:ext cx="437899" cy="493983"/>
-          </a:xfrm>
-          <a:prstGeom prst="rect">
-            <a:avLst/>
-          </a:prstGeom>
-        </p:spPr>
-        <p:style>
-          <a:lnRef idx="2">
-            <a:schemeClr val="dk1"/>
-          </a:lnRef>
-          <a:fillRef idx="1">
-            <a:schemeClr val="lt1"/>
-          </a:fillRef>
-          <a:effectRef idx="0">
-            <a:schemeClr val="dk1"/>
-          </a:effectRef>
-          <a:fontRef idx="minor">
-            <a:schemeClr val="dk1"/>
-          </a:fontRef>
-        </p:style>
-        <p:txBody>
-          <a:bodyPr rtlCol="0" anchor="ctr"/>
-          <a:lstStyle/>
-          <a:p>
-            <a:pPr algn="ctr"/>
-            <a:endParaRPr lang="ko-KR" altLang="en-US" dirty="0"/>
-          </a:p>
-        </p:txBody>
-      </p:sp>
-      <p:sp>
-        <p:nvSpPr>
-          <p:cNvPr id="33" name="직사각형 32"/>
-          <p:cNvSpPr/>
-          <p:nvPr/>
-        </p:nvSpPr>
-        <p:spPr>
-          <a:xfrm>
-            <a:off x="5725951" y="1424268"/>
-            <a:ext cx="437899" cy="493983"/>
-          </a:xfrm>
-          <a:prstGeom prst="rect">
-            <a:avLst/>
-          </a:prstGeom>
-        </p:spPr>
-        <p:style>
-          <a:lnRef idx="2">
-            <a:schemeClr val="dk1"/>
-          </a:lnRef>
-          <a:fillRef idx="1">
-            <a:schemeClr val="lt1"/>
-          </a:fillRef>
-          <a:effectRef idx="0">
-            <a:schemeClr val="dk1"/>
-          </a:effectRef>
-          <a:fontRef idx="minor">
-            <a:schemeClr val="dk1"/>
-          </a:fontRef>
-        </p:style>
-        <p:txBody>
-          <a:bodyPr rtlCol="0" anchor="ctr"/>
-          <a:lstStyle/>
-          <a:p>
-            <a:pPr algn="ctr"/>
-            <a:endParaRPr lang="ko-KR" altLang="en-US" dirty="0"/>
-          </a:p>
-        </p:txBody>
-      </p:sp>
-      <p:sp>
-        <p:nvSpPr>
-          <p:cNvPr id="34" name="직사각형 33"/>
-          <p:cNvSpPr/>
-          <p:nvPr/>
-        </p:nvSpPr>
-        <p:spPr>
-          <a:xfrm>
-            <a:off x="6223476" y="1419622"/>
-            <a:ext cx="437899" cy="493983"/>
-          </a:xfrm>
-          <a:prstGeom prst="rect">
-            <a:avLst/>
-          </a:prstGeom>
-        </p:spPr>
-        <p:style>
-          <a:lnRef idx="2">
-            <a:schemeClr val="dk1"/>
-          </a:lnRef>
-          <a:fillRef idx="1">
-            <a:schemeClr val="lt1"/>
-          </a:fillRef>
-          <a:effectRef idx="0">
-            <a:schemeClr val="dk1"/>
-          </a:effectRef>
-          <a:fontRef idx="minor">
-            <a:schemeClr val="dk1"/>
-          </a:fontRef>
-        </p:style>
-        <p:txBody>
-          <a:bodyPr rtlCol="0" anchor="ctr"/>
-          <a:lstStyle/>
-          <a:p>
-            <a:pPr algn="ctr"/>
-            <a:endParaRPr lang="ko-KR" altLang="en-US" dirty="0"/>
-          </a:p>
-        </p:txBody>
-      </p:sp>
-      <p:sp>
-        <p:nvSpPr>
-          <p:cNvPr id="37" name="직사각형 36"/>
-          <p:cNvSpPr/>
-          <p:nvPr/>
-        </p:nvSpPr>
-        <p:spPr>
-          <a:xfrm>
-            <a:off x="6745304" y="1424299"/>
-            <a:ext cx="437899" cy="493983"/>
-          </a:xfrm>
-          <a:prstGeom prst="rect">
-            <a:avLst/>
-          </a:prstGeom>
-        </p:spPr>
-        <p:style>
-          <a:lnRef idx="2">
-            <a:schemeClr val="dk1"/>
-          </a:lnRef>
-          <a:fillRef idx="1">
-            <a:schemeClr val="lt1"/>
-          </a:fillRef>
-          <a:effectRef idx="0">
-            <a:schemeClr val="dk1"/>
-          </a:effectRef>
-          <a:fontRef idx="minor">
-            <a:schemeClr val="dk1"/>
-          </a:fontRef>
-        </p:style>
-        <p:txBody>
-          <a:bodyPr rtlCol="0" anchor="ctr"/>
-          <a:lstStyle/>
-          <a:p>
-            <a:pPr algn="ctr"/>
-            <a:endParaRPr lang="ko-KR" altLang="en-US" dirty="0"/>
-          </a:p>
-        </p:txBody>
-      </p:sp>
-      <p:sp>
-        <p:nvSpPr>
-          <p:cNvPr id="38" name="직사각형 37"/>
-          <p:cNvSpPr/>
-          <p:nvPr/>
-        </p:nvSpPr>
-        <p:spPr>
-          <a:xfrm>
-            <a:off x="4755369" y="1981681"/>
-            <a:ext cx="437899" cy="493983"/>
-          </a:xfrm>
-          <a:prstGeom prst="rect">
-            <a:avLst/>
-          </a:prstGeom>
-        </p:spPr>
-        <p:style>
-          <a:lnRef idx="2">
-            <a:schemeClr val="dk1"/>
-          </a:lnRef>
-          <a:fillRef idx="1">
-            <a:schemeClr val="lt1"/>
-          </a:fillRef>
-          <a:effectRef idx="0">
-            <a:schemeClr val="dk1"/>
-          </a:effectRef>
-          <a:fontRef idx="minor">
-            <a:schemeClr val="dk1"/>
-          </a:fontRef>
-        </p:style>
-        <p:txBody>
-          <a:bodyPr rtlCol="0" anchor="ctr"/>
-          <a:lstStyle/>
-          <a:p>
-            <a:pPr algn="ctr"/>
-            <a:endParaRPr lang="ko-KR" altLang="en-US" dirty="0"/>
-          </a:p>
-        </p:txBody>
-      </p:sp>
-      <p:sp>
-        <p:nvSpPr>
-          <p:cNvPr id="39" name="직사각형 38"/>
-          <p:cNvSpPr/>
-          <p:nvPr/>
-        </p:nvSpPr>
-        <p:spPr>
-          <a:xfrm>
-            <a:off x="5242333" y="1978499"/>
-            <a:ext cx="437899" cy="493983"/>
-          </a:xfrm>
-          <a:prstGeom prst="rect">
-            <a:avLst/>
-          </a:prstGeom>
-        </p:spPr>
-        <p:style>
-          <a:lnRef idx="2">
-            <a:schemeClr val="dk1"/>
-          </a:lnRef>
-          <a:fillRef idx="1">
-            <a:schemeClr val="lt1"/>
-          </a:fillRef>
-          <a:effectRef idx="0">
-            <a:schemeClr val="dk1"/>
-          </a:effectRef>
-          <a:fontRef idx="minor">
-            <a:schemeClr val="dk1"/>
-          </a:fontRef>
-        </p:style>
-        <p:txBody>
-          <a:bodyPr rtlCol="0" anchor="ctr"/>
-          <a:lstStyle/>
-          <a:p>
-            <a:pPr algn="ctr"/>
-            <a:endParaRPr lang="ko-KR" altLang="en-US" dirty="0"/>
-          </a:p>
-        </p:txBody>
-      </p:sp>
-      <p:sp>
-        <p:nvSpPr>
-          <p:cNvPr id="40" name="직사각형 39"/>
-          <p:cNvSpPr/>
-          <p:nvPr/>
-        </p:nvSpPr>
-        <p:spPr>
-          <a:xfrm>
-            <a:off x="5725951" y="1981290"/>
-            <a:ext cx="437899" cy="493983"/>
-          </a:xfrm>
-          <a:prstGeom prst="rect">
-            <a:avLst/>
-          </a:prstGeom>
-        </p:spPr>
-        <p:style>
-          <a:lnRef idx="2">
-            <a:schemeClr val="dk1"/>
-          </a:lnRef>
-          <a:fillRef idx="1">
-            <a:schemeClr val="lt1"/>
-          </a:fillRef>
-          <a:effectRef idx="0">
-            <a:schemeClr val="dk1"/>
-          </a:effectRef>
-          <a:fontRef idx="minor">
-            <a:schemeClr val="dk1"/>
-          </a:fontRef>
-        </p:style>
-        <p:txBody>
-          <a:bodyPr rtlCol="0" anchor="ctr"/>
-          <a:lstStyle/>
-          <a:p>
-            <a:pPr algn="ctr"/>
-            <a:endParaRPr lang="ko-KR" altLang="en-US" dirty="0"/>
-          </a:p>
-        </p:txBody>
-      </p:sp>
-      <p:sp>
-        <p:nvSpPr>
-          <p:cNvPr id="41" name="직사각형 40"/>
-          <p:cNvSpPr/>
-          <p:nvPr/>
-        </p:nvSpPr>
-        <p:spPr>
-          <a:xfrm>
-            <a:off x="6223476" y="1976644"/>
-            <a:ext cx="437899" cy="493983"/>
-          </a:xfrm>
-          <a:prstGeom prst="rect">
-            <a:avLst/>
-          </a:prstGeom>
-        </p:spPr>
-        <p:style>
-          <a:lnRef idx="2">
-            <a:schemeClr val="dk1"/>
-          </a:lnRef>
-          <a:fillRef idx="1">
-            <a:schemeClr val="lt1"/>
-          </a:fillRef>
-          <a:effectRef idx="0">
-            <a:schemeClr val="dk1"/>
-          </a:effectRef>
-          <a:fontRef idx="minor">
-            <a:schemeClr val="dk1"/>
-          </a:fontRef>
-        </p:style>
-        <p:txBody>
-          <a:bodyPr rtlCol="0" anchor="ctr"/>
-          <a:lstStyle/>
-          <a:p>
-            <a:pPr algn="ctr"/>
-            <a:endParaRPr lang="ko-KR" altLang="en-US" dirty="0"/>
-          </a:p>
-        </p:txBody>
-      </p:sp>
-      <p:sp>
-        <p:nvSpPr>
-          <p:cNvPr id="42" name="직사각형 41"/>
-          <p:cNvSpPr/>
-          <p:nvPr/>
-        </p:nvSpPr>
-        <p:spPr>
-          <a:xfrm>
-            <a:off x="6745304" y="1981321"/>
-            <a:ext cx="437899" cy="493983"/>
-          </a:xfrm>
-          <a:prstGeom prst="rect">
-            <a:avLst/>
-          </a:prstGeom>
-        </p:spPr>
-        <p:style>
-          <a:lnRef idx="2">
-            <a:schemeClr val="dk1"/>
-          </a:lnRef>
-          <a:fillRef idx="1">
-            <a:schemeClr val="lt1"/>
-          </a:fillRef>
-          <a:effectRef idx="0">
-            <a:schemeClr val="dk1"/>
-          </a:effectRef>
-          <a:fontRef idx="minor">
-            <a:schemeClr val="dk1"/>
-          </a:fontRef>
-        </p:style>
-        <p:txBody>
-          <a:bodyPr rtlCol="0" anchor="ctr"/>
-          <a:lstStyle/>
-          <a:p>
-            <a:pPr algn="ctr"/>
-            <a:endParaRPr lang="ko-KR" altLang="en-US" dirty="0"/>
-          </a:p>
-        </p:txBody>
-      </p:sp>
-      <p:sp>
-        <p:nvSpPr>
-          <p:cNvPr id="43" name="직사각형 42"/>
-          <p:cNvSpPr/>
-          <p:nvPr/>
-        </p:nvSpPr>
-        <p:spPr>
-          <a:xfrm>
-            <a:off x="4755369" y="2535747"/>
-            <a:ext cx="437899" cy="493983"/>
-          </a:xfrm>
-          <a:prstGeom prst="rect">
-            <a:avLst/>
-          </a:prstGeom>
-        </p:spPr>
-        <p:style>
-          <a:lnRef idx="2">
-            <a:schemeClr val="dk1"/>
-          </a:lnRef>
-          <a:fillRef idx="1">
-            <a:schemeClr val="lt1"/>
-          </a:fillRef>
-          <a:effectRef idx="0">
-            <a:schemeClr val="dk1"/>
-          </a:effectRef>
-          <a:fontRef idx="minor">
-            <a:schemeClr val="dk1"/>
-          </a:fontRef>
-        </p:style>
-        <p:txBody>
-          <a:bodyPr rtlCol="0" anchor="ctr"/>
-          <a:lstStyle/>
-          <a:p>
-            <a:pPr algn="ctr"/>
-            <a:endParaRPr lang="ko-KR" altLang="en-US" dirty="0"/>
-          </a:p>
-        </p:txBody>
-      </p:sp>
-      <p:sp>
-        <p:nvSpPr>
-          <p:cNvPr id="44" name="직사각형 43"/>
-          <p:cNvSpPr/>
-          <p:nvPr/>
-        </p:nvSpPr>
-        <p:spPr>
-          <a:xfrm>
-            <a:off x="5242333" y="2532565"/>
-            <a:ext cx="437899" cy="493983"/>
-          </a:xfrm>
-          <a:prstGeom prst="rect">
-            <a:avLst/>
-          </a:prstGeom>
-        </p:spPr>
-        <p:style>
-          <a:lnRef idx="2">
-            <a:schemeClr val="dk1"/>
-          </a:lnRef>
-          <a:fillRef idx="1">
-            <a:schemeClr val="lt1"/>
-          </a:fillRef>
-          <a:effectRef idx="0">
-            <a:schemeClr val="dk1"/>
-          </a:effectRef>
-          <a:fontRef idx="minor">
-            <a:schemeClr val="dk1"/>
-          </a:fontRef>
-        </p:style>
-        <p:txBody>
-          <a:bodyPr rtlCol="0" anchor="ctr"/>
-          <a:lstStyle/>
-          <a:p>
-            <a:pPr algn="ctr"/>
-            <a:endParaRPr lang="ko-KR" altLang="en-US" dirty="0"/>
-          </a:p>
-        </p:txBody>
-      </p:sp>
-      <p:sp>
-        <p:nvSpPr>
-          <p:cNvPr id="45" name="직사각형 44"/>
-          <p:cNvSpPr/>
-          <p:nvPr/>
-        </p:nvSpPr>
-        <p:spPr>
-          <a:xfrm>
-            <a:off x="5725951" y="2535356"/>
-            <a:ext cx="437899" cy="493983"/>
-          </a:xfrm>
-          <a:prstGeom prst="rect">
-            <a:avLst/>
-          </a:prstGeom>
-        </p:spPr>
-        <p:style>
-          <a:lnRef idx="2">
-            <a:schemeClr val="dk1"/>
-          </a:lnRef>
-          <a:fillRef idx="1">
-            <a:schemeClr val="lt1"/>
-          </a:fillRef>
-          <a:effectRef idx="0">
-            <a:schemeClr val="dk1"/>
-          </a:effectRef>
-          <a:fontRef idx="minor">
-            <a:schemeClr val="dk1"/>
-          </a:fontRef>
-        </p:style>
-        <p:txBody>
-          <a:bodyPr rtlCol="0" anchor="ctr"/>
-          <a:lstStyle/>
-          <a:p>
-            <a:pPr algn="ctr"/>
-            <a:endParaRPr lang="ko-KR" altLang="en-US" dirty="0"/>
-          </a:p>
-        </p:txBody>
-      </p:sp>
-      <p:sp>
-        <p:nvSpPr>
-          <p:cNvPr id="46" name="직사각형 45"/>
-          <p:cNvSpPr/>
-          <p:nvPr/>
-        </p:nvSpPr>
-        <p:spPr>
-          <a:xfrm>
-            <a:off x="6223476" y="2530710"/>
-            <a:ext cx="437899" cy="493983"/>
-          </a:xfrm>
-          <a:prstGeom prst="rect">
-            <a:avLst/>
-          </a:prstGeom>
-        </p:spPr>
-        <p:style>
-          <a:lnRef idx="2">
-            <a:schemeClr val="dk1"/>
-          </a:lnRef>
-          <a:fillRef idx="1">
-            <a:schemeClr val="lt1"/>
-          </a:fillRef>
-          <a:effectRef idx="0">
-            <a:schemeClr val="dk1"/>
-          </a:effectRef>
-          <a:fontRef idx="minor">
-            <a:schemeClr val="dk1"/>
-          </a:fontRef>
-        </p:style>
-        <p:txBody>
-          <a:bodyPr rtlCol="0" anchor="ctr"/>
-          <a:lstStyle/>
-          <a:p>
-            <a:pPr algn="ctr"/>
-            <a:endParaRPr lang="ko-KR" altLang="en-US" dirty="0"/>
-          </a:p>
-        </p:txBody>
-      </p:sp>
-      <p:sp>
-        <p:nvSpPr>
-          <p:cNvPr id="47" name="직사각형 46"/>
-          <p:cNvSpPr/>
-          <p:nvPr/>
-        </p:nvSpPr>
-        <p:spPr>
-          <a:xfrm>
-            <a:off x="6745304" y="2535387"/>
-            <a:ext cx="437899" cy="493983"/>
-          </a:xfrm>
-          <a:prstGeom prst="rect">
-            <a:avLst/>
-          </a:prstGeom>
-        </p:spPr>
-        <p:style>
-          <a:lnRef idx="2">
-            <a:schemeClr val="dk1"/>
-          </a:lnRef>
-          <a:fillRef idx="1">
-            <a:schemeClr val="lt1"/>
-          </a:fillRef>
-          <a:effectRef idx="0">
-            <a:schemeClr val="dk1"/>
-          </a:effectRef>
-          <a:fontRef idx="minor">
-            <a:schemeClr val="dk1"/>
-          </a:fontRef>
-        </p:style>
-        <p:txBody>
-          <a:bodyPr rtlCol="0" anchor="ctr"/>
-          <a:lstStyle/>
-          <a:p>
-            <a:pPr algn="ctr"/>
-            <a:endParaRPr lang="ko-KR" altLang="en-US" dirty="0"/>
-          </a:p>
-        </p:txBody>
-      </p:sp>
-      <p:sp>
-        <p:nvSpPr>
-          <p:cNvPr id="48" name="직사각형 47"/>
-          <p:cNvSpPr/>
-          <p:nvPr/>
-        </p:nvSpPr>
-        <p:spPr>
-          <a:xfrm>
-            <a:off x="4755369" y="3092769"/>
-            <a:ext cx="437899" cy="493983"/>
-          </a:xfrm>
-          <a:prstGeom prst="rect">
-            <a:avLst/>
-          </a:prstGeom>
-        </p:spPr>
-        <p:style>
-          <a:lnRef idx="2">
-            <a:schemeClr val="dk1"/>
-          </a:lnRef>
-          <a:fillRef idx="1">
-            <a:schemeClr val="lt1"/>
-          </a:fillRef>
-          <a:effectRef idx="0">
-            <a:schemeClr val="dk1"/>
-          </a:effectRef>
-          <a:fontRef idx="minor">
-            <a:schemeClr val="dk1"/>
-          </a:fontRef>
-        </p:style>
-        <p:txBody>
-          <a:bodyPr rtlCol="0" anchor="ctr"/>
-          <a:lstStyle/>
-          <a:p>
-            <a:pPr algn="ctr"/>
-            <a:endParaRPr lang="ko-KR" altLang="en-US" dirty="0"/>
-          </a:p>
-        </p:txBody>
-      </p:sp>
-      <p:sp>
-        <p:nvSpPr>
-          <p:cNvPr id="49" name="직사각형 48"/>
-          <p:cNvSpPr/>
-          <p:nvPr/>
-        </p:nvSpPr>
-        <p:spPr>
-          <a:xfrm>
-            <a:off x="5242333" y="3089587"/>
-            <a:ext cx="437899" cy="493983"/>
-          </a:xfrm>
-          <a:prstGeom prst="rect">
-            <a:avLst/>
-          </a:prstGeom>
-        </p:spPr>
-        <p:style>
-          <a:lnRef idx="2">
-            <a:schemeClr val="dk1"/>
-          </a:lnRef>
-          <a:fillRef idx="1">
-            <a:schemeClr val="lt1"/>
-          </a:fillRef>
-          <a:effectRef idx="0">
-            <a:schemeClr val="dk1"/>
-          </a:effectRef>
-          <a:fontRef idx="minor">
-            <a:schemeClr val="dk1"/>
-          </a:fontRef>
-        </p:style>
-        <p:txBody>
-          <a:bodyPr rtlCol="0" anchor="ctr"/>
-          <a:lstStyle/>
-          <a:p>
-            <a:pPr algn="ctr"/>
-            <a:endParaRPr lang="ko-KR" altLang="en-US" dirty="0"/>
-          </a:p>
-        </p:txBody>
-      </p:sp>
-      <p:sp>
-        <p:nvSpPr>
-          <p:cNvPr id="50" name="직사각형 49"/>
-          <p:cNvSpPr/>
-          <p:nvPr/>
-        </p:nvSpPr>
-        <p:spPr>
-          <a:xfrm>
-            <a:off x="5725951" y="3092378"/>
-            <a:ext cx="437899" cy="493983"/>
-          </a:xfrm>
-          <a:prstGeom prst="rect">
-            <a:avLst/>
-          </a:prstGeom>
-        </p:spPr>
-        <p:style>
-          <a:lnRef idx="2">
-            <a:schemeClr val="dk1"/>
-          </a:lnRef>
-          <a:fillRef idx="1">
-            <a:schemeClr val="lt1"/>
-          </a:fillRef>
-          <a:effectRef idx="0">
-            <a:schemeClr val="dk1"/>
-          </a:effectRef>
-          <a:fontRef idx="minor">
-            <a:schemeClr val="dk1"/>
-          </a:fontRef>
-        </p:style>
-        <p:txBody>
-          <a:bodyPr rtlCol="0" anchor="ctr"/>
-          <a:lstStyle/>
-          <a:p>
-            <a:pPr algn="ctr"/>
-            <a:endParaRPr lang="ko-KR" altLang="en-US" dirty="0"/>
-          </a:p>
-        </p:txBody>
-      </p:sp>
-      <p:sp>
-        <p:nvSpPr>
-          <p:cNvPr id="51" name="직사각형 50"/>
-          <p:cNvSpPr/>
-          <p:nvPr/>
-        </p:nvSpPr>
-        <p:spPr>
-          <a:xfrm>
-            <a:off x="6223476" y="3087732"/>
-            <a:ext cx="437899" cy="493983"/>
-          </a:xfrm>
-          <a:prstGeom prst="rect">
-            <a:avLst/>
-          </a:prstGeom>
-        </p:spPr>
-        <p:style>
-          <a:lnRef idx="2">
-            <a:schemeClr val="dk1"/>
-          </a:lnRef>
-          <a:fillRef idx="1">
-            <a:schemeClr val="lt1"/>
-          </a:fillRef>
-          <a:effectRef idx="0">
-            <a:schemeClr val="dk1"/>
-          </a:effectRef>
-          <a:fontRef idx="minor">
-            <a:schemeClr val="dk1"/>
-          </a:fontRef>
-        </p:style>
-        <p:txBody>
-          <a:bodyPr rtlCol="0" anchor="ctr"/>
-          <a:lstStyle/>
-          <a:p>
-            <a:pPr algn="ctr"/>
-            <a:endParaRPr lang="ko-KR" altLang="en-US" dirty="0"/>
-          </a:p>
-        </p:txBody>
-      </p:sp>
-      <p:sp>
-        <p:nvSpPr>
-          <p:cNvPr id="52" name="직사각형 51"/>
-          <p:cNvSpPr/>
-          <p:nvPr/>
-        </p:nvSpPr>
-        <p:spPr>
-          <a:xfrm>
-            <a:off x="6745304" y="3092409"/>
-            <a:ext cx="437899" cy="493983"/>
-          </a:xfrm>
-          <a:prstGeom prst="rect">
-            <a:avLst/>
-          </a:prstGeom>
-        </p:spPr>
-        <p:style>
-          <a:lnRef idx="2">
-            <a:schemeClr val="dk1"/>
-          </a:lnRef>
-          <a:fillRef idx="1">
-            <a:schemeClr val="lt1"/>
-          </a:fillRef>
-          <a:effectRef idx="0">
-            <a:schemeClr val="dk1"/>
-          </a:effectRef>
-          <a:fontRef idx="minor">
-            <a:schemeClr val="dk1"/>
-          </a:fontRef>
-        </p:style>
-        <p:txBody>
-          <a:bodyPr rtlCol="0" anchor="ctr"/>
-          <a:lstStyle/>
-          <a:p>
-            <a:pPr algn="ctr"/>
-            <a:endParaRPr lang="ko-KR" altLang="en-US" dirty="0"/>
-          </a:p>
-        </p:txBody>
-      </p:sp>
-      <p:sp>
-        <p:nvSpPr>
-          <p:cNvPr id="53" name="직사각형 52"/>
-          <p:cNvSpPr/>
-          <p:nvPr/>
-        </p:nvSpPr>
-        <p:spPr>
-          <a:xfrm>
-            <a:off x="4755369" y="3648640"/>
-            <a:ext cx="437899" cy="493983"/>
-          </a:xfrm>
-          <a:prstGeom prst="rect">
-            <a:avLst/>
-          </a:prstGeom>
-        </p:spPr>
-        <p:style>
-          <a:lnRef idx="2">
-            <a:schemeClr val="dk1"/>
-          </a:lnRef>
-          <a:fillRef idx="1">
-            <a:schemeClr val="lt1"/>
-          </a:fillRef>
-          <a:effectRef idx="0">
-            <a:schemeClr val="dk1"/>
-          </a:effectRef>
-          <a:fontRef idx="minor">
-            <a:schemeClr val="dk1"/>
-          </a:fontRef>
-        </p:style>
-        <p:txBody>
-          <a:bodyPr rtlCol="0" anchor="ctr"/>
-          <a:lstStyle/>
-          <a:p>
-            <a:pPr algn="ctr"/>
-            <a:endParaRPr lang="ko-KR" altLang="en-US" dirty="0"/>
-          </a:p>
-        </p:txBody>
-      </p:sp>
-      <p:sp>
-        <p:nvSpPr>
-          <p:cNvPr id="54" name="직사각형 53"/>
-          <p:cNvSpPr/>
-          <p:nvPr/>
-        </p:nvSpPr>
-        <p:spPr>
-          <a:xfrm>
-            <a:off x="5242333" y="3645458"/>
-            <a:ext cx="437899" cy="493983"/>
-          </a:xfrm>
-          <a:prstGeom prst="rect">
-            <a:avLst/>
-          </a:prstGeom>
-        </p:spPr>
-        <p:style>
-          <a:lnRef idx="2">
-            <a:schemeClr val="dk1"/>
-          </a:lnRef>
-          <a:fillRef idx="1">
-            <a:schemeClr val="lt1"/>
-          </a:fillRef>
-          <a:effectRef idx="0">
-            <a:schemeClr val="dk1"/>
-          </a:effectRef>
-          <a:fontRef idx="minor">
-            <a:schemeClr val="dk1"/>
-          </a:fontRef>
-        </p:style>
-        <p:txBody>
-          <a:bodyPr rtlCol="0" anchor="ctr"/>
-          <a:lstStyle/>
-          <a:p>
-            <a:pPr algn="ctr"/>
-            <a:endParaRPr lang="ko-KR" altLang="en-US" dirty="0"/>
-          </a:p>
-        </p:txBody>
-      </p:sp>
-      <p:sp>
-        <p:nvSpPr>
-          <p:cNvPr id="55" name="직사각형 54"/>
-          <p:cNvSpPr/>
-          <p:nvPr/>
-        </p:nvSpPr>
-        <p:spPr>
-          <a:xfrm>
-            <a:off x="5746389" y="3648249"/>
-            <a:ext cx="437899" cy="493983"/>
-          </a:xfrm>
-          <a:prstGeom prst="rect">
-            <a:avLst/>
-          </a:prstGeom>
-        </p:spPr>
-        <p:style>
-          <a:lnRef idx="2">
-            <a:schemeClr val="dk1"/>
-          </a:lnRef>
-          <a:fillRef idx="1">
-            <a:schemeClr val="lt1"/>
-          </a:fillRef>
-          <a:effectRef idx="0">
-            <a:schemeClr val="dk1"/>
-          </a:effectRef>
-          <a:fontRef idx="minor">
-            <a:schemeClr val="dk1"/>
-          </a:fontRef>
-        </p:style>
-        <p:txBody>
-          <a:bodyPr rtlCol="0" anchor="ctr"/>
-          <a:lstStyle/>
-          <a:p>
-            <a:pPr algn="ctr"/>
-            <a:endParaRPr lang="ko-KR" altLang="en-US" dirty="0"/>
-          </a:p>
-        </p:txBody>
-      </p:sp>
-      <p:sp>
-        <p:nvSpPr>
-          <p:cNvPr id="56" name="직사각형 55"/>
-          <p:cNvSpPr/>
-          <p:nvPr/>
-        </p:nvSpPr>
-        <p:spPr>
-          <a:xfrm>
-            <a:off x="6243914" y="3643603"/>
-            <a:ext cx="437899" cy="493983"/>
-          </a:xfrm>
-          <a:prstGeom prst="rect">
-            <a:avLst/>
-          </a:prstGeom>
-        </p:spPr>
-        <p:style>
-          <a:lnRef idx="2">
-            <a:schemeClr val="dk1"/>
-          </a:lnRef>
-          <a:fillRef idx="1">
-            <a:schemeClr val="lt1"/>
-          </a:fillRef>
-          <a:effectRef idx="0">
-            <a:schemeClr val="dk1"/>
-          </a:effectRef>
-          <a:fontRef idx="minor">
-            <a:schemeClr val="dk1"/>
-          </a:fontRef>
-        </p:style>
-        <p:txBody>
-          <a:bodyPr rtlCol="0" anchor="ctr"/>
-          <a:lstStyle/>
-          <a:p>
-            <a:pPr algn="ctr"/>
-            <a:endParaRPr lang="ko-KR" altLang="en-US" dirty="0"/>
-          </a:p>
-        </p:txBody>
-      </p:sp>
-      <p:sp>
-        <p:nvSpPr>
-          <p:cNvPr id="57" name="직사각형 56"/>
-          <p:cNvSpPr/>
-          <p:nvPr/>
-        </p:nvSpPr>
-        <p:spPr>
-          <a:xfrm>
-            <a:off x="6765742" y="3648280"/>
-            <a:ext cx="437899" cy="493983"/>
-          </a:xfrm>
-          <a:prstGeom prst="rect">
-            <a:avLst/>
-          </a:prstGeom>
-        </p:spPr>
-        <p:style>
-          <a:lnRef idx="2">
-            <a:schemeClr val="dk1"/>
-          </a:lnRef>
-          <a:fillRef idx="1">
-            <a:schemeClr val="lt1"/>
-          </a:fillRef>
-          <a:effectRef idx="0">
-            <a:schemeClr val="dk1"/>
-          </a:effectRef>
-          <a:fontRef idx="minor">
-            <a:schemeClr val="dk1"/>
-          </a:fontRef>
-        </p:style>
-        <p:txBody>
-          <a:bodyPr rtlCol="0" anchor="ctr"/>
-          <a:lstStyle/>
-          <a:p>
-            <a:pPr algn="ctr"/>
-            <a:endParaRPr lang="ko-KR" altLang="en-US" dirty="0"/>
-          </a:p>
-        </p:txBody>
-      </p:sp>
+      <p:grpSp>
+        <p:nvGrpSpPr>
+          <p:cNvPr id="3" name="그룹 2"/>
+          <p:cNvGrpSpPr/>
+          <p:nvPr/>
+        </p:nvGrpSpPr>
+        <p:grpSpPr>
+          <a:xfrm>
+            <a:off x="4499992" y="781309"/>
+            <a:ext cx="2910474" cy="3806665"/>
+            <a:chOff x="4499992" y="781309"/>
+            <a:chExt cx="2910474" cy="3806665"/>
+          </a:xfrm>
+        </p:grpSpPr>
+        <p:sp>
+          <p:nvSpPr>
+            <p:cNvPr id="35" name="직사각형 34"/>
+            <p:cNvSpPr/>
+            <p:nvPr/>
+          </p:nvSpPr>
+          <p:spPr>
+            <a:xfrm>
+              <a:off x="4499992" y="785908"/>
+              <a:ext cx="2905768" cy="3802066"/>
+            </a:xfrm>
+            <a:prstGeom prst="rect">
+              <a:avLst/>
+            </a:prstGeom>
+          </p:spPr>
+          <p:style>
+            <a:lnRef idx="2">
+              <a:schemeClr val="accent1">
+                <a:shade val="50000"/>
+              </a:schemeClr>
+            </a:lnRef>
+            <a:fillRef idx="1">
+              <a:schemeClr val="accent1"/>
+            </a:fillRef>
+            <a:effectRef idx="0">
+              <a:schemeClr val="accent1"/>
+            </a:effectRef>
+            <a:fontRef idx="minor">
+              <a:schemeClr val="lt1"/>
+            </a:fontRef>
+          </p:style>
+          <p:txBody>
+            <a:bodyPr rtlCol="0" anchor="ctr"/>
+            <a:lstStyle/>
+            <a:p>
+              <a:pPr algn="ctr"/>
+              <a:endParaRPr lang="ko-KR" altLang="en-US" dirty="0"/>
+            </a:p>
+          </p:txBody>
+        </p:sp>
+        <p:sp>
+          <p:nvSpPr>
+            <p:cNvPr id="36" name="직사각형 35"/>
+            <p:cNvSpPr/>
+            <p:nvPr/>
+          </p:nvSpPr>
+          <p:spPr>
+            <a:xfrm>
+              <a:off x="7122434" y="781309"/>
+              <a:ext cx="288032" cy="252028"/>
+            </a:xfrm>
+            <a:prstGeom prst="rect">
+              <a:avLst/>
+            </a:prstGeom>
+          </p:spPr>
+          <p:style>
+            <a:lnRef idx="2">
+              <a:schemeClr val="accent1">
+                <a:shade val="50000"/>
+              </a:schemeClr>
+            </a:lnRef>
+            <a:fillRef idx="1">
+              <a:schemeClr val="accent1"/>
+            </a:fillRef>
+            <a:effectRef idx="0">
+              <a:schemeClr val="accent1"/>
+            </a:effectRef>
+            <a:fontRef idx="minor">
+              <a:schemeClr val="lt1"/>
+            </a:fontRef>
+          </p:style>
+          <p:txBody>
+            <a:bodyPr rtlCol="0" anchor="ctr"/>
+            <a:lstStyle/>
+            <a:p>
+              <a:pPr algn="ctr"/>
+              <a:r>
+                <a:rPr lang="en-US" altLang="ko-KR" sz="1000" dirty="0" smtClean="0"/>
+                <a:t>X</a:t>
+              </a:r>
+              <a:endParaRPr lang="ko-KR" altLang="en-US" sz="1000" dirty="0"/>
+            </a:p>
+          </p:txBody>
+        </p:sp>
+        <p:sp>
+          <p:nvSpPr>
+            <p:cNvPr id="30" name="직사각형 29"/>
+            <p:cNvSpPr/>
+            <p:nvPr/>
+          </p:nvSpPr>
+          <p:spPr>
+            <a:xfrm>
+              <a:off x="4755369" y="1424659"/>
+              <a:ext cx="437899" cy="493983"/>
+            </a:xfrm>
+            <a:prstGeom prst="rect">
+              <a:avLst/>
+            </a:prstGeom>
+          </p:spPr>
+          <p:style>
+            <a:lnRef idx="2">
+              <a:schemeClr val="dk1"/>
+            </a:lnRef>
+            <a:fillRef idx="1">
+              <a:schemeClr val="lt1"/>
+            </a:fillRef>
+            <a:effectRef idx="0">
+              <a:schemeClr val="dk1"/>
+            </a:effectRef>
+            <a:fontRef idx="minor">
+              <a:schemeClr val="dk1"/>
+            </a:fontRef>
+          </p:style>
+          <p:txBody>
+            <a:bodyPr rtlCol="0" anchor="ctr"/>
+            <a:lstStyle/>
+            <a:p>
+              <a:pPr algn="ctr"/>
+              <a:endParaRPr lang="ko-KR" altLang="en-US" dirty="0"/>
+            </a:p>
+          </p:txBody>
+        </p:sp>
+        <p:sp>
+          <p:nvSpPr>
+            <p:cNvPr id="32" name="직사각형 31"/>
+            <p:cNvSpPr/>
+            <p:nvPr/>
+          </p:nvSpPr>
+          <p:spPr>
+            <a:xfrm>
+              <a:off x="5242333" y="1421477"/>
+              <a:ext cx="437899" cy="493983"/>
+            </a:xfrm>
+            <a:prstGeom prst="rect">
+              <a:avLst/>
+            </a:prstGeom>
+          </p:spPr>
+          <p:style>
+            <a:lnRef idx="2">
+              <a:schemeClr val="dk1"/>
+            </a:lnRef>
+            <a:fillRef idx="1">
+              <a:schemeClr val="lt1"/>
+            </a:fillRef>
+            <a:effectRef idx="0">
+              <a:schemeClr val="dk1"/>
+            </a:effectRef>
+            <a:fontRef idx="minor">
+              <a:schemeClr val="dk1"/>
+            </a:fontRef>
+          </p:style>
+          <p:txBody>
+            <a:bodyPr rtlCol="0" anchor="ctr"/>
+            <a:lstStyle/>
+            <a:p>
+              <a:pPr algn="ctr"/>
+              <a:endParaRPr lang="ko-KR" altLang="en-US" dirty="0"/>
+            </a:p>
+          </p:txBody>
+        </p:sp>
+        <p:sp>
+          <p:nvSpPr>
+            <p:cNvPr id="33" name="직사각형 32"/>
+            <p:cNvSpPr/>
+            <p:nvPr/>
+          </p:nvSpPr>
+          <p:spPr>
+            <a:xfrm>
+              <a:off x="5725951" y="1424268"/>
+              <a:ext cx="437899" cy="493983"/>
+            </a:xfrm>
+            <a:prstGeom prst="rect">
+              <a:avLst/>
+            </a:prstGeom>
+          </p:spPr>
+          <p:style>
+            <a:lnRef idx="2">
+              <a:schemeClr val="dk1"/>
+            </a:lnRef>
+            <a:fillRef idx="1">
+              <a:schemeClr val="lt1"/>
+            </a:fillRef>
+            <a:effectRef idx="0">
+              <a:schemeClr val="dk1"/>
+            </a:effectRef>
+            <a:fontRef idx="minor">
+              <a:schemeClr val="dk1"/>
+            </a:fontRef>
+          </p:style>
+          <p:txBody>
+            <a:bodyPr rtlCol="0" anchor="ctr"/>
+            <a:lstStyle/>
+            <a:p>
+              <a:pPr algn="ctr"/>
+              <a:endParaRPr lang="ko-KR" altLang="en-US" dirty="0"/>
+            </a:p>
+          </p:txBody>
+        </p:sp>
+        <p:sp>
+          <p:nvSpPr>
+            <p:cNvPr id="34" name="직사각형 33"/>
+            <p:cNvSpPr/>
+            <p:nvPr/>
+          </p:nvSpPr>
+          <p:spPr>
+            <a:xfrm>
+              <a:off x="6223476" y="1419622"/>
+              <a:ext cx="437899" cy="493983"/>
+            </a:xfrm>
+            <a:prstGeom prst="rect">
+              <a:avLst/>
+            </a:prstGeom>
+          </p:spPr>
+          <p:style>
+            <a:lnRef idx="2">
+              <a:schemeClr val="dk1"/>
+            </a:lnRef>
+            <a:fillRef idx="1">
+              <a:schemeClr val="lt1"/>
+            </a:fillRef>
+            <a:effectRef idx="0">
+              <a:schemeClr val="dk1"/>
+            </a:effectRef>
+            <a:fontRef idx="minor">
+              <a:schemeClr val="dk1"/>
+            </a:fontRef>
+          </p:style>
+          <p:txBody>
+            <a:bodyPr rtlCol="0" anchor="ctr"/>
+            <a:lstStyle/>
+            <a:p>
+              <a:pPr algn="ctr"/>
+              <a:endParaRPr lang="ko-KR" altLang="en-US" dirty="0"/>
+            </a:p>
+          </p:txBody>
+        </p:sp>
+        <p:sp>
+          <p:nvSpPr>
+            <p:cNvPr id="37" name="직사각형 36"/>
+            <p:cNvSpPr/>
+            <p:nvPr/>
+          </p:nvSpPr>
+          <p:spPr>
+            <a:xfrm>
+              <a:off x="6745304" y="1424299"/>
+              <a:ext cx="437899" cy="493983"/>
+            </a:xfrm>
+            <a:prstGeom prst="rect">
+              <a:avLst/>
+            </a:prstGeom>
+          </p:spPr>
+          <p:style>
+            <a:lnRef idx="2">
+              <a:schemeClr val="dk1"/>
+            </a:lnRef>
+            <a:fillRef idx="1">
+              <a:schemeClr val="lt1"/>
+            </a:fillRef>
+            <a:effectRef idx="0">
+              <a:schemeClr val="dk1"/>
+            </a:effectRef>
+            <a:fontRef idx="minor">
+              <a:schemeClr val="dk1"/>
+            </a:fontRef>
+          </p:style>
+          <p:txBody>
+            <a:bodyPr rtlCol="0" anchor="ctr"/>
+            <a:lstStyle/>
+            <a:p>
+              <a:pPr algn="ctr"/>
+              <a:endParaRPr lang="ko-KR" altLang="en-US" dirty="0"/>
+            </a:p>
+          </p:txBody>
+        </p:sp>
+        <p:sp>
+          <p:nvSpPr>
+            <p:cNvPr id="38" name="직사각형 37"/>
+            <p:cNvSpPr/>
+            <p:nvPr/>
+          </p:nvSpPr>
+          <p:spPr>
+            <a:xfrm>
+              <a:off x="4755369" y="1981681"/>
+              <a:ext cx="437899" cy="493983"/>
+            </a:xfrm>
+            <a:prstGeom prst="rect">
+              <a:avLst/>
+            </a:prstGeom>
+          </p:spPr>
+          <p:style>
+            <a:lnRef idx="2">
+              <a:schemeClr val="dk1"/>
+            </a:lnRef>
+            <a:fillRef idx="1">
+              <a:schemeClr val="lt1"/>
+            </a:fillRef>
+            <a:effectRef idx="0">
+              <a:schemeClr val="dk1"/>
+            </a:effectRef>
+            <a:fontRef idx="minor">
+              <a:schemeClr val="dk1"/>
+            </a:fontRef>
+          </p:style>
+          <p:txBody>
+            <a:bodyPr rtlCol="0" anchor="ctr"/>
+            <a:lstStyle/>
+            <a:p>
+              <a:pPr algn="ctr"/>
+              <a:endParaRPr lang="ko-KR" altLang="en-US" dirty="0"/>
+            </a:p>
+          </p:txBody>
+        </p:sp>
+        <p:sp>
+          <p:nvSpPr>
+            <p:cNvPr id="39" name="직사각형 38"/>
+            <p:cNvSpPr/>
+            <p:nvPr/>
+          </p:nvSpPr>
+          <p:spPr>
+            <a:xfrm>
+              <a:off x="5242333" y="1978499"/>
+              <a:ext cx="437899" cy="493983"/>
+            </a:xfrm>
+            <a:prstGeom prst="rect">
+              <a:avLst/>
+            </a:prstGeom>
+          </p:spPr>
+          <p:style>
+            <a:lnRef idx="2">
+              <a:schemeClr val="dk1"/>
+            </a:lnRef>
+            <a:fillRef idx="1">
+              <a:schemeClr val="lt1"/>
+            </a:fillRef>
+            <a:effectRef idx="0">
+              <a:schemeClr val="dk1"/>
+            </a:effectRef>
+            <a:fontRef idx="minor">
+              <a:schemeClr val="dk1"/>
+            </a:fontRef>
+          </p:style>
+          <p:txBody>
+            <a:bodyPr rtlCol="0" anchor="ctr"/>
+            <a:lstStyle/>
+            <a:p>
+              <a:pPr algn="ctr"/>
+              <a:endParaRPr lang="ko-KR" altLang="en-US" dirty="0"/>
+            </a:p>
+          </p:txBody>
+        </p:sp>
+        <p:sp>
+          <p:nvSpPr>
+            <p:cNvPr id="40" name="직사각형 39"/>
+            <p:cNvSpPr/>
+            <p:nvPr/>
+          </p:nvSpPr>
+          <p:spPr>
+            <a:xfrm>
+              <a:off x="5725951" y="1981290"/>
+              <a:ext cx="437899" cy="493983"/>
+            </a:xfrm>
+            <a:prstGeom prst="rect">
+              <a:avLst/>
+            </a:prstGeom>
+          </p:spPr>
+          <p:style>
+            <a:lnRef idx="2">
+              <a:schemeClr val="dk1"/>
+            </a:lnRef>
+            <a:fillRef idx="1">
+              <a:schemeClr val="lt1"/>
+            </a:fillRef>
+            <a:effectRef idx="0">
+              <a:schemeClr val="dk1"/>
+            </a:effectRef>
+            <a:fontRef idx="minor">
+              <a:schemeClr val="dk1"/>
+            </a:fontRef>
+          </p:style>
+          <p:txBody>
+            <a:bodyPr rtlCol="0" anchor="ctr"/>
+            <a:lstStyle/>
+            <a:p>
+              <a:pPr algn="ctr"/>
+              <a:endParaRPr lang="ko-KR" altLang="en-US" dirty="0"/>
+            </a:p>
+          </p:txBody>
+        </p:sp>
+        <p:sp>
+          <p:nvSpPr>
+            <p:cNvPr id="41" name="직사각형 40"/>
+            <p:cNvSpPr/>
+            <p:nvPr/>
+          </p:nvSpPr>
+          <p:spPr>
+            <a:xfrm>
+              <a:off x="6223476" y="1976644"/>
+              <a:ext cx="437899" cy="493983"/>
+            </a:xfrm>
+            <a:prstGeom prst="rect">
+              <a:avLst/>
+            </a:prstGeom>
+          </p:spPr>
+          <p:style>
+            <a:lnRef idx="2">
+              <a:schemeClr val="dk1"/>
+            </a:lnRef>
+            <a:fillRef idx="1">
+              <a:schemeClr val="lt1"/>
+            </a:fillRef>
+            <a:effectRef idx="0">
+              <a:schemeClr val="dk1"/>
+            </a:effectRef>
+            <a:fontRef idx="minor">
+              <a:schemeClr val="dk1"/>
+            </a:fontRef>
+          </p:style>
+          <p:txBody>
+            <a:bodyPr rtlCol="0" anchor="ctr"/>
+            <a:lstStyle/>
+            <a:p>
+              <a:pPr algn="ctr"/>
+              <a:endParaRPr lang="ko-KR" altLang="en-US" dirty="0"/>
+            </a:p>
+          </p:txBody>
+        </p:sp>
+        <p:sp>
+          <p:nvSpPr>
+            <p:cNvPr id="42" name="직사각형 41"/>
+            <p:cNvSpPr/>
+            <p:nvPr/>
+          </p:nvSpPr>
+          <p:spPr>
+            <a:xfrm>
+              <a:off x="6745304" y="1981321"/>
+              <a:ext cx="437899" cy="493983"/>
+            </a:xfrm>
+            <a:prstGeom prst="rect">
+              <a:avLst/>
+            </a:prstGeom>
+          </p:spPr>
+          <p:style>
+            <a:lnRef idx="2">
+              <a:schemeClr val="dk1"/>
+            </a:lnRef>
+            <a:fillRef idx="1">
+              <a:schemeClr val="lt1"/>
+            </a:fillRef>
+            <a:effectRef idx="0">
+              <a:schemeClr val="dk1"/>
+            </a:effectRef>
+            <a:fontRef idx="minor">
+              <a:schemeClr val="dk1"/>
+            </a:fontRef>
+          </p:style>
+          <p:txBody>
+            <a:bodyPr rtlCol="0" anchor="ctr"/>
+            <a:lstStyle/>
+            <a:p>
+              <a:pPr algn="ctr"/>
+              <a:endParaRPr lang="ko-KR" altLang="en-US" dirty="0"/>
+            </a:p>
+          </p:txBody>
+        </p:sp>
+        <p:sp>
+          <p:nvSpPr>
+            <p:cNvPr id="43" name="직사각형 42"/>
+            <p:cNvSpPr/>
+            <p:nvPr/>
+          </p:nvSpPr>
+          <p:spPr>
+            <a:xfrm>
+              <a:off x="4755369" y="2535747"/>
+              <a:ext cx="437899" cy="493983"/>
+            </a:xfrm>
+            <a:prstGeom prst="rect">
+              <a:avLst/>
+            </a:prstGeom>
+          </p:spPr>
+          <p:style>
+            <a:lnRef idx="2">
+              <a:schemeClr val="dk1"/>
+            </a:lnRef>
+            <a:fillRef idx="1">
+              <a:schemeClr val="lt1"/>
+            </a:fillRef>
+            <a:effectRef idx="0">
+              <a:schemeClr val="dk1"/>
+            </a:effectRef>
+            <a:fontRef idx="minor">
+              <a:schemeClr val="dk1"/>
+            </a:fontRef>
+          </p:style>
+          <p:txBody>
+            <a:bodyPr rtlCol="0" anchor="ctr"/>
+            <a:lstStyle/>
+            <a:p>
+              <a:pPr algn="ctr"/>
+              <a:endParaRPr lang="ko-KR" altLang="en-US" dirty="0"/>
+            </a:p>
+          </p:txBody>
+        </p:sp>
+        <p:sp>
+          <p:nvSpPr>
+            <p:cNvPr id="44" name="직사각형 43"/>
+            <p:cNvSpPr/>
+            <p:nvPr/>
+          </p:nvSpPr>
+          <p:spPr>
+            <a:xfrm>
+              <a:off x="5242333" y="2532565"/>
+              <a:ext cx="437899" cy="493983"/>
+            </a:xfrm>
+            <a:prstGeom prst="rect">
+              <a:avLst/>
+            </a:prstGeom>
+          </p:spPr>
+          <p:style>
+            <a:lnRef idx="2">
+              <a:schemeClr val="dk1"/>
+            </a:lnRef>
+            <a:fillRef idx="1">
+              <a:schemeClr val="lt1"/>
+            </a:fillRef>
+            <a:effectRef idx="0">
+              <a:schemeClr val="dk1"/>
+            </a:effectRef>
+            <a:fontRef idx="minor">
+              <a:schemeClr val="dk1"/>
+            </a:fontRef>
+          </p:style>
+          <p:txBody>
+            <a:bodyPr rtlCol="0" anchor="ctr"/>
+            <a:lstStyle/>
+            <a:p>
+              <a:pPr algn="ctr"/>
+              <a:endParaRPr lang="ko-KR" altLang="en-US" dirty="0"/>
+            </a:p>
+          </p:txBody>
+        </p:sp>
+        <p:sp>
+          <p:nvSpPr>
+            <p:cNvPr id="45" name="직사각형 44"/>
+            <p:cNvSpPr/>
+            <p:nvPr/>
+          </p:nvSpPr>
+          <p:spPr>
+            <a:xfrm>
+              <a:off x="5725951" y="2535356"/>
+              <a:ext cx="437899" cy="493983"/>
+            </a:xfrm>
+            <a:prstGeom prst="rect">
+              <a:avLst/>
+            </a:prstGeom>
+          </p:spPr>
+          <p:style>
+            <a:lnRef idx="2">
+              <a:schemeClr val="dk1"/>
+            </a:lnRef>
+            <a:fillRef idx="1">
+              <a:schemeClr val="lt1"/>
+            </a:fillRef>
+            <a:effectRef idx="0">
+              <a:schemeClr val="dk1"/>
+            </a:effectRef>
+            <a:fontRef idx="minor">
+              <a:schemeClr val="dk1"/>
+            </a:fontRef>
+          </p:style>
+          <p:txBody>
+            <a:bodyPr rtlCol="0" anchor="ctr"/>
+            <a:lstStyle/>
+            <a:p>
+              <a:pPr algn="ctr"/>
+              <a:endParaRPr lang="ko-KR" altLang="en-US" dirty="0"/>
+            </a:p>
+          </p:txBody>
+        </p:sp>
+        <p:sp>
+          <p:nvSpPr>
+            <p:cNvPr id="46" name="직사각형 45"/>
+            <p:cNvSpPr/>
+            <p:nvPr/>
+          </p:nvSpPr>
+          <p:spPr>
+            <a:xfrm>
+              <a:off x="6223476" y="2530710"/>
+              <a:ext cx="437899" cy="493983"/>
+            </a:xfrm>
+            <a:prstGeom prst="rect">
+              <a:avLst/>
+            </a:prstGeom>
+          </p:spPr>
+          <p:style>
+            <a:lnRef idx="2">
+              <a:schemeClr val="dk1"/>
+            </a:lnRef>
+            <a:fillRef idx="1">
+              <a:schemeClr val="lt1"/>
+            </a:fillRef>
+            <a:effectRef idx="0">
+              <a:schemeClr val="dk1"/>
+            </a:effectRef>
+            <a:fontRef idx="minor">
+              <a:schemeClr val="dk1"/>
+            </a:fontRef>
+          </p:style>
+          <p:txBody>
+            <a:bodyPr rtlCol="0" anchor="ctr"/>
+            <a:lstStyle/>
+            <a:p>
+              <a:pPr algn="ctr"/>
+              <a:endParaRPr lang="ko-KR" altLang="en-US" dirty="0"/>
+            </a:p>
+          </p:txBody>
+        </p:sp>
+        <p:sp>
+          <p:nvSpPr>
+            <p:cNvPr id="47" name="직사각형 46"/>
+            <p:cNvSpPr/>
+            <p:nvPr/>
+          </p:nvSpPr>
+          <p:spPr>
+            <a:xfrm>
+              <a:off x="6745304" y="2535387"/>
+              <a:ext cx="437899" cy="493983"/>
+            </a:xfrm>
+            <a:prstGeom prst="rect">
+              <a:avLst/>
+            </a:prstGeom>
+          </p:spPr>
+          <p:style>
+            <a:lnRef idx="2">
+              <a:schemeClr val="dk1"/>
+            </a:lnRef>
+            <a:fillRef idx="1">
+              <a:schemeClr val="lt1"/>
+            </a:fillRef>
+            <a:effectRef idx="0">
+              <a:schemeClr val="dk1"/>
+            </a:effectRef>
+            <a:fontRef idx="minor">
+              <a:schemeClr val="dk1"/>
+            </a:fontRef>
+          </p:style>
+          <p:txBody>
+            <a:bodyPr rtlCol="0" anchor="ctr"/>
+            <a:lstStyle/>
+            <a:p>
+              <a:pPr algn="ctr"/>
+              <a:endParaRPr lang="ko-KR" altLang="en-US" dirty="0"/>
+            </a:p>
+          </p:txBody>
+        </p:sp>
+        <p:sp>
+          <p:nvSpPr>
+            <p:cNvPr id="48" name="직사각형 47"/>
+            <p:cNvSpPr/>
+            <p:nvPr/>
+          </p:nvSpPr>
+          <p:spPr>
+            <a:xfrm>
+              <a:off x="4755369" y="3092769"/>
+              <a:ext cx="437899" cy="493983"/>
+            </a:xfrm>
+            <a:prstGeom prst="rect">
+              <a:avLst/>
+            </a:prstGeom>
+          </p:spPr>
+          <p:style>
+            <a:lnRef idx="2">
+              <a:schemeClr val="dk1"/>
+            </a:lnRef>
+            <a:fillRef idx="1">
+              <a:schemeClr val="lt1"/>
+            </a:fillRef>
+            <a:effectRef idx="0">
+              <a:schemeClr val="dk1"/>
+            </a:effectRef>
+            <a:fontRef idx="minor">
+              <a:schemeClr val="dk1"/>
+            </a:fontRef>
+          </p:style>
+          <p:txBody>
+            <a:bodyPr rtlCol="0" anchor="ctr"/>
+            <a:lstStyle/>
+            <a:p>
+              <a:pPr algn="ctr"/>
+              <a:endParaRPr lang="ko-KR" altLang="en-US" dirty="0"/>
+            </a:p>
+          </p:txBody>
+        </p:sp>
+        <p:sp>
+          <p:nvSpPr>
+            <p:cNvPr id="49" name="직사각형 48"/>
+            <p:cNvSpPr/>
+            <p:nvPr/>
+          </p:nvSpPr>
+          <p:spPr>
+            <a:xfrm>
+              <a:off x="5242333" y="3089587"/>
+              <a:ext cx="437899" cy="493983"/>
+            </a:xfrm>
+            <a:prstGeom prst="rect">
+              <a:avLst/>
+            </a:prstGeom>
+          </p:spPr>
+          <p:style>
+            <a:lnRef idx="2">
+              <a:schemeClr val="dk1"/>
+            </a:lnRef>
+            <a:fillRef idx="1">
+              <a:schemeClr val="lt1"/>
+            </a:fillRef>
+            <a:effectRef idx="0">
+              <a:schemeClr val="dk1"/>
+            </a:effectRef>
+            <a:fontRef idx="minor">
+              <a:schemeClr val="dk1"/>
+            </a:fontRef>
+          </p:style>
+          <p:txBody>
+            <a:bodyPr rtlCol="0" anchor="ctr"/>
+            <a:lstStyle/>
+            <a:p>
+              <a:pPr algn="ctr"/>
+              <a:endParaRPr lang="ko-KR" altLang="en-US" dirty="0"/>
+            </a:p>
+          </p:txBody>
+        </p:sp>
+        <p:sp>
+          <p:nvSpPr>
+            <p:cNvPr id="50" name="직사각형 49"/>
+            <p:cNvSpPr/>
+            <p:nvPr/>
+          </p:nvSpPr>
+          <p:spPr>
+            <a:xfrm>
+              <a:off x="5725951" y="3092378"/>
+              <a:ext cx="437899" cy="493983"/>
+            </a:xfrm>
+            <a:prstGeom prst="rect">
+              <a:avLst/>
+            </a:prstGeom>
+          </p:spPr>
+          <p:style>
+            <a:lnRef idx="2">
+              <a:schemeClr val="dk1"/>
+            </a:lnRef>
+            <a:fillRef idx="1">
+              <a:schemeClr val="lt1"/>
+            </a:fillRef>
+            <a:effectRef idx="0">
+              <a:schemeClr val="dk1"/>
+            </a:effectRef>
+            <a:fontRef idx="minor">
+              <a:schemeClr val="dk1"/>
+            </a:fontRef>
+          </p:style>
+          <p:txBody>
+            <a:bodyPr rtlCol="0" anchor="ctr"/>
+            <a:lstStyle/>
+            <a:p>
+              <a:pPr algn="ctr"/>
+              <a:endParaRPr lang="ko-KR" altLang="en-US" dirty="0"/>
+            </a:p>
+          </p:txBody>
+        </p:sp>
+        <p:sp>
+          <p:nvSpPr>
+            <p:cNvPr id="51" name="직사각형 50"/>
+            <p:cNvSpPr/>
+            <p:nvPr/>
+          </p:nvSpPr>
+          <p:spPr>
+            <a:xfrm>
+              <a:off x="6223476" y="3087732"/>
+              <a:ext cx="437899" cy="493983"/>
+            </a:xfrm>
+            <a:prstGeom prst="rect">
+              <a:avLst/>
+            </a:prstGeom>
+          </p:spPr>
+          <p:style>
+            <a:lnRef idx="2">
+              <a:schemeClr val="dk1"/>
+            </a:lnRef>
+            <a:fillRef idx="1">
+              <a:schemeClr val="lt1"/>
+            </a:fillRef>
+            <a:effectRef idx="0">
+              <a:schemeClr val="dk1"/>
+            </a:effectRef>
+            <a:fontRef idx="minor">
+              <a:schemeClr val="dk1"/>
+            </a:fontRef>
+          </p:style>
+          <p:txBody>
+            <a:bodyPr rtlCol="0" anchor="ctr"/>
+            <a:lstStyle/>
+            <a:p>
+              <a:pPr algn="ctr"/>
+              <a:endParaRPr lang="ko-KR" altLang="en-US" dirty="0"/>
+            </a:p>
+          </p:txBody>
+        </p:sp>
+        <p:sp>
+          <p:nvSpPr>
+            <p:cNvPr id="52" name="직사각형 51"/>
+            <p:cNvSpPr/>
+            <p:nvPr/>
+          </p:nvSpPr>
+          <p:spPr>
+            <a:xfrm>
+              <a:off x="6745304" y="3092409"/>
+              <a:ext cx="437899" cy="493983"/>
+            </a:xfrm>
+            <a:prstGeom prst="rect">
+              <a:avLst/>
+            </a:prstGeom>
+          </p:spPr>
+          <p:style>
+            <a:lnRef idx="2">
+              <a:schemeClr val="dk1"/>
+            </a:lnRef>
+            <a:fillRef idx="1">
+              <a:schemeClr val="lt1"/>
+            </a:fillRef>
+            <a:effectRef idx="0">
+              <a:schemeClr val="dk1"/>
+            </a:effectRef>
+            <a:fontRef idx="minor">
+              <a:schemeClr val="dk1"/>
+            </a:fontRef>
+          </p:style>
+          <p:txBody>
+            <a:bodyPr rtlCol="0" anchor="ctr"/>
+            <a:lstStyle/>
+            <a:p>
+              <a:pPr algn="ctr"/>
+              <a:endParaRPr lang="ko-KR" altLang="en-US" dirty="0"/>
+            </a:p>
+          </p:txBody>
+        </p:sp>
+        <p:sp>
+          <p:nvSpPr>
+            <p:cNvPr id="53" name="직사각형 52"/>
+            <p:cNvSpPr/>
+            <p:nvPr/>
+          </p:nvSpPr>
+          <p:spPr>
+            <a:xfrm>
+              <a:off x="4755369" y="3648640"/>
+              <a:ext cx="437899" cy="493983"/>
+            </a:xfrm>
+            <a:prstGeom prst="rect">
+              <a:avLst/>
+            </a:prstGeom>
+          </p:spPr>
+          <p:style>
+            <a:lnRef idx="2">
+              <a:schemeClr val="dk1"/>
+            </a:lnRef>
+            <a:fillRef idx="1">
+              <a:schemeClr val="lt1"/>
+            </a:fillRef>
+            <a:effectRef idx="0">
+              <a:schemeClr val="dk1"/>
+            </a:effectRef>
+            <a:fontRef idx="minor">
+              <a:schemeClr val="dk1"/>
+            </a:fontRef>
+          </p:style>
+          <p:txBody>
+            <a:bodyPr rtlCol="0" anchor="ctr"/>
+            <a:lstStyle/>
+            <a:p>
+              <a:pPr algn="ctr"/>
+              <a:endParaRPr lang="ko-KR" altLang="en-US" dirty="0"/>
+            </a:p>
+          </p:txBody>
+        </p:sp>
+        <p:sp>
+          <p:nvSpPr>
+            <p:cNvPr id="54" name="직사각형 53"/>
+            <p:cNvSpPr/>
+            <p:nvPr/>
+          </p:nvSpPr>
+          <p:spPr>
+            <a:xfrm>
+              <a:off x="5242333" y="3645458"/>
+              <a:ext cx="437899" cy="493983"/>
+            </a:xfrm>
+            <a:prstGeom prst="rect">
+              <a:avLst/>
+            </a:prstGeom>
+          </p:spPr>
+          <p:style>
+            <a:lnRef idx="2">
+              <a:schemeClr val="dk1"/>
+            </a:lnRef>
+            <a:fillRef idx="1">
+              <a:schemeClr val="lt1"/>
+            </a:fillRef>
+            <a:effectRef idx="0">
+              <a:schemeClr val="dk1"/>
+            </a:effectRef>
+            <a:fontRef idx="minor">
+              <a:schemeClr val="dk1"/>
+            </a:fontRef>
+          </p:style>
+          <p:txBody>
+            <a:bodyPr rtlCol="0" anchor="ctr"/>
+            <a:lstStyle/>
+            <a:p>
+              <a:pPr algn="ctr"/>
+              <a:endParaRPr lang="ko-KR" altLang="en-US" dirty="0"/>
+            </a:p>
+          </p:txBody>
+        </p:sp>
+        <p:sp>
+          <p:nvSpPr>
+            <p:cNvPr id="55" name="직사각형 54"/>
+            <p:cNvSpPr/>
+            <p:nvPr/>
+          </p:nvSpPr>
+          <p:spPr>
+            <a:xfrm>
+              <a:off x="5746389" y="3648249"/>
+              <a:ext cx="437899" cy="493983"/>
+            </a:xfrm>
+            <a:prstGeom prst="rect">
+              <a:avLst/>
+            </a:prstGeom>
+          </p:spPr>
+          <p:style>
+            <a:lnRef idx="2">
+              <a:schemeClr val="dk1"/>
+            </a:lnRef>
+            <a:fillRef idx="1">
+              <a:schemeClr val="lt1"/>
+            </a:fillRef>
+            <a:effectRef idx="0">
+              <a:schemeClr val="dk1"/>
+            </a:effectRef>
+            <a:fontRef idx="minor">
+              <a:schemeClr val="dk1"/>
+            </a:fontRef>
+          </p:style>
+          <p:txBody>
+            <a:bodyPr rtlCol="0" anchor="ctr"/>
+            <a:lstStyle/>
+            <a:p>
+              <a:pPr algn="ctr"/>
+              <a:endParaRPr lang="ko-KR" altLang="en-US" dirty="0"/>
+            </a:p>
+          </p:txBody>
+        </p:sp>
+        <p:sp>
+          <p:nvSpPr>
+            <p:cNvPr id="56" name="직사각형 55"/>
+            <p:cNvSpPr/>
+            <p:nvPr/>
+          </p:nvSpPr>
+          <p:spPr>
+            <a:xfrm>
+              <a:off x="6243914" y="3643603"/>
+              <a:ext cx="437899" cy="493983"/>
+            </a:xfrm>
+            <a:prstGeom prst="rect">
+              <a:avLst/>
+            </a:prstGeom>
+          </p:spPr>
+          <p:style>
+            <a:lnRef idx="2">
+              <a:schemeClr val="dk1"/>
+            </a:lnRef>
+            <a:fillRef idx="1">
+              <a:schemeClr val="lt1"/>
+            </a:fillRef>
+            <a:effectRef idx="0">
+              <a:schemeClr val="dk1"/>
+            </a:effectRef>
+            <a:fontRef idx="minor">
+              <a:schemeClr val="dk1"/>
+            </a:fontRef>
+          </p:style>
+          <p:txBody>
+            <a:bodyPr rtlCol="0" anchor="ctr"/>
+            <a:lstStyle/>
+            <a:p>
+              <a:pPr algn="ctr"/>
+              <a:endParaRPr lang="ko-KR" altLang="en-US" dirty="0"/>
+            </a:p>
+          </p:txBody>
+        </p:sp>
+        <p:sp>
+          <p:nvSpPr>
+            <p:cNvPr id="57" name="직사각형 56"/>
+            <p:cNvSpPr/>
+            <p:nvPr/>
+          </p:nvSpPr>
+          <p:spPr>
+            <a:xfrm>
+              <a:off x="6765742" y="3648280"/>
+              <a:ext cx="437899" cy="493983"/>
+            </a:xfrm>
+            <a:prstGeom prst="rect">
+              <a:avLst/>
+            </a:prstGeom>
+          </p:spPr>
+          <p:style>
+            <a:lnRef idx="2">
+              <a:schemeClr val="dk1"/>
+            </a:lnRef>
+            <a:fillRef idx="1">
+              <a:schemeClr val="lt1"/>
+            </a:fillRef>
+            <a:effectRef idx="0">
+              <a:schemeClr val="dk1"/>
+            </a:effectRef>
+            <a:fontRef idx="minor">
+              <a:schemeClr val="dk1"/>
+            </a:fontRef>
+          </p:style>
+          <p:txBody>
+            <a:bodyPr rtlCol="0" anchor="ctr"/>
+            <a:lstStyle/>
+            <a:p>
+              <a:pPr algn="ctr"/>
+              <a:endParaRPr lang="ko-KR" altLang="en-US" dirty="0"/>
+            </a:p>
+          </p:txBody>
+        </p:sp>
+      </p:grpSp>
       <p:sp>
         <p:nvSpPr>
           <p:cNvPr id="65" name="타원 64"/>
